--- a/pres_projet.pptx
+++ b/pres_projet.pptx
@@ -5,7 +5,7 @@
     <p:sldMasterId id="2147483673" r:id="rId1"/>
   </p:sldMasterIdLst>
   <p:notesMasterIdLst>
-    <p:notesMasterId r:id="rId10"/>
+    <p:notesMasterId r:id="rId13"/>
   </p:notesMasterIdLst>
   <p:sldIdLst>
     <p:sldId id="262" r:id="rId2"/>
@@ -13,9 +13,12 @@
     <p:sldId id="264" r:id="rId4"/>
     <p:sldId id="265" r:id="rId5"/>
     <p:sldId id="266" r:id="rId6"/>
-    <p:sldId id="267" r:id="rId7"/>
-    <p:sldId id="269" r:id="rId8"/>
-    <p:sldId id="268" r:id="rId9"/>
+    <p:sldId id="270" r:id="rId7"/>
+    <p:sldId id="271" r:id="rId8"/>
+    <p:sldId id="272" r:id="rId9"/>
+    <p:sldId id="267" r:id="rId10"/>
+    <p:sldId id="269" r:id="rId11"/>
+    <p:sldId id="268" r:id="rId12"/>
   </p:sldIdLst>
   <p:sldSz cx="9144000" cy="6858000" type="screen4x3"/>
   <p:notesSz cx="6858000" cy="9144000"/>
@@ -2520,6 +2523,328 @@
 </p:sld>
 </file>
 
+<file path=ppt/slides/slide10.xml><?xml version="1.0" encoding="utf-8"?>
+<p:sld xmlns:a="http://schemas.openxmlformats.org/drawingml/2006/main" xmlns:r="http://schemas.openxmlformats.org/officeDocument/2006/relationships" xmlns:p="http://schemas.openxmlformats.org/presentationml/2006/main">
+  <p:cSld>
+    <p:spTree>
+      <p:nvGrpSpPr>
+        <p:cNvPr id="1" name=""/>
+        <p:cNvGrpSpPr/>
+        <p:nvPr/>
+      </p:nvGrpSpPr>
+      <p:grpSpPr>
+        <a:xfrm>
+          <a:off x="0" y="0"/>
+          <a:ext cx="0" cy="0"/>
+          <a:chOff x="0" y="0"/>
+          <a:chExt cx="0" cy="0"/>
+        </a:xfrm>
+      </p:grpSpPr>
+      <p:sp>
+        <p:nvSpPr>
+          <p:cNvPr id="2" name="Titre 1">
+            <a:extLst>
+              <a:ext uri="{FF2B5EF4-FFF2-40B4-BE49-F238E27FC236}">
+                <a16:creationId xmlns:a16="http://schemas.microsoft.com/office/drawing/2014/main" id="{7C184A5D-E417-4503-B727-0DA9812E9444}"/>
+              </a:ext>
+            </a:extLst>
+          </p:cNvPr>
+          <p:cNvSpPr>
+            <a:spLocks noGrp="1"/>
+          </p:cNvSpPr>
+          <p:nvPr>
+            <p:ph type="title"/>
+          </p:nvPr>
+        </p:nvSpPr>
+        <p:spPr/>
+        <p:txBody>
+          <a:bodyPr/>
+          <a:lstStyle/>
+          <a:p>
+            <a:r>
+              <a:rPr lang="fr-FR" dirty="0"/>
+              <a:t>Rendu attendu</a:t>
+            </a:r>
+          </a:p>
+        </p:txBody>
+      </p:sp>
+      <p:sp>
+        <p:nvSpPr>
+          <p:cNvPr id="3" name="Espace réservé du numéro de diapositive 2">
+            <a:extLst>
+              <a:ext uri="{FF2B5EF4-FFF2-40B4-BE49-F238E27FC236}">
+                <a16:creationId xmlns:a16="http://schemas.microsoft.com/office/drawing/2014/main" id="{95B3E199-9DE1-4B04-AC4D-9E3FC9BA1306}"/>
+              </a:ext>
+            </a:extLst>
+          </p:cNvPr>
+          <p:cNvSpPr>
+            <a:spLocks noGrp="1"/>
+          </p:cNvSpPr>
+          <p:nvPr>
+            <p:ph type="sldNum" sz="quarter" idx="12"/>
+          </p:nvPr>
+        </p:nvSpPr>
+        <p:spPr/>
+        <p:txBody>
+          <a:bodyPr/>
+          <a:lstStyle/>
+          <a:p>
+            <a:pPr>
+              <a:defRPr/>
+            </a:pPr>
+            <a:fld id="{D727A26F-F00B-4596-8258-FF21EF8271F6}" type="slidenum">
+              <a:rPr lang="fr-FR" smtClean="0"/>
+              <a:pPr>
+                <a:defRPr/>
+              </a:pPr>
+              <a:t>10</a:t>
+            </a:fld>
+            <a:endParaRPr lang="fr-FR" dirty="0"/>
+          </a:p>
+        </p:txBody>
+      </p:sp>
+      <p:sp>
+        <p:nvSpPr>
+          <p:cNvPr id="4" name="Espace réservé du contenu 3">
+            <a:extLst>
+              <a:ext uri="{FF2B5EF4-FFF2-40B4-BE49-F238E27FC236}">
+                <a16:creationId xmlns:a16="http://schemas.microsoft.com/office/drawing/2014/main" id="{F29ECEEE-5FE7-4EE0-BFAA-48040A989A41}"/>
+              </a:ext>
+            </a:extLst>
+          </p:cNvPr>
+          <p:cNvSpPr>
+            <a:spLocks noGrp="1"/>
+          </p:cNvSpPr>
+          <p:nvPr>
+            <p:ph idx="1"/>
+          </p:nvPr>
+        </p:nvSpPr>
+        <p:spPr/>
+        <p:txBody>
+          <a:bodyPr/>
+          <a:lstStyle/>
+          <a:p>
+            <a:r>
+              <a:rPr lang="fr-FR" dirty="0"/>
+              <a:t>Niveau 1</a:t>
+            </a:r>
+          </a:p>
+          <a:p>
+            <a:pPr lvl="1"/>
+            <a:r>
+              <a:rPr lang="fr-FR" dirty="0"/>
+              <a:t>Quels sont les suspects innocentés ? </a:t>
+            </a:r>
+          </a:p>
+          <a:p>
+            <a:pPr lvl="1"/>
+            <a:r>
+              <a:rPr lang="fr-FR" dirty="0"/>
+              <a:t>Qui est le coupable ? </a:t>
+            </a:r>
+          </a:p>
+          <a:p>
+            <a:r>
+              <a:rPr lang="fr-FR" dirty="0"/>
+              <a:t>Niveau 2</a:t>
+            </a:r>
+          </a:p>
+          <a:p>
+            <a:pPr lvl="1"/>
+            <a:r>
+              <a:rPr lang="fr-FR" dirty="0"/>
+              <a:t>Soigner le code</a:t>
+            </a:r>
+          </a:p>
+          <a:p>
+            <a:pPr lvl="1"/>
+            <a:r>
+              <a:rPr lang="fr-FR" dirty="0"/>
+              <a:t>Limiter les appels inutiles</a:t>
+            </a:r>
+          </a:p>
+          <a:p>
+            <a:pPr lvl="1"/>
+            <a:r>
+              <a:rPr lang="fr-FR" dirty="0"/>
+              <a:t>Homogénéiser les traitements </a:t>
+            </a:r>
+          </a:p>
+          <a:p>
+            <a:r>
+              <a:rPr lang="fr-FR" dirty="0"/>
+              <a:t>Niveau 3</a:t>
+            </a:r>
+          </a:p>
+          <a:p>
+            <a:pPr lvl="1"/>
+            <a:r>
+              <a:rPr lang="fr-FR" dirty="0"/>
+              <a:t>Penser à réutiliser le </a:t>
+            </a:r>
+            <a:r>
+              <a:rPr lang="fr-FR"/>
+              <a:t>TD cartographie…</a:t>
+            </a:r>
+            <a:endParaRPr lang="fr-FR" dirty="0"/>
+          </a:p>
+        </p:txBody>
+      </p:sp>
+    </p:spTree>
+    <p:extLst>
+      <p:ext uri="{BB962C8B-B14F-4D97-AF65-F5344CB8AC3E}">
+        <p14:creationId xmlns:p14="http://schemas.microsoft.com/office/powerpoint/2010/main" val="146601158"/>
+      </p:ext>
+    </p:extLst>
+  </p:cSld>
+  <p:clrMapOvr>
+    <a:masterClrMapping/>
+  </p:clrMapOvr>
+</p:sld>
+</file>
+
+<file path=ppt/slides/slide11.xml><?xml version="1.0" encoding="utf-8"?>
+<p:sld xmlns:a="http://schemas.openxmlformats.org/drawingml/2006/main" xmlns:r="http://schemas.openxmlformats.org/officeDocument/2006/relationships" xmlns:p="http://schemas.openxmlformats.org/presentationml/2006/main">
+  <p:cSld>
+    <p:spTree>
+      <p:nvGrpSpPr>
+        <p:cNvPr id="1" name=""/>
+        <p:cNvGrpSpPr/>
+        <p:nvPr/>
+      </p:nvGrpSpPr>
+      <p:grpSpPr>
+        <a:xfrm>
+          <a:off x="0" y="0"/>
+          <a:ext cx="0" cy="0"/>
+          <a:chOff x="0" y="0"/>
+          <a:chExt cx="0" cy="0"/>
+        </a:xfrm>
+      </p:grpSpPr>
+      <p:sp>
+        <p:nvSpPr>
+          <p:cNvPr id="2" name="Titre 1">
+            <a:extLst>
+              <a:ext uri="{FF2B5EF4-FFF2-40B4-BE49-F238E27FC236}">
+                <a16:creationId xmlns:a16="http://schemas.microsoft.com/office/drawing/2014/main" id="{D74E9A7F-B35D-411A-8B3D-5DD6785E2810}"/>
+              </a:ext>
+            </a:extLst>
+          </p:cNvPr>
+          <p:cNvSpPr>
+            <a:spLocks noGrp="1"/>
+          </p:cNvSpPr>
+          <p:nvPr>
+            <p:ph type="title"/>
+          </p:nvPr>
+        </p:nvSpPr>
+        <p:spPr/>
+        <p:txBody>
+          <a:bodyPr/>
+          <a:lstStyle/>
+          <a:p>
+            <a:r>
+              <a:rPr lang="fr-FR" dirty="0"/>
+              <a:t>Organisation pratique</a:t>
+            </a:r>
+          </a:p>
+        </p:txBody>
+      </p:sp>
+      <p:sp>
+        <p:nvSpPr>
+          <p:cNvPr id="3" name="Espace réservé du numéro de diapositive 2">
+            <a:extLst>
+              <a:ext uri="{FF2B5EF4-FFF2-40B4-BE49-F238E27FC236}">
+                <a16:creationId xmlns:a16="http://schemas.microsoft.com/office/drawing/2014/main" id="{074CF6D5-0434-4C37-A959-23A7BDB717A8}"/>
+              </a:ext>
+            </a:extLst>
+          </p:cNvPr>
+          <p:cNvSpPr>
+            <a:spLocks noGrp="1"/>
+          </p:cNvSpPr>
+          <p:nvPr>
+            <p:ph type="sldNum" sz="quarter" idx="12"/>
+          </p:nvPr>
+        </p:nvSpPr>
+        <p:spPr/>
+        <p:txBody>
+          <a:bodyPr/>
+          <a:lstStyle/>
+          <a:p>
+            <a:pPr>
+              <a:defRPr/>
+            </a:pPr>
+            <a:fld id="{D727A26F-F00B-4596-8258-FF21EF8271F6}" type="slidenum">
+              <a:rPr lang="fr-FR" smtClean="0"/>
+              <a:pPr>
+                <a:defRPr/>
+              </a:pPr>
+              <a:t>11</a:t>
+            </a:fld>
+            <a:endParaRPr lang="fr-FR" dirty="0"/>
+          </a:p>
+        </p:txBody>
+      </p:sp>
+      <p:sp>
+        <p:nvSpPr>
+          <p:cNvPr id="4" name="Espace réservé du contenu 3">
+            <a:extLst>
+              <a:ext uri="{FF2B5EF4-FFF2-40B4-BE49-F238E27FC236}">
+                <a16:creationId xmlns:a16="http://schemas.microsoft.com/office/drawing/2014/main" id="{96125E38-66DD-40EF-B277-DA0C8724A34F}"/>
+              </a:ext>
+            </a:extLst>
+          </p:cNvPr>
+          <p:cNvSpPr>
+            <a:spLocks noGrp="1"/>
+          </p:cNvSpPr>
+          <p:nvPr>
+            <p:ph idx="1"/>
+          </p:nvPr>
+        </p:nvSpPr>
+        <p:spPr/>
+        <p:txBody>
+          <a:bodyPr/>
+          <a:lstStyle/>
+          <a:p>
+            <a:r>
+              <a:rPr lang="fr-FR" dirty="0"/>
+              <a:t>Groupes de 2 (voir 3) étudiants</a:t>
+            </a:r>
+          </a:p>
+          <a:p>
+            <a:endParaRPr lang="fr-FR" dirty="0"/>
+          </a:p>
+          <a:p>
+            <a:r>
+              <a:rPr lang="fr-FR" dirty="0"/>
+              <a:t>Rendu pour le jeudi 22 décembre</a:t>
+            </a:r>
+          </a:p>
+          <a:p>
+            <a:endParaRPr lang="fr-FR" dirty="0"/>
+          </a:p>
+          <a:p>
+            <a:r>
+              <a:rPr lang="fr-FR" dirty="0"/>
+              <a:t>Présence en TD obligatoire</a:t>
+            </a:r>
+          </a:p>
+          <a:p>
+            <a:endParaRPr lang="fr-FR" dirty="0"/>
+          </a:p>
+        </p:txBody>
+      </p:sp>
+    </p:spTree>
+    <p:extLst>
+      <p:ext uri="{BB962C8B-B14F-4D97-AF65-F5344CB8AC3E}">
+        <p14:creationId xmlns:p14="http://schemas.microsoft.com/office/powerpoint/2010/main" val="1281617417"/>
+      </p:ext>
+    </p:extLst>
+  </p:cSld>
+  <p:clrMapOvr>
+    <a:masterClrMapping/>
+  </p:clrMapOvr>
+</p:sld>
+</file>
+
 <file path=ppt/slides/slide2.xml><?xml version="1.0" encoding="utf-8"?>
 <p:sld xmlns:a="http://schemas.openxmlformats.org/drawingml/2006/main" xmlns:r="http://schemas.openxmlformats.org/officeDocument/2006/relationships" xmlns:p="http://schemas.openxmlformats.org/presentationml/2006/main">
   <p:cSld>
@@ -3421,73 +3746,6 @@
               <a:buFont typeface="Symbol" panose="05050102010706020507" pitchFamily="18" charset="2"/>
               <a:buChar char="Þ"/>
             </a:pPr>
-            <a:r>
-              <a:rPr lang="fr-FR" sz="1800" dirty="0"/>
-              <a:t> Robert est innocent</a:t>
-            </a:r>
-          </a:p>
-          <a:p>
-            <a:pPr lvl="1"/>
-            <a:r>
-              <a:rPr lang="fr-FR" sz="2000" dirty="0"/>
-              <a:t>Josiane a </a:t>
-            </a:r>
-            <a:r>
-              <a:rPr lang="fr-FR" sz="2000" dirty="0" err="1"/>
-              <a:t>tweeté</a:t>
-            </a:r>
-            <a:r>
-              <a:rPr lang="fr-FR" sz="2000" dirty="0"/>
-              <a:t> à 11h40 à la Tour Eiffel</a:t>
-            </a:r>
-          </a:p>
-          <a:p>
-            <a:pPr lvl="2"/>
-            <a:r>
-              <a:rPr lang="fr-FR" sz="1800" dirty="0"/>
-              <a:t>Tour Eiffel =&gt; UFR Sciences sociale 3h20</a:t>
-            </a:r>
-          </a:p>
-          <a:p>
-            <a:pPr lvl="2">
-              <a:buFont typeface="Symbol" panose="05050102010706020507" pitchFamily="18" charset="2"/>
-              <a:buChar char="Þ"/>
-            </a:pPr>
-            <a:r>
-              <a:rPr lang="fr-FR" sz="1800" dirty="0"/>
-              <a:t> Ce tweet ne permet pas d’innocenter Josiane</a:t>
-            </a:r>
-          </a:p>
-          <a:p>
-            <a:pPr lvl="1"/>
-            <a:r>
-              <a:rPr lang="fr-FR" sz="2000" dirty="0">
-                <a:solidFill>
-                  <a:prstClr val="black"/>
-                </a:solidFill>
-              </a:rPr>
-              <a:t>Le téléphone de Marcelle a borné à 14h30 à Nantes</a:t>
-            </a:r>
-          </a:p>
-          <a:p>
-            <a:pPr lvl="2"/>
-            <a:r>
-              <a:rPr lang="fr-FR" sz="1800" dirty="0"/>
-              <a:t>Nantes =&gt; UFR Sciences sociale 1h10</a:t>
-            </a:r>
-          </a:p>
-          <a:p>
-            <a:pPr lvl="2">
-              <a:buFont typeface="Symbol" panose="05050102010706020507" pitchFamily="18" charset="2"/>
-              <a:buChar char="Þ"/>
-            </a:pPr>
-            <a:r>
-              <a:rPr lang="fr-FR" sz="1800" dirty="0"/>
-              <a:t> Marcelle est innocente</a:t>
-            </a:r>
-          </a:p>
-          <a:p>
-            <a:pPr lvl="1"/>
             <a:endParaRPr lang="fr-FR" dirty="0">
               <a:solidFill>
                 <a:prstClr val="black"/>
@@ -3577,7 +3835,7 @@
           <p:cNvPr id="2" name="Titre 1">
             <a:extLst>
               <a:ext uri="{FF2B5EF4-FFF2-40B4-BE49-F238E27FC236}">
-                <a16:creationId xmlns:a16="http://schemas.microsoft.com/office/drawing/2014/main" id="{CFBCEC0E-D752-46F6-A9A1-587F4E7C8E90}"/>
+                <a16:creationId xmlns:a16="http://schemas.microsoft.com/office/drawing/2014/main" id="{CFED6C93-0D00-4165-AE58-B4986A672F3C}"/>
               </a:ext>
             </a:extLst>
           </p:cNvPr>
@@ -3595,7 +3853,7 @@
           <a:p>
             <a:r>
               <a:rPr lang="fr-FR" dirty="0"/>
-              <a:t>Techniquement</a:t>
+              <a:t>Innocenter un suspect</a:t>
             </a:r>
           </a:p>
         </p:txBody>
@@ -3605,7 +3863,7 @@
           <p:cNvPr id="3" name="Espace réservé du numéro de diapositive 2">
             <a:extLst>
               <a:ext uri="{FF2B5EF4-FFF2-40B4-BE49-F238E27FC236}">
-                <a16:creationId xmlns:a16="http://schemas.microsoft.com/office/drawing/2014/main" id="{E2AE9AFF-1721-45B1-869F-8953F0A1CF05}"/>
+                <a16:creationId xmlns:a16="http://schemas.microsoft.com/office/drawing/2014/main" id="{06D83D37-56EF-402A-BCB2-E1F3FA710DAC}"/>
               </a:ext>
             </a:extLst>
           </p:cNvPr>
@@ -3640,7 +3898,7 @@
           <p:cNvPr id="4" name="Espace réservé du contenu 3">
             <a:extLst>
               <a:ext uri="{FF2B5EF4-FFF2-40B4-BE49-F238E27FC236}">
-                <a16:creationId xmlns:a16="http://schemas.microsoft.com/office/drawing/2014/main" id="{F943E2F7-6CC7-42D5-B1CE-EAD96F0688F2}"/>
+                <a16:creationId xmlns:a16="http://schemas.microsoft.com/office/drawing/2014/main" id="{BDFD34B4-13AA-4A68-A5A2-EA8A421B3BA0}"/>
               </a:ext>
             </a:extLst>
           </p:cNvPr>
@@ -3657,104 +3915,114 @@
           <a:lstStyle/>
           <a:p>
             <a:r>
-              <a:rPr lang="fr-FR" dirty="0"/>
-              <a:t>Liste des suspects</a:t>
+              <a:rPr lang="fr-FR" sz="2400" dirty="0"/>
+              <a:t>Un suspect est innocent </a:t>
             </a:r>
           </a:p>
           <a:p>
             <a:pPr lvl="1"/>
             <a:r>
-              <a:rPr lang="fr-FR" dirty="0"/>
-              <a:t>Fichier suspect.csv</a:t>
-            </a:r>
-          </a:p>
-          <a:p>
-            <a:r>
-              <a:rPr lang="fr-FR" dirty="0"/>
-              <a:t>Tweets des suspects</a:t>
+              <a:rPr lang="fr-FR" sz="2000" dirty="0"/>
+              <a:t>s’il ne pouvait pas être présent à 15h05 sur les lieux du crime</a:t>
             </a:r>
           </a:p>
           <a:p>
             <a:pPr lvl="1"/>
             <a:r>
-              <a:rPr lang="fr-FR" dirty="0"/>
-              <a:t>Utiliser l’API </a:t>
-            </a:r>
-            <a:r>
-              <a:rPr lang="fr-FR" dirty="0" err="1"/>
-              <a:t>tweepy</a:t>
-            </a:r>
-            <a:r>
-              <a:rPr lang="fr-FR" dirty="0"/>
-              <a:t> avec les identifiants des suspects</a:t>
-            </a:r>
-          </a:p>
-          <a:p>
-            <a:r>
-              <a:rPr lang="fr-FR" dirty="0"/>
-              <a:t>Bornage </a:t>
-            </a:r>
-            <a:r>
-              <a:rPr lang="fr-FR" dirty="0" err="1"/>
-              <a:t>téléphoniqe</a:t>
-            </a:r>
+              <a:rPr lang="fr-FR" sz="2000" dirty="0"/>
+              <a:t>compte tenu de ses géolocalisations connues</a:t>
+            </a:r>
+          </a:p>
+          <a:p>
+            <a:r>
+              <a:rPr lang="fr-FR" sz="2400" dirty="0"/>
+              <a:t>Exemples :</a:t>
+            </a:r>
+          </a:p>
+          <a:p>
+            <a:pPr lvl="1"/>
+            <a:r>
+              <a:rPr lang="fr-FR" sz="2000" dirty="0"/>
+              <a:t>Jacques a </a:t>
+            </a:r>
+            <a:r>
+              <a:rPr lang="fr-FR" sz="2000" dirty="0" err="1"/>
+              <a:t>tweeté</a:t>
+            </a:r>
+            <a:r>
+              <a:rPr lang="fr-FR" sz="2000" dirty="0"/>
+              <a:t> à 15h07 au Stade Rennais </a:t>
+            </a:r>
+          </a:p>
+          <a:p>
+            <a:pPr lvl="2"/>
+            <a:r>
+              <a:rPr lang="fr-FR" sz="1800" dirty="0"/>
+              <a:t>UFR Sciences sociales =&gt; Stade Rennais 8 minutes en voiture</a:t>
+            </a:r>
+          </a:p>
+          <a:p>
+            <a:pPr lvl="2">
+              <a:buFont typeface="Symbol" panose="05050102010706020507" pitchFamily="18" charset="2"/>
+              <a:buChar char="Þ"/>
+            </a:pPr>
+            <a:r>
+              <a:rPr lang="fr-FR" sz="1800" dirty="0"/>
+              <a:t> Robert est innocent</a:t>
+            </a:r>
+          </a:p>
+          <a:p>
+            <a:pPr lvl="1"/>
+            <a:endParaRPr lang="fr-FR" dirty="0">
+              <a:solidFill>
+                <a:prstClr val="black"/>
+              </a:solidFill>
+            </a:endParaRPr>
+          </a:p>
+          <a:p>
+            <a:pPr marL="914400" lvl="2" indent="0">
+              <a:buClr>
+                <a:srgbClr val="004DFF"/>
+              </a:buClr>
+              <a:buNone/>
+            </a:pPr>
+            <a:endParaRPr lang="fr-FR" sz="1600" dirty="0">
+              <a:solidFill>
+                <a:prstClr val="black"/>
+              </a:solidFill>
+            </a:endParaRPr>
+          </a:p>
+          <a:p>
+            <a:pPr lvl="2">
+              <a:buClr>
+                <a:srgbClr val="004DFF"/>
+              </a:buClr>
+            </a:pPr>
+            <a:endParaRPr lang="fr-FR" dirty="0">
+              <a:solidFill>
+                <a:prstClr val="black"/>
+              </a:solidFill>
+            </a:endParaRPr>
+          </a:p>
+          <a:p>
+            <a:pPr lvl="2">
+              <a:buFont typeface="Symbol" panose="05050102010706020507" pitchFamily="18" charset="2"/>
+              <a:buChar char="Þ"/>
+            </a:pPr>
             <a:endParaRPr lang="fr-FR" dirty="0"/>
           </a:p>
           <a:p>
-            <a:pPr lvl="1"/>
-            <a:r>
-              <a:rPr lang="fr-FR" dirty="0"/>
-              <a:t>API bornage </a:t>
-            </a:r>
-            <a:r>
-              <a:rPr lang="fr-FR" sz="1200" dirty="0"/>
-              <a:t>: </a:t>
-            </a:r>
-            <a:r>
-              <a:rPr lang="fr-FR" sz="1200" dirty="0">
-                <a:hlinkClick r:id="rId2"/>
-              </a:rPr>
-              <a:t>http://my-json-server.typicode.com/alemaitr/python_opendata_l2/bornage</a:t>
-            </a:r>
-            <a:endParaRPr lang="fr-FR" sz="1200" dirty="0"/>
-          </a:p>
-          <a:p>
-            <a:r>
-              <a:rPr lang="fr-FR" dirty="0"/>
-              <a:t>Calcul de distance</a:t>
-            </a:r>
-          </a:p>
-          <a:p>
-            <a:pPr lvl="1"/>
-            <a:r>
-              <a:rPr lang="fr-FR" dirty="0"/>
-              <a:t>API </a:t>
-            </a:r>
-            <a:r>
-              <a:rPr lang="fr-FR" dirty="0" err="1"/>
-              <a:t>GraphHopper</a:t>
-            </a:r>
+            <a:pPr lvl="1">
+              <a:buFont typeface="Symbol" panose="05050102010706020507" pitchFamily="18" charset="2"/>
+              <a:buChar char="Þ"/>
+            </a:pPr>
             <a:endParaRPr lang="fr-FR" dirty="0"/>
           </a:p>
           <a:p>
-            <a:r>
-              <a:rPr lang="fr-FR" dirty="0"/>
-              <a:t>Comparaison de durées</a:t>
-            </a:r>
-          </a:p>
-          <a:p>
-            <a:pPr lvl="1"/>
-            <a:r>
-              <a:rPr lang="fr-FR" dirty="0"/>
-              <a:t>Module </a:t>
-            </a:r>
-            <a:r>
-              <a:rPr lang="fr-FR" dirty="0" err="1"/>
-              <a:t>datetime</a:t>
-            </a:r>
-            <a:endParaRPr lang="fr-FR" dirty="0"/>
-          </a:p>
-          <a:p>
+            <a:pPr lvl="2">
+              <a:buFont typeface="Symbol" panose="05050102010706020507" pitchFamily="18" charset="2"/>
+              <a:buChar char="Þ"/>
+            </a:pPr>
             <a:endParaRPr lang="fr-FR" dirty="0"/>
           </a:p>
         </p:txBody>
@@ -3762,7 +4030,7 @@
     </p:spTree>
     <p:extLst>
       <p:ext uri="{BB962C8B-B14F-4D97-AF65-F5344CB8AC3E}">
-        <p14:creationId xmlns:p14="http://schemas.microsoft.com/office/powerpoint/2010/main" val="2509622515"/>
+        <p14:creationId xmlns:p14="http://schemas.microsoft.com/office/powerpoint/2010/main" val="3147035250"/>
       </p:ext>
     </p:extLst>
   </p:cSld>
@@ -3794,7 +4062,7 @@
           <p:cNvPr id="2" name="Titre 1">
             <a:extLst>
               <a:ext uri="{FF2B5EF4-FFF2-40B4-BE49-F238E27FC236}">
-                <a16:creationId xmlns:a16="http://schemas.microsoft.com/office/drawing/2014/main" id="{7C184A5D-E417-4503-B727-0DA9812E9444}"/>
+                <a16:creationId xmlns:a16="http://schemas.microsoft.com/office/drawing/2014/main" id="{CFED6C93-0D00-4165-AE58-B4986A672F3C}"/>
               </a:ext>
             </a:extLst>
           </p:cNvPr>
@@ -3812,7 +4080,7 @@
           <a:p>
             <a:r>
               <a:rPr lang="fr-FR" dirty="0"/>
-              <a:t>Rendu attendu</a:t>
+              <a:t>Innocenter un suspect</a:t>
             </a:r>
           </a:p>
         </p:txBody>
@@ -3822,7 +4090,7 @@
           <p:cNvPr id="3" name="Espace réservé du numéro de diapositive 2">
             <a:extLst>
               <a:ext uri="{FF2B5EF4-FFF2-40B4-BE49-F238E27FC236}">
-                <a16:creationId xmlns:a16="http://schemas.microsoft.com/office/drawing/2014/main" id="{95B3E199-9DE1-4B04-AC4D-9E3FC9BA1306}"/>
+                <a16:creationId xmlns:a16="http://schemas.microsoft.com/office/drawing/2014/main" id="{06D83D37-56EF-402A-BCB2-E1F3FA710DAC}"/>
               </a:ext>
             </a:extLst>
           </p:cNvPr>
@@ -3857,7 +4125,7 @@
           <p:cNvPr id="4" name="Espace réservé du contenu 3">
             <a:extLst>
               <a:ext uri="{FF2B5EF4-FFF2-40B4-BE49-F238E27FC236}">
-                <a16:creationId xmlns:a16="http://schemas.microsoft.com/office/drawing/2014/main" id="{F29ECEEE-5FE7-4EE0-BFAA-48040A989A41}"/>
+                <a16:creationId xmlns:a16="http://schemas.microsoft.com/office/drawing/2014/main" id="{BDFD34B4-13AA-4A68-A5A2-EA8A421B3BA0}"/>
               </a:ext>
             </a:extLst>
           </p:cNvPr>
@@ -3874,67 +4142,146 @@
           <a:lstStyle/>
           <a:p>
             <a:r>
-              <a:rPr lang="fr-FR" dirty="0"/>
-              <a:t>Niveau 1</a:t>
+              <a:rPr lang="fr-FR" sz="2400" dirty="0"/>
+              <a:t>Un suspect est innocent </a:t>
             </a:r>
           </a:p>
           <a:p>
             <a:pPr lvl="1"/>
             <a:r>
-              <a:rPr lang="fr-FR" dirty="0"/>
-              <a:t>Quels sont les suspects innocentés ? </a:t>
+              <a:rPr lang="fr-FR" sz="2000" dirty="0"/>
+              <a:t>s’il ne pouvait pas être présent à 15h05 sur les lieux du crime</a:t>
             </a:r>
           </a:p>
           <a:p>
             <a:pPr lvl="1"/>
             <a:r>
-              <a:rPr lang="fr-FR" dirty="0"/>
-              <a:t>Qui est le coupable ? </a:t>
-            </a:r>
-          </a:p>
-          <a:p>
-            <a:r>
-              <a:rPr lang="fr-FR" dirty="0"/>
-              <a:t>Niveau 2</a:t>
+              <a:rPr lang="fr-FR" sz="2000" dirty="0"/>
+              <a:t>compte tenu de ses géolocalisations connues</a:t>
+            </a:r>
+          </a:p>
+          <a:p>
+            <a:r>
+              <a:rPr lang="fr-FR" sz="2400" dirty="0"/>
+              <a:t>Exemples :</a:t>
             </a:r>
           </a:p>
           <a:p>
             <a:pPr lvl="1"/>
             <a:r>
-              <a:rPr lang="fr-FR" dirty="0"/>
-              <a:t>Soigner le code</a:t>
+              <a:rPr lang="fr-FR" sz="2000" dirty="0"/>
+              <a:t>Jacques a </a:t>
+            </a:r>
+            <a:r>
+              <a:rPr lang="fr-FR" sz="2000" dirty="0" err="1"/>
+              <a:t>tweeté</a:t>
+            </a:r>
+            <a:r>
+              <a:rPr lang="fr-FR" sz="2000" dirty="0"/>
+              <a:t> à 15h07 au Stade Rennais </a:t>
+            </a:r>
+          </a:p>
+          <a:p>
+            <a:pPr lvl="2"/>
+            <a:r>
+              <a:rPr lang="fr-FR" sz="1800" dirty="0"/>
+              <a:t>UFR Sciences sociales =&gt; Stade Rennais 8 minutes en voiture</a:t>
+            </a:r>
+          </a:p>
+          <a:p>
+            <a:pPr lvl="2">
+              <a:buFont typeface="Symbol" panose="05050102010706020507" pitchFamily="18" charset="2"/>
+              <a:buChar char="Þ"/>
+            </a:pPr>
+            <a:r>
+              <a:rPr lang="fr-FR" sz="1800" dirty="0"/>
+              <a:t> Robert est innocent</a:t>
             </a:r>
           </a:p>
           <a:p>
             <a:pPr lvl="1"/>
             <a:r>
-              <a:rPr lang="fr-FR" dirty="0"/>
-              <a:t>Limiter les appels inutiles</a:t>
+              <a:rPr lang="fr-FR" sz="2000" dirty="0"/>
+              <a:t>Josiane a </a:t>
+            </a:r>
+            <a:r>
+              <a:rPr lang="fr-FR" sz="2000" dirty="0" err="1"/>
+              <a:t>tweeté</a:t>
+            </a:r>
+            <a:r>
+              <a:rPr lang="fr-FR" sz="2000" dirty="0"/>
+              <a:t> à 11h40 à la Tour Eiffel</a:t>
+            </a:r>
+          </a:p>
+          <a:p>
+            <a:pPr lvl="2"/>
+            <a:r>
+              <a:rPr lang="fr-FR" sz="1800" dirty="0"/>
+              <a:t>Tour Eiffel =&gt; UFR Sciences sociale 3h20</a:t>
+            </a:r>
+          </a:p>
+          <a:p>
+            <a:pPr lvl="2">
+              <a:buFont typeface="Symbol" panose="05050102010706020507" pitchFamily="18" charset="2"/>
+              <a:buChar char="Þ"/>
+            </a:pPr>
+            <a:r>
+              <a:rPr lang="fr-FR" sz="1800" dirty="0"/>
+              <a:t> Ce tweet ne permet pas d’innocenter Josiane</a:t>
             </a:r>
           </a:p>
           <a:p>
             <a:pPr lvl="1"/>
-            <a:r>
-              <a:rPr lang="fr-FR" dirty="0"/>
-              <a:t>Homogénéiser les traitements </a:t>
-            </a:r>
-          </a:p>
-          <a:p>
-            <a:r>
-              <a:rPr lang="fr-FR" dirty="0"/>
-              <a:t>Niveau 3</a:t>
-            </a:r>
-          </a:p>
-          <a:p>
-            <a:pPr lvl="1"/>
-            <a:r>
-              <a:rPr lang="fr-FR" dirty="0"/>
-              <a:t>Penser à réutiliser le </a:t>
-            </a:r>
-            <a:r>
-              <a:rPr lang="fr-FR"/>
-              <a:t>TD cartographie…</a:t>
-            </a:r>
+            <a:endParaRPr lang="fr-FR" dirty="0">
+              <a:solidFill>
+                <a:prstClr val="black"/>
+              </a:solidFill>
+            </a:endParaRPr>
+          </a:p>
+          <a:p>
+            <a:pPr marL="914400" lvl="2" indent="0">
+              <a:buClr>
+                <a:srgbClr val="004DFF"/>
+              </a:buClr>
+              <a:buNone/>
+            </a:pPr>
+            <a:endParaRPr lang="fr-FR" sz="1600" dirty="0">
+              <a:solidFill>
+                <a:prstClr val="black"/>
+              </a:solidFill>
+            </a:endParaRPr>
+          </a:p>
+          <a:p>
+            <a:pPr lvl="2">
+              <a:buClr>
+                <a:srgbClr val="004DFF"/>
+              </a:buClr>
+            </a:pPr>
+            <a:endParaRPr lang="fr-FR" dirty="0">
+              <a:solidFill>
+                <a:prstClr val="black"/>
+              </a:solidFill>
+            </a:endParaRPr>
+          </a:p>
+          <a:p>
+            <a:pPr lvl="2">
+              <a:buFont typeface="Symbol" panose="05050102010706020507" pitchFamily="18" charset="2"/>
+              <a:buChar char="Þ"/>
+            </a:pPr>
+            <a:endParaRPr lang="fr-FR" dirty="0"/>
+          </a:p>
+          <a:p>
+            <a:pPr lvl="1">
+              <a:buFont typeface="Symbol" panose="05050102010706020507" pitchFamily="18" charset="2"/>
+              <a:buChar char="Þ"/>
+            </a:pPr>
+            <a:endParaRPr lang="fr-FR" dirty="0"/>
+          </a:p>
+          <a:p>
+            <a:pPr lvl="2">
+              <a:buFont typeface="Symbol" panose="05050102010706020507" pitchFamily="18" charset="2"/>
+              <a:buChar char="Þ"/>
+            </a:pPr>
             <a:endParaRPr lang="fr-FR" dirty="0"/>
           </a:p>
         </p:txBody>
@@ -3942,7 +4289,7 @@
     </p:spTree>
     <p:extLst>
       <p:ext uri="{BB962C8B-B14F-4D97-AF65-F5344CB8AC3E}">
-        <p14:creationId xmlns:p14="http://schemas.microsoft.com/office/powerpoint/2010/main" val="146601158"/>
+        <p14:creationId xmlns:p14="http://schemas.microsoft.com/office/powerpoint/2010/main" val="2324639900"/>
       </p:ext>
     </p:extLst>
   </p:cSld>
@@ -3974,7 +4321,7 @@
           <p:cNvPr id="2" name="Titre 1">
             <a:extLst>
               <a:ext uri="{FF2B5EF4-FFF2-40B4-BE49-F238E27FC236}">
-                <a16:creationId xmlns:a16="http://schemas.microsoft.com/office/drawing/2014/main" id="{D74E9A7F-B35D-411A-8B3D-5DD6785E2810}"/>
+                <a16:creationId xmlns:a16="http://schemas.microsoft.com/office/drawing/2014/main" id="{CFED6C93-0D00-4165-AE58-B4986A672F3C}"/>
               </a:ext>
             </a:extLst>
           </p:cNvPr>
@@ -3992,7 +4339,7 @@
           <a:p>
             <a:r>
               <a:rPr lang="fr-FR" dirty="0"/>
-              <a:t>Organisation pratique</a:t>
+              <a:t>Innocenter un suspect</a:t>
             </a:r>
           </a:p>
         </p:txBody>
@@ -4002,7 +4349,7 @@
           <p:cNvPr id="3" name="Espace réservé du numéro de diapositive 2">
             <a:extLst>
               <a:ext uri="{FF2B5EF4-FFF2-40B4-BE49-F238E27FC236}">
-                <a16:creationId xmlns:a16="http://schemas.microsoft.com/office/drawing/2014/main" id="{074CF6D5-0434-4C37-A959-23A7BDB717A8}"/>
+                <a16:creationId xmlns:a16="http://schemas.microsoft.com/office/drawing/2014/main" id="{06D83D37-56EF-402A-BCB2-E1F3FA710DAC}"/>
               </a:ext>
             </a:extLst>
           </p:cNvPr>
@@ -4037,7 +4384,7 @@
           <p:cNvPr id="4" name="Espace réservé du contenu 3">
             <a:extLst>
               <a:ext uri="{FF2B5EF4-FFF2-40B4-BE49-F238E27FC236}">
-                <a16:creationId xmlns:a16="http://schemas.microsoft.com/office/drawing/2014/main" id="{96125E38-66DD-40EF-B277-DA0C8724A34F}"/>
+                <a16:creationId xmlns:a16="http://schemas.microsoft.com/office/drawing/2014/main" id="{BDFD34B4-13AA-4A68-A5A2-EA8A421B3BA0}"/>
               </a:ext>
             </a:extLst>
           </p:cNvPr>
@@ -4054,20 +4401,174 @@
           <a:lstStyle/>
           <a:p>
             <a:r>
-              <a:rPr lang="fr-FR" dirty="0"/>
-              <a:t>Groupes de 2 (voir 3) étudiants</a:t>
-            </a:r>
-          </a:p>
-          <a:p>
+              <a:rPr lang="fr-FR" sz="2400" dirty="0"/>
+              <a:t>Un suspect est innocent </a:t>
+            </a:r>
+          </a:p>
+          <a:p>
+            <a:pPr lvl="1"/>
+            <a:r>
+              <a:rPr lang="fr-FR" sz="2000" dirty="0"/>
+              <a:t>s’il ne pouvait pas être présent à 15h05 sur les lieux du crime</a:t>
+            </a:r>
+          </a:p>
+          <a:p>
+            <a:pPr lvl="1"/>
+            <a:r>
+              <a:rPr lang="fr-FR" sz="2000" dirty="0"/>
+              <a:t>compte tenu de ses géolocalisations connues</a:t>
+            </a:r>
+          </a:p>
+          <a:p>
+            <a:r>
+              <a:rPr lang="fr-FR" sz="2400" dirty="0"/>
+              <a:t>Exemples :</a:t>
+            </a:r>
+          </a:p>
+          <a:p>
+            <a:pPr lvl="1"/>
+            <a:r>
+              <a:rPr lang="fr-FR" sz="2000" dirty="0"/>
+              <a:t>Jacques a </a:t>
+            </a:r>
+            <a:r>
+              <a:rPr lang="fr-FR" sz="2000" dirty="0" err="1"/>
+              <a:t>tweeté</a:t>
+            </a:r>
+            <a:r>
+              <a:rPr lang="fr-FR" sz="2000" dirty="0"/>
+              <a:t> à 15h07 au Stade Rennais </a:t>
+            </a:r>
+          </a:p>
+          <a:p>
+            <a:pPr lvl="2"/>
+            <a:r>
+              <a:rPr lang="fr-FR" sz="1800" dirty="0"/>
+              <a:t>UFR Sciences sociales =&gt; Stade Rennais 8 minutes en voiture</a:t>
+            </a:r>
+          </a:p>
+          <a:p>
+            <a:pPr lvl="2">
+              <a:buFont typeface="Symbol" panose="05050102010706020507" pitchFamily="18" charset="2"/>
+              <a:buChar char="Þ"/>
+            </a:pPr>
+            <a:r>
+              <a:rPr lang="fr-FR" sz="1800" dirty="0"/>
+              <a:t> Robert est innocent</a:t>
+            </a:r>
+          </a:p>
+          <a:p>
+            <a:pPr lvl="1"/>
+            <a:r>
+              <a:rPr lang="fr-FR" sz="2000" dirty="0"/>
+              <a:t>Josiane a </a:t>
+            </a:r>
+            <a:r>
+              <a:rPr lang="fr-FR" sz="2000" dirty="0" err="1"/>
+              <a:t>tweeté</a:t>
+            </a:r>
+            <a:r>
+              <a:rPr lang="fr-FR" sz="2000" dirty="0"/>
+              <a:t> à 11h40 à la Tour Eiffel</a:t>
+            </a:r>
+          </a:p>
+          <a:p>
+            <a:pPr lvl="2"/>
+            <a:r>
+              <a:rPr lang="fr-FR" sz="1800" dirty="0"/>
+              <a:t>Tour Eiffel =&gt; UFR Sciences sociale 3h20</a:t>
+            </a:r>
+          </a:p>
+          <a:p>
+            <a:pPr lvl="2">
+              <a:buFont typeface="Symbol" panose="05050102010706020507" pitchFamily="18" charset="2"/>
+              <a:buChar char="Þ"/>
+            </a:pPr>
+            <a:r>
+              <a:rPr lang="fr-FR" sz="1800" dirty="0"/>
+              <a:t> Ce tweet ne permet pas d’innocenter Josiane</a:t>
+            </a:r>
+          </a:p>
+          <a:p>
+            <a:pPr lvl="1"/>
+            <a:r>
+              <a:rPr lang="fr-FR" sz="2000" dirty="0">
+                <a:solidFill>
+                  <a:prstClr val="black"/>
+                </a:solidFill>
+              </a:rPr>
+              <a:t>Le téléphone de Marcelle a borné à 14h30 à Nantes</a:t>
+            </a:r>
+          </a:p>
+          <a:p>
+            <a:pPr lvl="2"/>
+            <a:r>
+              <a:rPr lang="fr-FR" sz="1800" dirty="0"/>
+              <a:t>Nantes =&gt; UFR Sciences sociale 1h10</a:t>
+            </a:r>
+          </a:p>
+          <a:p>
+            <a:pPr lvl="2">
+              <a:buFont typeface="Symbol" panose="05050102010706020507" pitchFamily="18" charset="2"/>
+              <a:buChar char="Þ"/>
+            </a:pPr>
+            <a:r>
+              <a:rPr lang="fr-FR" sz="1800" dirty="0"/>
+              <a:t> Marcelle est innocente</a:t>
+            </a:r>
+          </a:p>
+          <a:p>
+            <a:pPr lvl="1"/>
+            <a:endParaRPr lang="fr-FR" dirty="0">
+              <a:solidFill>
+                <a:prstClr val="black"/>
+              </a:solidFill>
+            </a:endParaRPr>
+          </a:p>
+          <a:p>
+            <a:pPr marL="914400" lvl="2" indent="0">
+              <a:buClr>
+                <a:srgbClr val="004DFF"/>
+              </a:buClr>
+              <a:buNone/>
+            </a:pPr>
+            <a:endParaRPr lang="fr-FR" sz="1600" dirty="0">
+              <a:solidFill>
+                <a:prstClr val="black"/>
+              </a:solidFill>
+            </a:endParaRPr>
+          </a:p>
+          <a:p>
+            <a:pPr lvl="2">
+              <a:buClr>
+                <a:srgbClr val="004DFF"/>
+              </a:buClr>
+            </a:pPr>
+            <a:endParaRPr lang="fr-FR" dirty="0">
+              <a:solidFill>
+                <a:prstClr val="black"/>
+              </a:solidFill>
+            </a:endParaRPr>
+          </a:p>
+          <a:p>
+            <a:pPr lvl="2">
+              <a:buFont typeface="Symbol" panose="05050102010706020507" pitchFamily="18" charset="2"/>
+              <a:buChar char="Þ"/>
+            </a:pPr>
             <a:endParaRPr lang="fr-FR" dirty="0"/>
           </a:p>
           <a:p>
-            <a:r>
-              <a:rPr lang="fr-FR" dirty="0"/>
-              <a:t>Rendu pour le jeudi 22 décembre</a:t>
-            </a:r>
-          </a:p>
-          <a:p>
+            <a:pPr lvl="1">
+              <a:buFont typeface="Symbol" panose="05050102010706020507" pitchFamily="18" charset="2"/>
+              <a:buChar char="Þ"/>
+            </a:pPr>
+            <a:endParaRPr lang="fr-FR" dirty="0"/>
+          </a:p>
+          <a:p>
+            <a:pPr lvl="2">
+              <a:buFont typeface="Symbol" panose="05050102010706020507" pitchFamily="18" charset="2"/>
+              <a:buChar char="Þ"/>
+            </a:pPr>
             <a:endParaRPr lang="fr-FR" dirty="0"/>
           </a:p>
         </p:txBody>
@@ -4075,7 +4576,224 @@
     </p:spTree>
     <p:extLst>
       <p:ext uri="{BB962C8B-B14F-4D97-AF65-F5344CB8AC3E}">
-        <p14:creationId xmlns:p14="http://schemas.microsoft.com/office/powerpoint/2010/main" val="1281617417"/>
+        <p14:creationId xmlns:p14="http://schemas.microsoft.com/office/powerpoint/2010/main" val="755872370"/>
+      </p:ext>
+    </p:extLst>
+  </p:cSld>
+  <p:clrMapOvr>
+    <a:masterClrMapping/>
+  </p:clrMapOvr>
+</p:sld>
+</file>
+
+<file path=ppt/slides/slide9.xml><?xml version="1.0" encoding="utf-8"?>
+<p:sld xmlns:a="http://schemas.openxmlformats.org/drawingml/2006/main" xmlns:r="http://schemas.openxmlformats.org/officeDocument/2006/relationships" xmlns:p="http://schemas.openxmlformats.org/presentationml/2006/main">
+  <p:cSld>
+    <p:spTree>
+      <p:nvGrpSpPr>
+        <p:cNvPr id="1" name=""/>
+        <p:cNvGrpSpPr/>
+        <p:nvPr/>
+      </p:nvGrpSpPr>
+      <p:grpSpPr>
+        <a:xfrm>
+          <a:off x="0" y="0"/>
+          <a:ext cx="0" cy="0"/>
+          <a:chOff x="0" y="0"/>
+          <a:chExt cx="0" cy="0"/>
+        </a:xfrm>
+      </p:grpSpPr>
+      <p:sp>
+        <p:nvSpPr>
+          <p:cNvPr id="2" name="Titre 1">
+            <a:extLst>
+              <a:ext uri="{FF2B5EF4-FFF2-40B4-BE49-F238E27FC236}">
+                <a16:creationId xmlns:a16="http://schemas.microsoft.com/office/drawing/2014/main" id="{CFBCEC0E-D752-46F6-A9A1-587F4E7C8E90}"/>
+              </a:ext>
+            </a:extLst>
+          </p:cNvPr>
+          <p:cNvSpPr>
+            <a:spLocks noGrp="1"/>
+          </p:cNvSpPr>
+          <p:nvPr>
+            <p:ph type="title"/>
+          </p:nvPr>
+        </p:nvSpPr>
+        <p:spPr/>
+        <p:txBody>
+          <a:bodyPr/>
+          <a:lstStyle/>
+          <a:p>
+            <a:r>
+              <a:rPr lang="fr-FR" dirty="0"/>
+              <a:t>Techniquement</a:t>
+            </a:r>
+          </a:p>
+        </p:txBody>
+      </p:sp>
+      <p:sp>
+        <p:nvSpPr>
+          <p:cNvPr id="3" name="Espace réservé du numéro de diapositive 2">
+            <a:extLst>
+              <a:ext uri="{FF2B5EF4-FFF2-40B4-BE49-F238E27FC236}">
+                <a16:creationId xmlns:a16="http://schemas.microsoft.com/office/drawing/2014/main" id="{E2AE9AFF-1721-45B1-869F-8953F0A1CF05}"/>
+              </a:ext>
+            </a:extLst>
+          </p:cNvPr>
+          <p:cNvSpPr>
+            <a:spLocks noGrp="1"/>
+          </p:cNvSpPr>
+          <p:nvPr>
+            <p:ph type="sldNum" sz="quarter" idx="12"/>
+          </p:nvPr>
+        </p:nvSpPr>
+        <p:spPr/>
+        <p:txBody>
+          <a:bodyPr/>
+          <a:lstStyle/>
+          <a:p>
+            <a:pPr>
+              <a:defRPr/>
+            </a:pPr>
+            <a:fld id="{D727A26F-F00B-4596-8258-FF21EF8271F6}" type="slidenum">
+              <a:rPr lang="fr-FR" smtClean="0"/>
+              <a:pPr>
+                <a:defRPr/>
+              </a:pPr>
+              <a:t>9</a:t>
+            </a:fld>
+            <a:endParaRPr lang="fr-FR" dirty="0"/>
+          </a:p>
+        </p:txBody>
+      </p:sp>
+      <p:sp>
+        <p:nvSpPr>
+          <p:cNvPr id="4" name="Espace réservé du contenu 3">
+            <a:extLst>
+              <a:ext uri="{FF2B5EF4-FFF2-40B4-BE49-F238E27FC236}">
+                <a16:creationId xmlns:a16="http://schemas.microsoft.com/office/drawing/2014/main" id="{F943E2F7-6CC7-42D5-B1CE-EAD96F0688F2}"/>
+              </a:ext>
+            </a:extLst>
+          </p:cNvPr>
+          <p:cNvSpPr>
+            <a:spLocks noGrp="1"/>
+          </p:cNvSpPr>
+          <p:nvPr>
+            <p:ph idx="1"/>
+          </p:nvPr>
+        </p:nvSpPr>
+        <p:spPr/>
+        <p:txBody>
+          <a:bodyPr/>
+          <a:lstStyle/>
+          <a:p>
+            <a:r>
+              <a:rPr lang="fr-FR" dirty="0"/>
+              <a:t>Liste des suspects</a:t>
+            </a:r>
+          </a:p>
+          <a:p>
+            <a:pPr lvl="1"/>
+            <a:r>
+              <a:rPr lang="fr-FR" dirty="0"/>
+              <a:t>Fichier suspect.csv</a:t>
+            </a:r>
+          </a:p>
+          <a:p>
+            <a:r>
+              <a:rPr lang="fr-FR" dirty="0"/>
+              <a:t>Tweets des suspects</a:t>
+            </a:r>
+          </a:p>
+          <a:p>
+            <a:pPr lvl="1"/>
+            <a:r>
+              <a:rPr lang="fr-FR" dirty="0"/>
+              <a:t>Utiliser l’API </a:t>
+            </a:r>
+            <a:r>
+              <a:rPr lang="fr-FR" dirty="0" err="1"/>
+              <a:t>tweepy</a:t>
+            </a:r>
+            <a:r>
+              <a:rPr lang="fr-FR" dirty="0"/>
+              <a:t> avec les identifiants des suspects</a:t>
+            </a:r>
+          </a:p>
+          <a:p>
+            <a:r>
+              <a:rPr lang="fr-FR" dirty="0"/>
+              <a:t>Bornage </a:t>
+            </a:r>
+            <a:r>
+              <a:rPr lang="fr-FR" dirty="0" err="1"/>
+              <a:t>téléphoniqe</a:t>
+            </a:r>
+            <a:endParaRPr lang="fr-FR" dirty="0"/>
+          </a:p>
+          <a:p>
+            <a:pPr lvl="1"/>
+            <a:r>
+              <a:rPr lang="fr-FR" dirty="0"/>
+              <a:t>API bornage </a:t>
+            </a:r>
+            <a:r>
+              <a:rPr lang="fr-FR" sz="1200" dirty="0"/>
+              <a:t>: </a:t>
+            </a:r>
+            <a:r>
+              <a:rPr lang="fr-FR" sz="1200" dirty="0">
+                <a:hlinkClick r:id="rId2"/>
+              </a:rPr>
+              <a:t>http://my-json-server.typicode.com/alemaitr/python_opendata_l2/bornage</a:t>
+            </a:r>
+            <a:endParaRPr lang="fr-FR" sz="1200" dirty="0"/>
+          </a:p>
+          <a:p>
+            <a:r>
+              <a:rPr lang="fr-FR" dirty="0"/>
+              <a:t>Calcul de distance</a:t>
+            </a:r>
+          </a:p>
+          <a:p>
+            <a:pPr lvl="1"/>
+            <a:r>
+              <a:rPr lang="fr-FR" dirty="0"/>
+              <a:t>API </a:t>
+            </a:r>
+            <a:r>
+              <a:rPr lang="fr-FR" dirty="0" err="1"/>
+              <a:t>GraphHopper</a:t>
+            </a:r>
+            <a:endParaRPr lang="fr-FR" dirty="0"/>
+          </a:p>
+          <a:p>
+            <a:r>
+              <a:rPr lang="fr-FR" dirty="0"/>
+              <a:t>Comparaison de durées</a:t>
+            </a:r>
+          </a:p>
+          <a:p>
+            <a:pPr lvl="1"/>
+            <a:r>
+              <a:rPr lang="fr-FR" dirty="0"/>
+              <a:t>Module </a:t>
+            </a:r>
+            <a:r>
+              <a:rPr lang="fr-FR" dirty="0" err="1"/>
+              <a:t>datetime</a:t>
+            </a:r>
+            <a:endParaRPr lang="fr-FR" dirty="0"/>
+          </a:p>
+          <a:p>
+            <a:endParaRPr lang="fr-FR" dirty="0"/>
+          </a:p>
+        </p:txBody>
+      </p:sp>
+    </p:spTree>
+    <p:extLst>
+      <p:ext uri="{BB962C8B-B14F-4D97-AF65-F5344CB8AC3E}">
+        <p14:creationId xmlns:p14="http://schemas.microsoft.com/office/powerpoint/2010/main" val="2509622515"/>
       </p:ext>
     </p:extLst>
   </p:cSld>

--- a/pres_projet.pptx
+++ b/pres_projet.pptx
@@ -207,7 +207,7 @@
           <a:p>
             <a:fld id="{F5549D3F-BB68-4DB2-ADF1-91AD81BE0C5A}" type="datetimeFigureOut">
               <a:rPr lang="fr-FR" smtClean="0"/>
-              <a:t>29/11/2022</a:t>
+              <a:t>05/12/2022</a:t>
             </a:fld>
             <a:endParaRPr lang="fr-FR"/>
           </a:p>
@@ -725,7 +725,7 @@
             </a:pPr>
             <a:fld id="{870BBE49-FCCB-4A90-A45C-67088542EE9F}" type="datetime1">
               <a:rPr lang="fr-FR" smtClean="0"/>
-              <a:t>29/11/2022</a:t>
+              <a:t>05/12/2022</a:t>
             </a:fld>
             <a:endParaRPr lang="fr-FR"/>
           </a:p>
@@ -960,7 +960,7 @@
             </a:pPr>
             <a:fld id="{B3571AEC-2BC4-4B6C-B79E-00D12817ECD9}" type="datetime1">
               <a:rPr lang="fr-FR" smtClean="0"/>
-              <a:t>29/11/2022</a:t>
+              <a:t>05/12/2022</a:t>
             </a:fld>
             <a:endParaRPr lang="fr-FR"/>
           </a:p>
@@ -1502,7 +1502,7 @@
             </a:pPr>
             <a:fld id="{046FFCB7-D57F-4C8C-BA32-2BA73F4500C6}" type="datetime1">
               <a:rPr lang="fr-FR" smtClean="0"/>
-              <a:t>29/11/2022</a:t>
+              <a:t>05/12/2022</a:t>
             </a:fld>
             <a:endParaRPr lang="fr-FR"/>
           </a:p>
@@ -1794,7 +1794,7 @@
             </a:pPr>
             <a:fld id="{CA852A4D-1BFF-498F-B63C-A36E50EC025B}" type="datetime1">
               <a:rPr lang="fr-FR" smtClean="0"/>
-              <a:t>29/11/2022</a:t>
+              <a:t>05/12/2022</a:t>
             </a:fld>
             <a:endParaRPr lang="fr-FR"/>
           </a:p>
@@ -3968,7 +3968,7 @@
             </a:pPr>
             <a:r>
               <a:rPr lang="fr-FR" sz="1800" dirty="0"/>
-              <a:t> Robert est innocent</a:t>
+              <a:t> Jacques est innocent</a:t>
             </a:r>
           </a:p>
           <a:p>
@@ -4195,7 +4195,7 @@
             </a:pPr>
             <a:r>
               <a:rPr lang="fr-FR" sz="1800" dirty="0"/>
-              <a:t> Robert est innocent</a:t>
+              <a:t> Jacques est innocent</a:t>
             </a:r>
           </a:p>
           <a:p>
@@ -4454,7 +4454,7 @@
             </a:pPr>
             <a:r>
               <a:rPr lang="fr-FR" sz="1800" dirty="0"/>
-              <a:t> Robert est innocent</a:t>
+              <a:t> Jacques est innocent</a:t>
             </a:r>
           </a:p>
           <a:p>

--- a/pres_projet.pptx
+++ b/pres_projet.pptx
@@ -5,20 +5,24 @@
     <p:sldMasterId id="2147483673" r:id="rId1"/>
   </p:sldMasterIdLst>
   <p:notesMasterIdLst>
-    <p:notesMasterId r:id="rId13"/>
+    <p:notesMasterId r:id="rId17"/>
   </p:notesMasterIdLst>
   <p:sldIdLst>
     <p:sldId id="262" r:id="rId2"/>
-    <p:sldId id="263" r:id="rId3"/>
-    <p:sldId id="264" r:id="rId4"/>
-    <p:sldId id="265" r:id="rId5"/>
-    <p:sldId id="266" r:id="rId6"/>
-    <p:sldId id="270" r:id="rId7"/>
-    <p:sldId id="271" r:id="rId8"/>
-    <p:sldId id="272" r:id="rId9"/>
-    <p:sldId id="267" r:id="rId10"/>
-    <p:sldId id="269" r:id="rId11"/>
-    <p:sldId id="268" r:id="rId12"/>
+    <p:sldId id="276" r:id="rId3"/>
+    <p:sldId id="277" r:id="rId4"/>
+    <p:sldId id="283" r:id="rId5"/>
+    <p:sldId id="265" r:id="rId6"/>
+    <p:sldId id="279" r:id="rId7"/>
+    <p:sldId id="275" r:id="rId8"/>
+    <p:sldId id="263" r:id="rId9"/>
+    <p:sldId id="274" r:id="rId10"/>
+    <p:sldId id="282" r:id="rId11"/>
+    <p:sldId id="267" r:id="rId12"/>
+    <p:sldId id="285" r:id="rId13"/>
+    <p:sldId id="284" r:id="rId14"/>
+    <p:sldId id="281" r:id="rId15"/>
+    <p:sldId id="268" r:id="rId16"/>
   </p:sldIdLst>
   <p:sldSz cx="9144000" cy="6858000" type="screen4x3"/>
   <p:notesSz cx="6858000" cy="9144000"/>
@@ -207,7 +211,7 @@
           <a:p>
             <a:fld id="{F5549D3F-BB68-4DB2-ADF1-91AD81BE0C5A}" type="datetimeFigureOut">
               <a:rPr lang="fr-FR" smtClean="0"/>
-              <a:t>05/12/2022</a:t>
+              <a:t>30/11/2023</a:t>
             </a:fld>
             <a:endParaRPr lang="fr-FR"/>
           </a:p>
@@ -725,7 +729,7 @@
             </a:pPr>
             <a:fld id="{870BBE49-FCCB-4A90-A45C-67088542EE9F}" type="datetime1">
               <a:rPr lang="fr-FR" smtClean="0"/>
-              <a:t>05/12/2022</a:t>
+              <a:t>30/11/2023</a:t>
             </a:fld>
             <a:endParaRPr lang="fr-FR"/>
           </a:p>
@@ -960,7 +964,7 @@
             </a:pPr>
             <a:fld id="{B3571AEC-2BC4-4B6C-B79E-00D12817ECD9}" type="datetime1">
               <a:rPr lang="fr-FR" smtClean="0"/>
-              <a:t>05/12/2022</a:t>
+              <a:t>30/11/2023</a:t>
             </a:fld>
             <a:endParaRPr lang="fr-FR"/>
           </a:p>
@@ -1502,7 +1506,7 @@
             </a:pPr>
             <a:fld id="{046FFCB7-D57F-4C8C-BA32-2BA73F4500C6}" type="datetime1">
               <a:rPr lang="fr-FR" smtClean="0"/>
-              <a:t>05/12/2022</a:t>
+              <a:t>30/11/2023</a:t>
             </a:fld>
             <a:endParaRPr lang="fr-FR"/>
           </a:p>
@@ -1794,7 +1798,7 @@
             </a:pPr>
             <a:fld id="{CA852A4D-1BFF-498F-B63C-A36E50EC025B}" type="datetime1">
               <a:rPr lang="fr-FR" smtClean="0"/>
-              <a:t>05/12/2022</a:t>
+              <a:t>30/11/2023</a:t>
             </a:fld>
             <a:endParaRPr lang="fr-FR"/>
           </a:p>
@@ -2351,7 +2355,7 @@
             </a:br>
             <a:r>
               <a:rPr lang="fr-FR" altLang="fr-FR" dirty="0"/>
-              <a:t>Projet Cluedo</a:t>
+              <a:t>Projet Rennes2Express</a:t>
             </a:r>
             <a:endParaRPr lang="fr-FR" dirty="0"/>
           </a:p>
@@ -2545,6 +2549,632 @@
           <p:cNvPr id="2" name="Titre 1">
             <a:extLst>
               <a:ext uri="{FF2B5EF4-FFF2-40B4-BE49-F238E27FC236}">
+                <a16:creationId xmlns:a16="http://schemas.microsoft.com/office/drawing/2014/main" id="{CFED6C93-0D00-4165-AE58-B4986A672F3C}"/>
+              </a:ext>
+            </a:extLst>
+          </p:cNvPr>
+          <p:cNvSpPr>
+            <a:spLocks noGrp="1"/>
+          </p:cNvSpPr>
+          <p:nvPr>
+            <p:ph type="title"/>
+          </p:nvPr>
+        </p:nvSpPr>
+        <p:spPr/>
+        <p:txBody>
+          <a:bodyPr/>
+          <a:lstStyle/>
+          <a:p>
+            <a:r>
+              <a:rPr lang="fr-FR" dirty="0"/>
+              <a:t>Détecter un tricheur</a:t>
+            </a:r>
+          </a:p>
+        </p:txBody>
+      </p:sp>
+      <p:sp>
+        <p:nvSpPr>
+          <p:cNvPr id="3" name="Espace réservé du numéro de diapositive 2">
+            <a:extLst>
+              <a:ext uri="{FF2B5EF4-FFF2-40B4-BE49-F238E27FC236}">
+                <a16:creationId xmlns:a16="http://schemas.microsoft.com/office/drawing/2014/main" id="{06D83D37-56EF-402A-BCB2-E1F3FA710DAC}"/>
+              </a:ext>
+            </a:extLst>
+          </p:cNvPr>
+          <p:cNvSpPr>
+            <a:spLocks noGrp="1"/>
+          </p:cNvSpPr>
+          <p:nvPr>
+            <p:ph type="sldNum" sz="quarter" idx="12"/>
+          </p:nvPr>
+        </p:nvSpPr>
+        <p:spPr/>
+        <p:txBody>
+          <a:bodyPr/>
+          <a:lstStyle/>
+          <a:p>
+            <a:pPr>
+              <a:defRPr/>
+            </a:pPr>
+            <a:fld id="{D727A26F-F00B-4596-8258-FF21EF8271F6}" type="slidenum">
+              <a:rPr lang="fr-FR" smtClean="0"/>
+              <a:pPr>
+                <a:defRPr/>
+              </a:pPr>
+              <a:t>10</a:t>
+            </a:fld>
+            <a:endParaRPr lang="fr-FR" dirty="0"/>
+          </a:p>
+        </p:txBody>
+      </p:sp>
+      <p:sp>
+        <p:nvSpPr>
+          <p:cNvPr id="4" name="Espace réservé du contenu 3">
+            <a:extLst>
+              <a:ext uri="{FF2B5EF4-FFF2-40B4-BE49-F238E27FC236}">
+                <a16:creationId xmlns:a16="http://schemas.microsoft.com/office/drawing/2014/main" id="{BDFD34B4-13AA-4A68-A5A2-EA8A421B3BA0}"/>
+              </a:ext>
+            </a:extLst>
+          </p:cNvPr>
+          <p:cNvSpPr>
+            <a:spLocks noGrp="1"/>
+          </p:cNvSpPr>
+          <p:nvPr>
+            <p:ph idx="1"/>
+          </p:nvPr>
+        </p:nvSpPr>
+        <p:spPr/>
+        <p:txBody>
+          <a:bodyPr/>
+          <a:lstStyle/>
+          <a:p>
+            <a:r>
+              <a:rPr lang="fr-FR" sz="2400" dirty="0"/>
+              <a:t>Un trajet a été fait en train si </a:t>
+            </a:r>
+          </a:p>
+          <a:p>
+            <a:pPr lvl="1"/>
+            <a:r>
+              <a:rPr lang="fr-FR" sz="2000" dirty="0"/>
+              <a:t>Il a pris moins de temps que n’aurait duré le trajet en voiture</a:t>
+            </a:r>
+          </a:p>
+          <a:p>
+            <a:pPr lvl="1"/>
+            <a:endParaRPr lang="fr-FR" sz="2000" dirty="0"/>
+          </a:p>
+          <a:p>
+            <a:pPr lvl="1"/>
+            <a:endParaRPr lang="fr-FR" sz="2000" dirty="0"/>
+          </a:p>
+          <a:p>
+            <a:pPr lvl="1"/>
+            <a:endParaRPr lang="fr-FR" sz="2000" dirty="0"/>
+          </a:p>
+          <a:p>
+            <a:pPr marL="381600" lvl="1" indent="0">
+              <a:buNone/>
+            </a:pPr>
+            <a:endParaRPr lang="fr-FR" sz="2000" i="1" dirty="0"/>
+          </a:p>
+          <a:p>
+            <a:pPr marL="381600" lvl="1" indent="0">
+              <a:buNone/>
+            </a:pPr>
+            <a:endParaRPr lang="fr-FR" sz="2000" i="1" dirty="0"/>
+          </a:p>
+          <a:p>
+            <a:pPr marL="381600" lvl="1" indent="0">
+              <a:buNone/>
+            </a:pPr>
+            <a:r>
+              <a:rPr lang="fr-FR" sz="2000" i="1" dirty="0"/>
+              <a:t>Exemple : d’après </a:t>
+            </a:r>
+            <a:r>
+              <a:rPr lang="fr-FR" sz="2000" i="1" dirty="0" err="1"/>
+              <a:t>GraphHopper</a:t>
+            </a:r>
+            <a:r>
+              <a:rPr lang="fr-FR" sz="2000" i="1" dirty="0"/>
+              <a:t>, le trajet entre les borne B01 et B02 dure 1h11</a:t>
+            </a:r>
+          </a:p>
+          <a:p>
+            <a:pPr marL="381600" lvl="1" indent="0">
+              <a:buNone/>
+            </a:pPr>
+            <a:r>
+              <a:rPr lang="fr-FR" sz="2000" i="1" dirty="0"/>
+              <a:t>On considère que l’équipe 1 qui a mis 2h35 n’a pas pris le train.</a:t>
+            </a:r>
+          </a:p>
+          <a:p>
+            <a:pPr marL="381600" lvl="1" indent="0">
+              <a:buNone/>
+            </a:pPr>
+            <a:r>
+              <a:rPr lang="fr-FR" sz="1800" i="1" dirty="0"/>
+              <a:t>Une équipe qui met 1h10 a pris le train.</a:t>
+            </a:r>
+          </a:p>
+          <a:p>
+            <a:r>
+              <a:rPr lang="fr-FR" sz="2400" dirty="0"/>
+              <a:t>Une équipe a triché si </a:t>
+            </a:r>
+          </a:p>
+          <a:p>
+            <a:pPr lvl="1"/>
+            <a:r>
+              <a:rPr lang="fr-FR" sz="2000" dirty="0"/>
+              <a:t>Elle a pris le train alors qu’elle n’avait pas (encore) gagné de Ticket de train</a:t>
+            </a:r>
+          </a:p>
+          <a:p>
+            <a:endParaRPr lang="fr-FR" sz="2400" dirty="0"/>
+          </a:p>
+          <a:p>
+            <a:pPr lvl="2">
+              <a:buFont typeface="Symbol" panose="05050102010706020507" pitchFamily="18" charset="2"/>
+              <a:buChar char="Þ"/>
+            </a:pPr>
+            <a:endParaRPr lang="fr-FR" dirty="0">
+              <a:solidFill>
+                <a:prstClr val="black"/>
+              </a:solidFill>
+            </a:endParaRPr>
+          </a:p>
+          <a:p>
+            <a:pPr marL="914400" lvl="2" indent="0">
+              <a:buClr>
+                <a:srgbClr val="004DFF"/>
+              </a:buClr>
+              <a:buNone/>
+            </a:pPr>
+            <a:endParaRPr lang="fr-FR" sz="1600" dirty="0">
+              <a:solidFill>
+                <a:prstClr val="black"/>
+              </a:solidFill>
+            </a:endParaRPr>
+          </a:p>
+          <a:p>
+            <a:pPr lvl="2">
+              <a:buClr>
+                <a:srgbClr val="004DFF"/>
+              </a:buClr>
+            </a:pPr>
+            <a:endParaRPr lang="fr-FR" dirty="0">
+              <a:solidFill>
+                <a:prstClr val="black"/>
+              </a:solidFill>
+            </a:endParaRPr>
+          </a:p>
+          <a:p>
+            <a:pPr lvl="2">
+              <a:buFont typeface="Symbol" panose="05050102010706020507" pitchFamily="18" charset="2"/>
+              <a:buChar char="Þ"/>
+            </a:pPr>
+            <a:endParaRPr lang="fr-FR" dirty="0"/>
+          </a:p>
+          <a:p>
+            <a:pPr lvl="1">
+              <a:buFont typeface="Symbol" panose="05050102010706020507" pitchFamily="18" charset="2"/>
+              <a:buChar char="Þ"/>
+            </a:pPr>
+            <a:endParaRPr lang="fr-FR" dirty="0"/>
+          </a:p>
+          <a:p>
+            <a:pPr lvl="2">
+              <a:buFont typeface="Symbol" panose="05050102010706020507" pitchFamily="18" charset="2"/>
+              <a:buChar char="Þ"/>
+            </a:pPr>
+            <a:endParaRPr lang="fr-FR" dirty="0"/>
+          </a:p>
+        </p:txBody>
+      </p:sp>
+      <p:pic>
+        <p:nvPicPr>
+          <p:cNvPr id="5" name="Image 4">
+            <a:extLst>
+              <a:ext uri="{FF2B5EF4-FFF2-40B4-BE49-F238E27FC236}">
+                <a16:creationId xmlns:a16="http://schemas.microsoft.com/office/drawing/2014/main" id="{80DF8154-6431-4FC6-8197-F76F46000978}"/>
+              </a:ext>
+            </a:extLst>
+          </p:cNvPr>
+          <p:cNvPicPr>
+            <a:picLocks noChangeAspect="1"/>
+          </p:cNvPicPr>
+          <p:nvPr/>
+        </p:nvPicPr>
+        <p:blipFill rotWithShape="1">
+          <a:blip r:embed="rId2"/>
+          <a:srcRect l="38265" t="67793"/>
+          <a:stretch/>
+        </p:blipFill>
+        <p:spPr>
+          <a:xfrm>
+            <a:off x="2356692" y="2105525"/>
+            <a:ext cx="3520735" cy="1783387"/>
+          </a:xfrm>
+          <a:prstGeom prst="rect">
+            <a:avLst/>
+          </a:prstGeom>
+        </p:spPr>
+      </p:pic>
+      <p:cxnSp>
+        <p:nvCxnSpPr>
+          <p:cNvPr id="6" name="Connecteur droit 5">
+            <a:extLst>
+              <a:ext uri="{FF2B5EF4-FFF2-40B4-BE49-F238E27FC236}">
+                <a16:creationId xmlns:a16="http://schemas.microsoft.com/office/drawing/2014/main" id="{1835633E-3836-42D1-875E-3AB76A7C3273}"/>
+              </a:ext>
+            </a:extLst>
+          </p:cNvPr>
+          <p:cNvCxnSpPr>
+            <a:cxnSpLocks/>
+          </p:cNvCxnSpPr>
+          <p:nvPr/>
+        </p:nvCxnSpPr>
+        <p:spPr>
+          <a:xfrm flipH="1" flipV="1">
+            <a:off x="4295273" y="2941721"/>
+            <a:ext cx="222584" cy="397817"/>
+          </a:xfrm>
+          <a:prstGeom prst="line">
+            <a:avLst/>
+          </a:prstGeom>
+          <a:ln>
+            <a:solidFill>
+              <a:schemeClr val="bg2">
+                <a:lumMod val="25000"/>
+              </a:schemeClr>
+            </a:solidFill>
+          </a:ln>
+        </p:spPr>
+        <p:style>
+          <a:lnRef idx="2">
+            <a:schemeClr val="accent1"/>
+          </a:lnRef>
+          <a:fillRef idx="0">
+            <a:schemeClr val="accent1"/>
+          </a:fillRef>
+          <a:effectRef idx="1">
+            <a:schemeClr val="accent1"/>
+          </a:effectRef>
+          <a:fontRef idx="minor">
+            <a:schemeClr val="tx1"/>
+          </a:fontRef>
+        </p:style>
+      </p:cxnSp>
+      <p:sp>
+        <p:nvSpPr>
+          <p:cNvPr id="7" name="ZoneTexte 6">
+            <a:extLst>
+              <a:ext uri="{FF2B5EF4-FFF2-40B4-BE49-F238E27FC236}">
+                <a16:creationId xmlns:a16="http://schemas.microsoft.com/office/drawing/2014/main" id="{F47E9BEC-F3B3-4CC6-B754-534A55DD02C2}"/>
+              </a:ext>
+            </a:extLst>
+          </p:cNvPr>
+          <p:cNvSpPr txBox="1"/>
+          <p:nvPr/>
+        </p:nvSpPr>
+        <p:spPr>
+          <a:xfrm>
+            <a:off x="4467288" y="3269118"/>
+            <a:ext cx="688009" cy="400110"/>
+          </a:xfrm>
+          <a:prstGeom prst="rect">
+            <a:avLst/>
+          </a:prstGeom>
+          <a:noFill/>
+        </p:spPr>
+        <p:txBody>
+          <a:bodyPr wrap="none" rtlCol="0">
+            <a:spAutoFit/>
+          </a:bodyPr>
+          <a:lstStyle/>
+          <a:p>
+            <a:r>
+              <a:rPr lang="fr-FR" sz="2000" dirty="0">
+                <a:solidFill>
+                  <a:schemeClr val="bg2">
+                    <a:lumMod val="25000"/>
+                  </a:schemeClr>
+                </a:solidFill>
+                <a:latin typeface="Verdana"/>
+              </a:rPr>
+              <a:t>B01</a:t>
+            </a:r>
+          </a:p>
+        </p:txBody>
+      </p:sp>
+      <p:sp>
+        <p:nvSpPr>
+          <p:cNvPr id="8" name="ZoneTexte 7">
+            <a:extLst>
+              <a:ext uri="{FF2B5EF4-FFF2-40B4-BE49-F238E27FC236}">
+                <a16:creationId xmlns:a16="http://schemas.microsoft.com/office/drawing/2014/main" id="{29A19BA4-B3B1-488C-A091-B4477B39D7A5}"/>
+              </a:ext>
+            </a:extLst>
+          </p:cNvPr>
+          <p:cNvSpPr txBox="1"/>
+          <p:nvPr/>
+        </p:nvSpPr>
+        <p:spPr>
+          <a:xfrm>
+            <a:off x="3882062" y="2621636"/>
+            <a:ext cx="688009" cy="400110"/>
+          </a:xfrm>
+          <a:prstGeom prst="rect">
+            <a:avLst/>
+          </a:prstGeom>
+          <a:noFill/>
+        </p:spPr>
+        <p:txBody>
+          <a:bodyPr wrap="none" rtlCol="0">
+            <a:spAutoFit/>
+          </a:bodyPr>
+          <a:lstStyle/>
+          <a:p>
+            <a:r>
+              <a:rPr lang="fr-FR" sz="2000" dirty="0">
+                <a:solidFill>
+                  <a:schemeClr val="bg2">
+                    <a:lumMod val="25000"/>
+                  </a:schemeClr>
+                </a:solidFill>
+                <a:latin typeface="Verdana"/>
+              </a:rPr>
+              <a:t>B02</a:t>
+            </a:r>
+          </a:p>
+        </p:txBody>
+      </p:sp>
+    </p:spTree>
+    <p:extLst>
+      <p:ext uri="{BB962C8B-B14F-4D97-AF65-F5344CB8AC3E}">
+        <p14:creationId xmlns:p14="http://schemas.microsoft.com/office/powerpoint/2010/main" val="2483990410"/>
+      </p:ext>
+    </p:extLst>
+  </p:cSld>
+  <p:clrMapOvr>
+    <a:masterClrMapping/>
+  </p:clrMapOvr>
+</p:sld>
+</file>
+
+<file path=ppt/slides/slide11.xml><?xml version="1.0" encoding="utf-8"?>
+<p:sld xmlns:a="http://schemas.openxmlformats.org/drawingml/2006/main" xmlns:r="http://schemas.openxmlformats.org/officeDocument/2006/relationships" xmlns:p="http://schemas.openxmlformats.org/presentationml/2006/main">
+  <p:cSld>
+    <p:spTree>
+      <p:nvGrpSpPr>
+        <p:cNvPr id="1" name=""/>
+        <p:cNvGrpSpPr/>
+        <p:nvPr/>
+      </p:nvGrpSpPr>
+      <p:grpSpPr>
+        <a:xfrm>
+          <a:off x="0" y="0"/>
+          <a:ext cx="0" cy="0"/>
+          <a:chOff x="0" y="0"/>
+          <a:chExt cx="0" cy="0"/>
+        </a:xfrm>
+      </p:grpSpPr>
+      <p:sp>
+        <p:nvSpPr>
+          <p:cNvPr id="2" name="Titre 1">
+            <a:extLst>
+              <a:ext uri="{FF2B5EF4-FFF2-40B4-BE49-F238E27FC236}">
+                <a16:creationId xmlns:a16="http://schemas.microsoft.com/office/drawing/2014/main" id="{CFBCEC0E-D752-46F6-A9A1-587F4E7C8E90}"/>
+              </a:ext>
+            </a:extLst>
+          </p:cNvPr>
+          <p:cNvSpPr>
+            <a:spLocks noGrp="1"/>
+          </p:cNvSpPr>
+          <p:nvPr>
+            <p:ph type="title"/>
+          </p:nvPr>
+        </p:nvSpPr>
+        <p:spPr/>
+        <p:txBody>
+          <a:bodyPr/>
+          <a:lstStyle/>
+          <a:p>
+            <a:r>
+              <a:rPr lang="fr-FR" dirty="0"/>
+              <a:t>Techniquement</a:t>
+            </a:r>
+          </a:p>
+        </p:txBody>
+      </p:sp>
+      <p:sp>
+        <p:nvSpPr>
+          <p:cNvPr id="3" name="Espace réservé du numéro de diapositive 2">
+            <a:extLst>
+              <a:ext uri="{FF2B5EF4-FFF2-40B4-BE49-F238E27FC236}">
+                <a16:creationId xmlns:a16="http://schemas.microsoft.com/office/drawing/2014/main" id="{E2AE9AFF-1721-45B1-869F-8953F0A1CF05}"/>
+              </a:ext>
+            </a:extLst>
+          </p:cNvPr>
+          <p:cNvSpPr>
+            <a:spLocks noGrp="1"/>
+          </p:cNvSpPr>
+          <p:nvPr>
+            <p:ph type="sldNum" sz="quarter" idx="12"/>
+          </p:nvPr>
+        </p:nvSpPr>
+        <p:spPr/>
+        <p:txBody>
+          <a:bodyPr/>
+          <a:lstStyle/>
+          <a:p>
+            <a:pPr>
+              <a:defRPr/>
+            </a:pPr>
+            <a:fld id="{D727A26F-F00B-4596-8258-FF21EF8271F6}" type="slidenum">
+              <a:rPr lang="fr-FR" smtClean="0"/>
+              <a:pPr>
+                <a:defRPr/>
+              </a:pPr>
+              <a:t>11</a:t>
+            </a:fld>
+            <a:endParaRPr lang="fr-FR" dirty="0"/>
+          </a:p>
+        </p:txBody>
+      </p:sp>
+      <p:sp>
+        <p:nvSpPr>
+          <p:cNvPr id="4" name="Espace réservé du contenu 3">
+            <a:extLst>
+              <a:ext uri="{FF2B5EF4-FFF2-40B4-BE49-F238E27FC236}">
+                <a16:creationId xmlns:a16="http://schemas.microsoft.com/office/drawing/2014/main" id="{F943E2F7-6CC7-42D5-B1CE-EAD96F0688F2}"/>
+              </a:ext>
+            </a:extLst>
+          </p:cNvPr>
+          <p:cNvSpPr>
+            <a:spLocks noGrp="1"/>
+          </p:cNvSpPr>
+          <p:nvPr>
+            <p:ph idx="1"/>
+          </p:nvPr>
+        </p:nvSpPr>
+        <p:spPr/>
+        <p:txBody>
+          <a:bodyPr/>
+          <a:lstStyle/>
+          <a:p>
+            <a:r>
+              <a:rPr lang="fr-FR" sz="2400" dirty="0"/>
+              <a:t>API rennes2express </a:t>
+            </a:r>
+            <a:r>
+              <a:rPr lang="fr-FR" sz="1200" dirty="0">
+                <a:hlinkClick r:id="rId2"/>
+              </a:rPr>
+              <a:t>http://my-json-server.typicode.com/alemaitr/python_opendata_l2/rennes2express</a:t>
+            </a:r>
+            <a:endParaRPr lang="fr-FR" sz="1450" dirty="0"/>
+          </a:p>
+          <a:p>
+            <a:pPr lvl="1"/>
+            <a:r>
+              <a:rPr lang="fr-FR" sz="2200" dirty="0"/>
+              <a:t>Equipes</a:t>
+            </a:r>
+          </a:p>
+          <a:p>
+            <a:pPr lvl="1"/>
+            <a:r>
+              <a:rPr lang="fr-FR" sz="2200" dirty="0"/>
+              <a:t>Epreuves et vainqueurs</a:t>
+            </a:r>
+          </a:p>
+          <a:p>
+            <a:pPr lvl="1"/>
+            <a:r>
+              <a:rPr lang="fr-FR" sz="2200" dirty="0"/>
+              <a:t>Etapes du trajet</a:t>
+            </a:r>
+          </a:p>
+          <a:p>
+            <a:r>
+              <a:rPr lang="fr-FR" sz="2400" dirty="0"/>
+              <a:t>Deux fichiers CSV (sur Cursus)</a:t>
+            </a:r>
+          </a:p>
+          <a:p>
+            <a:pPr lvl="1"/>
+            <a:r>
+              <a:rPr lang="fr-FR" sz="2000" dirty="0"/>
+              <a:t>Coordonnées GPS des bornes</a:t>
+            </a:r>
+          </a:p>
+          <a:p>
+            <a:pPr lvl="1"/>
+            <a:r>
+              <a:rPr lang="fr-FR" sz="2000" dirty="0"/>
+              <a:t>Horaires de passage des badges sur les bornes</a:t>
+            </a:r>
+          </a:p>
+          <a:p>
+            <a:r>
+              <a:rPr lang="fr-FR" sz="2400" dirty="0"/>
+              <a:t>Calcul de durée théorique</a:t>
+            </a:r>
+          </a:p>
+          <a:p>
+            <a:pPr lvl="1"/>
+            <a:r>
+              <a:rPr lang="fr-FR" sz="2000" dirty="0"/>
+              <a:t>API </a:t>
+            </a:r>
+            <a:r>
+              <a:rPr lang="fr-FR" sz="2000" dirty="0" err="1"/>
+              <a:t>GraphHopper</a:t>
+            </a:r>
+            <a:endParaRPr lang="fr-FR" sz="2000" dirty="0"/>
+          </a:p>
+          <a:p>
+            <a:r>
+              <a:rPr lang="fr-FR" sz="2400" dirty="0"/>
+              <a:t>Comparaison de durées</a:t>
+            </a:r>
+          </a:p>
+          <a:p>
+            <a:pPr lvl="1"/>
+            <a:r>
+              <a:rPr lang="fr-FR" sz="2000" dirty="0"/>
+              <a:t>Module </a:t>
+            </a:r>
+            <a:r>
+              <a:rPr lang="fr-FR" sz="2000" dirty="0" err="1"/>
+              <a:t>datetime</a:t>
+            </a:r>
+            <a:endParaRPr lang="fr-FR" sz="2000" dirty="0"/>
+          </a:p>
+          <a:p>
+            <a:endParaRPr lang="fr-FR" dirty="0"/>
+          </a:p>
+        </p:txBody>
+      </p:sp>
+    </p:spTree>
+    <p:extLst>
+      <p:ext uri="{BB962C8B-B14F-4D97-AF65-F5344CB8AC3E}">
+        <p14:creationId xmlns:p14="http://schemas.microsoft.com/office/powerpoint/2010/main" val="2509622515"/>
+      </p:ext>
+    </p:extLst>
+  </p:cSld>
+  <p:clrMapOvr>
+    <a:masterClrMapping/>
+  </p:clrMapOvr>
+</p:sld>
+</file>
+
+<file path=ppt/slides/slide12.xml><?xml version="1.0" encoding="utf-8"?>
+<p:sld xmlns:a="http://schemas.openxmlformats.org/drawingml/2006/main" xmlns:r="http://schemas.openxmlformats.org/officeDocument/2006/relationships" xmlns:p="http://schemas.openxmlformats.org/presentationml/2006/main">
+  <p:cSld>
+    <p:spTree>
+      <p:nvGrpSpPr>
+        <p:cNvPr id="1" name=""/>
+        <p:cNvGrpSpPr/>
+        <p:nvPr/>
+      </p:nvGrpSpPr>
+      <p:grpSpPr>
+        <a:xfrm>
+          <a:off x="0" y="0"/>
+          <a:ext cx="0" cy="0"/>
+          <a:chOff x="0" y="0"/>
+          <a:chExt cx="0" cy="0"/>
+        </a:xfrm>
+      </p:grpSpPr>
+      <p:sp>
+        <p:nvSpPr>
+          <p:cNvPr id="2" name="Titre 1">
+            <a:extLst>
+              <a:ext uri="{FF2B5EF4-FFF2-40B4-BE49-F238E27FC236}">
                 <a16:creationId xmlns:a16="http://schemas.microsoft.com/office/drawing/2014/main" id="{7C184A5D-E417-4503-B727-0DA9812E9444}"/>
               </a:ext>
             </a:extLst>
@@ -2562,9 +3192,10 @@
           <a:lstStyle/>
           <a:p>
             <a:r>
-              <a:rPr lang="fr-FR" dirty="0"/>
+              <a:rPr lang="fr-FR"/>
               <a:t>Rendu attendu</a:t>
             </a:r>
+            <a:endParaRPr lang="fr-FR" dirty="0"/>
           </a:p>
         </p:txBody>
       </p:sp>
@@ -2589,15 +3220,10 @@
           <a:bodyPr/>
           <a:lstStyle/>
           <a:p>
-            <a:pPr>
-              <a:defRPr/>
-            </a:pPr>
             <a:fld id="{D727A26F-F00B-4596-8258-FF21EF8271F6}" type="slidenum">
               <a:rPr lang="fr-FR" smtClean="0"/>
-              <a:pPr>
-                <a:defRPr/>
-              </a:pPr>
-              <a:t>10</a:t>
+              <a:pPr/>
+              <a:t>12</a:t>
             </a:fld>
             <a:endParaRPr lang="fr-FR" dirty="0"/>
           </a:p>
@@ -2625,75 +3251,35 @@
           <a:lstStyle/>
           <a:p>
             <a:r>
-              <a:rPr lang="fr-FR" dirty="0"/>
+              <a:rPr lang="fr-FR" sz="2400" dirty="0"/>
               <a:t>Niveau 1</a:t>
             </a:r>
           </a:p>
           <a:p>
             <a:pPr lvl="1"/>
             <a:r>
-              <a:rPr lang="fr-FR" dirty="0"/>
-              <a:t>Quels sont les suspects innocentés ? </a:t>
-            </a:r>
+              <a:rPr lang="fr-FR" sz="2000" dirty="0"/>
+              <a:t>Qui sont les tricheurs ? </a:t>
+            </a:r>
+          </a:p>
+          <a:p>
+            <a:pPr lvl="2"/>
+            <a:r>
+              <a:rPr lang="fr-FR" sz="1600" dirty="0"/>
+              <a:t>Equipe ayant pris le train sans ticket disponible</a:t>
+            </a:r>
+            <a:endParaRPr lang="fr-FR" sz="2000" dirty="0"/>
           </a:p>
           <a:p>
             <a:pPr lvl="1"/>
-            <a:r>
-              <a:rPr lang="fr-FR" dirty="0"/>
-              <a:t>Qui est le coupable ? </a:t>
-            </a:r>
-          </a:p>
-          <a:p>
-            <a:r>
-              <a:rPr lang="fr-FR" dirty="0"/>
-              <a:t>Niveau 2</a:t>
-            </a:r>
-          </a:p>
-          <a:p>
-            <a:pPr lvl="1"/>
-            <a:r>
-              <a:rPr lang="fr-FR" dirty="0"/>
-              <a:t>Soigner le code</a:t>
-            </a:r>
-          </a:p>
-          <a:p>
-            <a:pPr lvl="1"/>
-            <a:r>
-              <a:rPr lang="fr-FR" dirty="0"/>
-              <a:t>Limiter les appels inutiles</a:t>
-            </a:r>
-          </a:p>
-          <a:p>
-            <a:pPr lvl="1"/>
-            <a:r>
-              <a:rPr lang="fr-FR" dirty="0"/>
-              <a:t>Homogénéiser les traitements </a:t>
-            </a:r>
-          </a:p>
-          <a:p>
-            <a:r>
-              <a:rPr lang="fr-FR" dirty="0"/>
-              <a:t>Niveau 3</a:t>
-            </a:r>
-          </a:p>
-          <a:p>
-            <a:pPr lvl="1"/>
-            <a:r>
-              <a:rPr lang="fr-FR" dirty="0"/>
-              <a:t>Penser à réutiliser le </a:t>
-            </a:r>
-            <a:r>
-              <a:rPr lang="fr-FR"/>
-              <a:t>TD cartographie…</a:t>
-            </a:r>
-            <a:endParaRPr lang="fr-FR" dirty="0"/>
+            <a:endParaRPr lang="fr-FR" sz="2000" dirty="0"/>
           </a:p>
         </p:txBody>
       </p:sp>
     </p:spTree>
     <p:extLst>
       <p:ext uri="{BB962C8B-B14F-4D97-AF65-F5344CB8AC3E}">
-        <p14:creationId xmlns:p14="http://schemas.microsoft.com/office/powerpoint/2010/main" val="146601158"/>
+        <p14:creationId xmlns:p14="http://schemas.microsoft.com/office/powerpoint/2010/main" val="307298617"/>
       </p:ext>
     </p:extLst>
   </p:cSld>
@@ -2703,7 +3289,367 @@
 </p:sld>
 </file>
 
-<file path=ppt/slides/slide11.xml><?xml version="1.0" encoding="utf-8"?>
+<file path=ppt/slides/slide13.xml><?xml version="1.0" encoding="utf-8"?>
+<p:sld xmlns:a="http://schemas.openxmlformats.org/drawingml/2006/main" xmlns:r="http://schemas.openxmlformats.org/officeDocument/2006/relationships" xmlns:p="http://schemas.openxmlformats.org/presentationml/2006/main">
+  <p:cSld>
+    <p:spTree>
+      <p:nvGrpSpPr>
+        <p:cNvPr id="1" name=""/>
+        <p:cNvGrpSpPr/>
+        <p:nvPr/>
+      </p:nvGrpSpPr>
+      <p:grpSpPr>
+        <a:xfrm>
+          <a:off x="0" y="0"/>
+          <a:ext cx="0" cy="0"/>
+          <a:chOff x="0" y="0"/>
+          <a:chExt cx="0" cy="0"/>
+        </a:xfrm>
+      </p:grpSpPr>
+      <p:sp>
+        <p:nvSpPr>
+          <p:cNvPr id="2" name="Titre 1">
+            <a:extLst>
+              <a:ext uri="{FF2B5EF4-FFF2-40B4-BE49-F238E27FC236}">
+                <a16:creationId xmlns:a16="http://schemas.microsoft.com/office/drawing/2014/main" id="{7C184A5D-E417-4503-B727-0DA9812E9444}"/>
+              </a:ext>
+            </a:extLst>
+          </p:cNvPr>
+          <p:cNvSpPr>
+            <a:spLocks noGrp="1"/>
+          </p:cNvSpPr>
+          <p:nvPr>
+            <p:ph type="title"/>
+          </p:nvPr>
+        </p:nvSpPr>
+        <p:spPr/>
+        <p:txBody>
+          <a:bodyPr/>
+          <a:lstStyle/>
+          <a:p>
+            <a:r>
+              <a:rPr lang="fr-FR"/>
+              <a:t>Rendu attendu</a:t>
+            </a:r>
+            <a:endParaRPr lang="fr-FR" dirty="0"/>
+          </a:p>
+        </p:txBody>
+      </p:sp>
+      <p:sp>
+        <p:nvSpPr>
+          <p:cNvPr id="3" name="Espace réservé du numéro de diapositive 2">
+            <a:extLst>
+              <a:ext uri="{FF2B5EF4-FFF2-40B4-BE49-F238E27FC236}">
+                <a16:creationId xmlns:a16="http://schemas.microsoft.com/office/drawing/2014/main" id="{95B3E199-9DE1-4B04-AC4D-9E3FC9BA1306}"/>
+              </a:ext>
+            </a:extLst>
+          </p:cNvPr>
+          <p:cNvSpPr>
+            <a:spLocks noGrp="1"/>
+          </p:cNvSpPr>
+          <p:nvPr>
+            <p:ph type="sldNum" sz="quarter" idx="12"/>
+          </p:nvPr>
+        </p:nvSpPr>
+        <p:spPr/>
+        <p:txBody>
+          <a:bodyPr/>
+          <a:lstStyle/>
+          <a:p>
+            <a:fld id="{D727A26F-F00B-4596-8258-FF21EF8271F6}" type="slidenum">
+              <a:rPr lang="fr-FR" smtClean="0"/>
+              <a:pPr/>
+              <a:t>13</a:t>
+            </a:fld>
+            <a:endParaRPr lang="fr-FR" dirty="0"/>
+          </a:p>
+        </p:txBody>
+      </p:sp>
+      <p:sp>
+        <p:nvSpPr>
+          <p:cNvPr id="4" name="Espace réservé du contenu 3">
+            <a:extLst>
+              <a:ext uri="{FF2B5EF4-FFF2-40B4-BE49-F238E27FC236}">
+                <a16:creationId xmlns:a16="http://schemas.microsoft.com/office/drawing/2014/main" id="{F29ECEEE-5FE7-4EE0-BFAA-48040A989A41}"/>
+              </a:ext>
+            </a:extLst>
+          </p:cNvPr>
+          <p:cNvSpPr>
+            <a:spLocks noGrp="1"/>
+          </p:cNvSpPr>
+          <p:nvPr>
+            <p:ph idx="1"/>
+          </p:nvPr>
+        </p:nvSpPr>
+        <p:spPr/>
+        <p:txBody>
+          <a:bodyPr/>
+          <a:lstStyle/>
+          <a:p>
+            <a:r>
+              <a:rPr lang="fr-FR" sz="2400" dirty="0"/>
+              <a:t>Niveau 1</a:t>
+            </a:r>
+          </a:p>
+          <a:p>
+            <a:pPr lvl="1"/>
+            <a:r>
+              <a:rPr lang="fr-FR" sz="2000" dirty="0"/>
+              <a:t>Qui sont les tricheurs ? </a:t>
+            </a:r>
+          </a:p>
+          <a:p>
+            <a:pPr lvl="2"/>
+            <a:r>
+              <a:rPr lang="fr-FR" sz="1600" dirty="0"/>
+              <a:t>Equipe ayant pris le train sans ticket disponible</a:t>
+            </a:r>
+            <a:endParaRPr lang="fr-FR" sz="2000" dirty="0"/>
+          </a:p>
+          <a:p>
+            <a:r>
+              <a:rPr lang="fr-FR" sz="2400" dirty="0"/>
+              <a:t>Niveau 2</a:t>
+            </a:r>
+          </a:p>
+          <a:p>
+            <a:pPr lvl="1"/>
+            <a:r>
+              <a:rPr lang="fr-FR" sz="2000" dirty="0"/>
+              <a:t>Qui est l’équipe gagnante au classement général ? </a:t>
+            </a:r>
+          </a:p>
+          <a:p>
+            <a:pPr lvl="2"/>
+            <a:r>
+              <a:rPr lang="fr-FR" sz="1800" dirty="0"/>
+              <a:t>Temps cumulé le plus court sur toutes les étapes </a:t>
+            </a:r>
+          </a:p>
+          <a:p>
+            <a:pPr lvl="1"/>
+            <a:r>
+              <a:rPr lang="fr-FR" sz="2000" dirty="0"/>
+              <a:t>Niveau 2 bis : Proposer un classement général de toutes les équipes</a:t>
+            </a:r>
+          </a:p>
+          <a:p>
+            <a:pPr lvl="1"/>
+            <a:endParaRPr lang="fr-FR" sz="2000" dirty="0"/>
+          </a:p>
+        </p:txBody>
+      </p:sp>
+    </p:spTree>
+    <p:extLst>
+      <p:ext uri="{BB962C8B-B14F-4D97-AF65-F5344CB8AC3E}">
+        <p14:creationId xmlns:p14="http://schemas.microsoft.com/office/powerpoint/2010/main" val="2822320416"/>
+      </p:ext>
+    </p:extLst>
+  </p:cSld>
+  <p:clrMapOvr>
+    <a:masterClrMapping/>
+  </p:clrMapOvr>
+</p:sld>
+</file>
+
+<file path=ppt/slides/slide14.xml><?xml version="1.0" encoding="utf-8"?>
+<p:sld xmlns:a="http://schemas.openxmlformats.org/drawingml/2006/main" xmlns:r="http://schemas.openxmlformats.org/officeDocument/2006/relationships" xmlns:p="http://schemas.openxmlformats.org/presentationml/2006/main">
+  <p:cSld>
+    <p:spTree>
+      <p:nvGrpSpPr>
+        <p:cNvPr id="1" name=""/>
+        <p:cNvGrpSpPr/>
+        <p:nvPr/>
+      </p:nvGrpSpPr>
+      <p:grpSpPr>
+        <a:xfrm>
+          <a:off x="0" y="0"/>
+          <a:ext cx="0" cy="0"/>
+          <a:chOff x="0" y="0"/>
+          <a:chExt cx="0" cy="0"/>
+        </a:xfrm>
+      </p:grpSpPr>
+      <p:sp>
+        <p:nvSpPr>
+          <p:cNvPr id="2" name="Titre 1">
+            <a:extLst>
+              <a:ext uri="{FF2B5EF4-FFF2-40B4-BE49-F238E27FC236}">
+                <a16:creationId xmlns:a16="http://schemas.microsoft.com/office/drawing/2014/main" id="{7C184A5D-E417-4503-B727-0DA9812E9444}"/>
+              </a:ext>
+            </a:extLst>
+          </p:cNvPr>
+          <p:cNvSpPr>
+            <a:spLocks noGrp="1"/>
+          </p:cNvSpPr>
+          <p:nvPr>
+            <p:ph type="title"/>
+          </p:nvPr>
+        </p:nvSpPr>
+        <p:spPr/>
+        <p:txBody>
+          <a:bodyPr/>
+          <a:lstStyle/>
+          <a:p>
+            <a:r>
+              <a:rPr lang="fr-FR"/>
+              <a:t>Rendu attendu</a:t>
+            </a:r>
+            <a:endParaRPr lang="fr-FR" dirty="0"/>
+          </a:p>
+        </p:txBody>
+      </p:sp>
+      <p:sp>
+        <p:nvSpPr>
+          <p:cNvPr id="3" name="Espace réservé du numéro de diapositive 2">
+            <a:extLst>
+              <a:ext uri="{FF2B5EF4-FFF2-40B4-BE49-F238E27FC236}">
+                <a16:creationId xmlns:a16="http://schemas.microsoft.com/office/drawing/2014/main" id="{95B3E199-9DE1-4B04-AC4D-9E3FC9BA1306}"/>
+              </a:ext>
+            </a:extLst>
+          </p:cNvPr>
+          <p:cNvSpPr>
+            <a:spLocks noGrp="1"/>
+          </p:cNvSpPr>
+          <p:nvPr>
+            <p:ph type="sldNum" sz="quarter" idx="12"/>
+          </p:nvPr>
+        </p:nvSpPr>
+        <p:spPr/>
+        <p:txBody>
+          <a:bodyPr/>
+          <a:lstStyle/>
+          <a:p>
+            <a:fld id="{D727A26F-F00B-4596-8258-FF21EF8271F6}" type="slidenum">
+              <a:rPr lang="fr-FR" smtClean="0"/>
+              <a:pPr/>
+              <a:t>14</a:t>
+            </a:fld>
+            <a:endParaRPr lang="fr-FR" dirty="0"/>
+          </a:p>
+        </p:txBody>
+      </p:sp>
+      <p:sp>
+        <p:nvSpPr>
+          <p:cNvPr id="4" name="Espace réservé du contenu 3">
+            <a:extLst>
+              <a:ext uri="{FF2B5EF4-FFF2-40B4-BE49-F238E27FC236}">
+                <a16:creationId xmlns:a16="http://schemas.microsoft.com/office/drawing/2014/main" id="{F29ECEEE-5FE7-4EE0-BFAA-48040A989A41}"/>
+              </a:ext>
+            </a:extLst>
+          </p:cNvPr>
+          <p:cNvSpPr>
+            <a:spLocks noGrp="1"/>
+          </p:cNvSpPr>
+          <p:nvPr>
+            <p:ph idx="1"/>
+          </p:nvPr>
+        </p:nvSpPr>
+        <p:spPr/>
+        <p:txBody>
+          <a:bodyPr/>
+          <a:lstStyle/>
+          <a:p>
+            <a:r>
+              <a:rPr lang="fr-FR" sz="2400" dirty="0"/>
+              <a:t>Niveau 1</a:t>
+            </a:r>
+          </a:p>
+          <a:p>
+            <a:pPr lvl="1"/>
+            <a:r>
+              <a:rPr lang="fr-FR" sz="2000" dirty="0"/>
+              <a:t>Qui sont les tricheurs ? </a:t>
+            </a:r>
+          </a:p>
+          <a:p>
+            <a:pPr lvl="2"/>
+            <a:r>
+              <a:rPr lang="fr-FR" sz="1600" dirty="0"/>
+              <a:t>Equipe ayant pris le train sans ticket disponible</a:t>
+            </a:r>
+            <a:endParaRPr lang="fr-FR" sz="2000" dirty="0"/>
+          </a:p>
+          <a:p>
+            <a:r>
+              <a:rPr lang="fr-FR" sz="2400" dirty="0"/>
+              <a:t>Niveau 2</a:t>
+            </a:r>
+          </a:p>
+          <a:p>
+            <a:pPr lvl="1"/>
+            <a:r>
+              <a:rPr lang="fr-FR" sz="2000" dirty="0"/>
+              <a:t>Qui est l’équipe gagnante au classement général ? </a:t>
+            </a:r>
+          </a:p>
+          <a:p>
+            <a:pPr lvl="2"/>
+            <a:r>
+              <a:rPr lang="fr-FR" sz="1800" dirty="0"/>
+              <a:t>Temps cumulé le plus court sur toutes les étapes </a:t>
+            </a:r>
+          </a:p>
+          <a:p>
+            <a:pPr lvl="1"/>
+            <a:r>
+              <a:rPr lang="fr-FR" sz="2000" dirty="0"/>
+              <a:t>Niveau 2 bis : Proposer un classement général de toutes les équipes</a:t>
+            </a:r>
+          </a:p>
+          <a:p>
+            <a:r>
+              <a:rPr lang="fr-FR" sz="2400" dirty="0"/>
+              <a:t>Niveau 3</a:t>
+            </a:r>
+          </a:p>
+          <a:p>
+            <a:pPr lvl="1"/>
+            <a:r>
+              <a:rPr lang="fr-FR" sz="2000" dirty="0"/>
+              <a:t>Qui est l’équipe gagnante au classement à points ? </a:t>
+            </a:r>
+          </a:p>
+          <a:p>
+            <a:pPr lvl="2"/>
+            <a:r>
+              <a:rPr lang="fr-FR" sz="1800" dirty="0"/>
+              <a:t>Plus grand nombre de points</a:t>
+            </a:r>
+          </a:p>
+          <a:p>
+            <a:pPr lvl="2"/>
+            <a:r>
+              <a:rPr lang="fr-FR" sz="1800" dirty="0"/>
+              <a:t>Les 3 premiers de chaque étape marquent respectivement 3,2,1 points</a:t>
+            </a:r>
+          </a:p>
+          <a:p>
+            <a:pPr lvl="1"/>
+            <a:r>
+              <a:rPr lang="fr-FR" sz="2000" dirty="0"/>
+              <a:t>Niveau 3 bis : Proposer un classement à points de toutes les équipes</a:t>
+            </a:r>
+          </a:p>
+          <a:p>
+            <a:pPr lvl="1"/>
+            <a:endParaRPr lang="fr-FR" sz="2000" dirty="0"/>
+          </a:p>
+        </p:txBody>
+      </p:sp>
+    </p:spTree>
+    <p:extLst>
+      <p:ext uri="{BB962C8B-B14F-4D97-AF65-F5344CB8AC3E}">
+        <p14:creationId xmlns:p14="http://schemas.microsoft.com/office/powerpoint/2010/main" val="633902807"/>
+      </p:ext>
+    </p:extLst>
+  </p:cSld>
+  <p:clrMapOvr>
+    <a:masterClrMapping/>
+  </p:clrMapOvr>
+</p:sld>
+</file>
+
+<file path=ppt/slides/slide15.xml><?xml version="1.0" encoding="utf-8"?>
 <p:sld xmlns:a="http://schemas.openxmlformats.org/drawingml/2006/main" xmlns:r="http://schemas.openxmlformats.org/officeDocument/2006/relationships" xmlns:p="http://schemas.openxmlformats.org/presentationml/2006/main">
   <p:cSld>
     <p:spTree>
@@ -2777,7 +3723,7 @@
               <a:pPr>
                 <a:defRPr/>
               </a:pPr>
-              <a:t>11</a:t>
+              <a:t>15</a:t>
             </a:fld>
             <a:endParaRPr lang="fr-FR" dirty="0"/>
           </a:p>
@@ -2806,7 +3752,7 @@
           <a:p>
             <a:r>
               <a:rPr lang="fr-FR" dirty="0"/>
-              <a:t>Groupes de 2 (voir 3) étudiants</a:t>
+              <a:t>Groupes de 2 étudiants</a:t>
             </a:r>
           </a:p>
           <a:p>
@@ -2815,7 +3761,7 @@
           <a:p>
             <a:r>
               <a:rPr lang="fr-FR" dirty="0"/>
-              <a:t>Rendu pour le jeudi 22 décembre</a:t>
+              <a:t>Rendu pour le vendredi 22 décembre</a:t>
             </a:r>
           </a:p>
           <a:p>
@@ -2867,7 +3813,7 @@
           <p:cNvPr id="2" name="Titre 1">
             <a:extLst>
               <a:ext uri="{FF2B5EF4-FFF2-40B4-BE49-F238E27FC236}">
-                <a16:creationId xmlns:a16="http://schemas.microsoft.com/office/drawing/2014/main" id="{7895EB74-18DD-40D6-A6AC-7CCCD30F0CF0}"/>
+                <a16:creationId xmlns:a16="http://schemas.microsoft.com/office/drawing/2014/main" id="{CF07B4E7-ECF7-4E4E-82EE-AEBAE6F82760}"/>
               </a:ext>
             </a:extLst>
           </p:cNvPr>
@@ -2885,13 +3831,8 @@
           <a:p>
             <a:r>
               <a:rPr lang="fr-FR" dirty="0"/>
-              <a:t>L’</a:t>
-            </a:r>
-            <a:r>
-              <a:rPr lang="fr-FR" dirty="0" err="1"/>
-              <a:t>enquete</a:t>
-            </a:r>
-            <a:endParaRPr lang="fr-FR" dirty="0"/>
+              <a:t>Le jeu</a:t>
+            </a:r>
           </a:p>
         </p:txBody>
       </p:sp>
@@ -2900,7 +3841,7 @@
           <p:cNvPr id="3" name="Espace réservé du numéro de diapositive 2">
             <a:extLst>
               <a:ext uri="{FF2B5EF4-FFF2-40B4-BE49-F238E27FC236}">
-                <a16:creationId xmlns:a16="http://schemas.microsoft.com/office/drawing/2014/main" id="{2650D5C3-6863-4CF6-8F34-D271F480588B}"/>
+                <a16:creationId xmlns:a16="http://schemas.microsoft.com/office/drawing/2014/main" id="{511AEED6-8C9A-4D74-857D-3BD544A85CC8}"/>
               </a:ext>
             </a:extLst>
           </p:cNvPr>
@@ -2935,7 +3876,7 @@
           <p:cNvPr id="4" name="Espace réservé du contenu 3">
             <a:extLst>
               <a:ext uri="{FF2B5EF4-FFF2-40B4-BE49-F238E27FC236}">
-                <a16:creationId xmlns:a16="http://schemas.microsoft.com/office/drawing/2014/main" id="{1B2A3532-9D13-4598-AC71-8307EDEAD3D4}"/>
+                <a16:creationId xmlns:a16="http://schemas.microsoft.com/office/drawing/2014/main" id="{04FC3B44-5E95-40BA-A7CB-A12BA257C11B}"/>
               </a:ext>
             </a:extLst>
           </p:cNvPr>
@@ -2951,40 +3892,40 @@
           <a:bodyPr/>
           <a:lstStyle/>
           <a:p>
-            <a:pPr marL="0" indent="0" algn="ctr">
-              <a:buNone/>
-            </a:pPr>
+            <a:endParaRPr lang="fr-FR" dirty="0"/>
+          </a:p>
+          <a:p>
             <a:r>
               <a:rPr lang="fr-FR" dirty="0"/>
-              <a:t>Un crime a été commis </a:t>
-            </a:r>
-          </a:p>
-          <a:p>
-            <a:pPr marL="0" indent="0" algn="ctr">
-              <a:buNone/>
-            </a:pPr>
+              <a:t>8 équipes de 2 aventuriers</a:t>
+            </a:r>
+          </a:p>
+          <a:p>
             <a:r>
               <a:rPr lang="fr-FR" dirty="0"/>
-              <a:t>le 28/11/22 à 15h05 </a:t>
-            </a:r>
-          </a:p>
-          <a:p>
-            <a:pPr marL="0" indent="0" algn="ctr">
-              <a:buNone/>
-            </a:pPr>
+              <a:t>Départ : Marseille</a:t>
+            </a:r>
+          </a:p>
+          <a:p>
             <a:r>
               <a:rPr lang="fr-FR" dirty="0"/>
-              <a:t>à l’UFR Sciences Sociales…</a:t>
+              <a:t>Objectif : arriver à Rennes 2 le plus vite possible !</a:t>
+            </a:r>
+          </a:p>
+          <a:p>
+            <a:r>
+              <a:rPr lang="fr-FR" dirty="0"/>
+              <a:t>A pied, en voiture, en vélo…</a:t>
             </a:r>
           </a:p>
         </p:txBody>
       </p:sp>
       <p:pic>
         <p:nvPicPr>
-          <p:cNvPr id="5" name="Image 4">
+          <p:cNvPr id="7" name="Image 6">
             <a:extLst>
               <a:ext uri="{FF2B5EF4-FFF2-40B4-BE49-F238E27FC236}">
-                <a16:creationId xmlns:a16="http://schemas.microsoft.com/office/drawing/2014/main" id="{416C06DF-6EEC-4756-9917-A5B332F7C002}"/>
+                <a16:creationId xmlns:a16="http://schemas.microsoft.com/office/drawing/2014/main" id="{5550E023-464D-4722-BB24-E556CF05F755}"/>
               </a:ext>
             </a:extLst>
           </p:cNvPr>
@@ -2994,100 +3935,67 @@
           <p:nvPr/>
         </p:nvPicPr>
         <p:blipFill>
-          <a:blip r:embed="rId2"/>
+          <a:blip r:embed="rId2">
+            <a:extLst>
+              <a:ext uri="{28A0092B-C50C-407E-A947-70E740481C1C}">
+                <a14:useLocalDpi xmlns:a14="http://schemas.microsoft.com/office/drawing/2010/main" val="0"/>
+              </a:ext>
+            </a:extLst>
+          </a:blip>
           <a:stretch>
             <a:fillRect/>
           </a:stretch>
         </p:blipFill>
         <p:spPr>
           <a:xfrm>
-            <a:off x="2934257" y="2957506"/>
-            <a:ext cx="3571101" cy="3075660"/>
+            <a:off x="0" y="4641858"/>
+            <a:ext cx="9144000" cy="2087671"/>
           </a:xfrm>
           <a:prstGeom prst="rect">
             <a:avLst/>
           </a:prstGeom>
         </p:spPr>
       </p:pic>
-      <p:cxnSp>
-        <p:nvCxnSpPr>
-          <p:cNvPr id="7" name="Connecteur droit avec flèche 6">
+      <p:pic>
+        <p:nvPicPr>
+          <p:cNvPr id="11" name="Image 10">
             <a:extLst>
               <a:ext uri="{FF2B5EF4-FFF2-40B4-BE49-F238E27FC236}">
-                <a16:creationId xmlns:a16="http://schemas.microsoft.com/office/drawing/2014/main" id="{4601336F-907C-4430-8A2D-58B581E35822}"/>
+                <a16:creationId xmlns:a16="http://schemas.microsoft.com/office/drawing/2014/main" id="{10012A4D-E2AD-4C04-8D05-CB0F0ED99443}"/>
               </a:ext>
             </a:extLst>
           </p:cNvPr>
-          <p:cNvCxnSpPr>
-            <a:cxnSpLocks/>
-          </p:cNvCxnSpPr>
+          <p:cNvPicPr>
+            <a:picLocks noChangeAspect="1"/>
+          </p:cNvPicPr>
           <p:nvPr/>
-        </p:nvCxnSpPr>
-        <p:spPr>
-          <a:xfrm flipV="1">
-            <a:off x="2441275" y="4425351"/>
-            <a:ext cx="1811548" cy="979223"/>
-          </a:xfrm>
-          <a:prstGeom prst="straightConnector1">
-            <a:avLst/>
-          </a:prstGeom>
-          <a:ln>
-            <a:tailEnd type="triangle"/>
-          </a:ln>
-        </p:spPr>
-        <p:style>
-          <a:lnRef idx="2">
-            <a:schemeClr val="accent1"/>
-          </a:lnRef>
-          <a:fillRef idx="0">
-            <a:schemeClr val="accent1"/>
-          </a:fillRef>
-          <a:effectRef idx="1">
-            <a:schemeClr val="accent1"/>
-          </a:effectRef>
-          <a:fontRef idx="minor">
-            <a:schemeClr val="tx1"/>
-          </a:fontRef>
-        </p:style>
-      </p:cxnSp>
-      <p:sp>
-        <p:nvSpPr>
-          <p:cNvPr id="8" name="Rectangle 7">
+        </p:nvPicPr>
+        <p:blipFill>
+          <a:blip r:embed="rId3">
             <a:extLst>
-              <a:ext uri="{FF2B5EF4-FFF2-40B4-BE49-F238E27FC236}">
-                <a16:creationId xmlns:a16="http://schemas.microsoft.com/office/drawing/2014/main" id="{9827D628-57CC-40CF-9CF9-FFC46CD52F6B}"/>
+              <a:ext uri="{28A0092B-C50C-407E-A947-70E740481C1C}">
+                <a14:useLocalDpi xmlns:a14="http://schemas.microsoft.com/office/drawing/2010/main" val="0"/>
               </a:ext>
             </a:extLst>
-          </p:cNvPr>
-          <p:cNvSpPr/>
-          <p:nvPr/>
-        </p:nvSpPr>
+          </a:blip>
+          <a:stretch>
+            <a:fillRect/>
+          </a:stretch>
+        </p:blipFill>
         <p:spPr>
           <a:xfrm>
-            <a:off x="146686" y="5404574"/>
-            <a:ext cx="2541080" cy="369332"/>
+            <a:off x="6418847" y="-1"/>
+            <a:ext cx="2364176" cy="2583707"/>
           </a:xfrm>
           <a:prstGeom prst="rect">
             <a:avLst/>
           </a:prstGeom>
         </p:spPr>
-        <p:txBody>
-          <a:bodyPr wrap="none">
-            <a:spAutoFit/>
-          </a:bodyPr>
-          <a:lstStyle/>
-          <a:p>
-            <a:r>
-              <a:rPr lang="fr-FR" dirty="0"/>
-              <a:t>GPS : 48.11859, -1.70322</a:t>
-            </a:r>
-          </a:p>
-        </p:txBody>
-      </p:sp>
+      </p:pic>
     </p:spTree>
     <p:extLst>
       <p:ext uri="{BB962C8B-B14F-4D97-AF65-F5344CB8AC3E}">
-        <p14:creationId xmlns:p14="http://schemas.microsoft.com/office/powerpoint/2010/main" val="3790180687"/>
+        <p14:creationId xmlns:p14="http://schemas.microsoft.com/office/powerpoint/2010/main" val="3714042217"/>
       </p:ext>
     </p:extLst>
   </p:cSld>
@@ -3119,7 +4027,7 @@
           <p:cNvPr id="2" name="Titre 1">
             <a:extLst>
               <a:ext uri="{FF2B5EF4-FFF2-40B4-BE49-F238E27FC236}">
-                <a16:creationId xmlns:a16="http://schemas.microsoft.com/office/drawing/2014/main" id="{A1E6B5B3-C215-44B0-88A7-47D5EE6BFBFF}"/>
+                <a16:creationId xmlns:a16="http://schemas.microsoft.com/office/drawing/2014/main" id="{5DC669C4-5FEC-46BA-98C0-B4B18BDB4110}"/>
               </a:ext>
             </a:extLst>
           </p:cNvPr>
@@ -3137,7 +4045,7 @@
           <a:p>
             <a:r>
               <a:rPr lang="fr-FR" dirty="0"/>
-              <a:t>Suspects</a:t>
+              <a:t>Le jeu</a:t>
             </a:r>
           </a:p>
         </p:txBody>
@@ -3147,7 +4055,7 @@
           <p:cNvPr id="3" name="Espace réservé du numéro de diapositive 2">
             <a:extLst>
               <a:ext uri="{FF2B5EF4-FFF2-40B4-BE49-F238E27FC236}">
-                <a16:creationId xmlns:a16="http://schemas.microsoft.com/office/drawing/2014/main" id="{C6545174-B9A4-4441-928D-5757B0670449}"/>
+                <a16:creationId xmlns:a16="http://schemas.microsoft.com/office/drawing/2014/main" id="{D3F2ADD2-6B89-43EC-BF1A-0D40F85A9B53}"/>
               </a:ext>
             </a:extLst>
           </p:cNvPr>
@@ -3182,7 +4090,7 @@
           <p:cNvPr id="4" name="Espace réservé du contenu 3">
             <a:extLst>
               <a:ext uri="{FF2B5EF4-FFF2-40B4-BE49-F238E27FC236}">
-                <a16:creationId xmlns:a16="http://schemas.microsoft.com/office/drawing/2014/main" id="{C615EB6B-BF9F-404B-956D-9EFA514BB4EF}"/>
+                <a16:creationId xmlns:a16="http://schemas.microsoft.com/office/drawing/2014/main" id="{BAF3FF82-765B-4750-B955-8926FF3CF073}"/>
               </a:ext>
             </a:extLst>
           </p:cNvPr>
@@ -3193,38 +4101,25 @@
             <p:ph idx="1"/>
           </p:nvPr>
         </p:nvSpPr>
-        <p:spPr/>
+        <p:spPr>
+          <a:xfrm>
+            <a:off x="143236" y="1117797"/>
+            <a:ext cx="8712967" cy="5400600"/>
+          </a:xfrm>
+        </p:spPr>
         <p:txBody>
           <a:bodyPr/>
           <a:lstStyle/>
           <a:p>
             <a:r>
               <a:rPr lang="fr-FR" dirty="0"/>
-              <a:t>L’enquête a permis d’identifier 4 suspects</a:t>
-            </a:r>
-          </a:p>
-          <a:p>
-            <a:endParaRPr lang="fr-FR" dirty="0"/>
-          </a:p>
-          <a:p>
-            <a:endParaRPr lang="fr-FR" dirty="0"/>
-          </a:p>
-          <a:p>
-            <a:endParaRPr lang="fr-FR" dirty="0"/>
-          </a:p>
-          <a:p>
-            <a:endParaRPr lang="fr-FR" dirty="0"/>
-          </a:p>
-          <a:p>
-            <a:endParaRPr lang="fr-FR" dirty="0"/>
-          </a:p>
-          <a:p>
-            <a:endParaRPr lang="fr-FR" dirty="0"/>
+              <a:t>4 jours de course du 13 au 16 novembre 2023</a:t>
+            </a:r>
           </a:p>
           <a:p>
             <a:r>
               <a:rPr lang="fr-FR" dirty="0"/>
-              <a:t>Seul un est coupable, à vous d’innocenter les 3 autres !</a:t>
+              <a:t>8 étapes</a:t>
             </a:r>
           </a:p>
         </p:txBody>
@@ -3234,7 +4129,7 @@
           <p:cNvPr id="5" name="Image 4">
             <a:extLst>
               <a:ext uri="{FF2B5EF4-FFF2-40B4-BE49-F238E27FC236}">
-                <a16:creationId xmlns:a16="http://schemas.microsoft.com/office/drawing/2014/main" id="{422E7D96-11CE-4E82-A959-571798308AE9}"/>
+                <a16:creationId xmlns:a16="http://schemas.microsoft.com/office/drawing/2014/main" id="{6DB14A86-4F04-48DB-BFBE-AD33BE184BC1}"/>
               </a:ext>
             </a:extLst>
           </p:cNvPr>
@@ -3251,186 +4146,357 @@
         </p:blipFill>
         <p:spPr>
           <a:xfrm>
-            <a:off x="251519" y="1944182"/>
-            <a:ext cx="8627682" cy="1929077"/>
+            <a:off x="1940417" y="1731237"/>
+            <a:ext cx="5263165" cy="5110199"/>
           </a:xfrm>
           <a:prstGeom prst="rect">
             <a:avLst/>
           </a:prstGeom>
         </p:spPr>
       </p:pic>
-      <p:sp>
-        <p:nvSpPr>
-          <p:cNvPr id="6" name="ZoneTexte 5">
+      <p:cxnSp>
+        <p:nvCxnSpPr>
+          <p:cNvPr id="7" name="Connecteur droit 6">
             <a:extLst>
               <a:ext uri="{FF2B5EF4-FFF2-40B4-BE49-F238E27FC236}">
-                <a16:creationId xmlns:a16="http://schemas.microsoft.com/office/drawing/2014/main" id="{48B857D7-76BB-4B08-B28B-50D5968D5683}"/>
+                <a16:creationId xmlns:a16="http://schemas.microsoft.com/office/drawing/2014/main" id="{AA6950BE-4156-4103-A36B-0F2688E5700A}"/>
               </a:ext>
             </a:extLst>
           </p:cNvPr>
-          <p:cNvSpPr txBox="1"/>
+          <p:cNvCxnSpPr/>
           <p:nvPr/>
-        </p:nvSpPr>
+        </p:nvCxnSpPr>
         <p:spPr>
-          <a:xfrm>
-            <a:off x="7341079" y="3873259"/>
-            <a:ext cx="1245854" cy="400110"/>
+          <a:xfrm flipH="1" flipV="1">
+            <a:off x="5758774" y="5953328"/>
+            <a:ext cx="262647" cy="350195"/>
           </a:xfrm>
-          <a:prstGeom prst="rect">
+          <a:prstGeom prst="line">
             <a:avLst/>
           </a:prstGeom>
-          <a:noFill/>
+          <a:ln>
+            <a:solidFill>
+              <a:schemeClr val="bg2">
+                <a:lumMod val="25000"/>
+              </a:schemeClr>
+            </a:solidFill>
+          </a:ln>
         </p:spPr>
-        <p:txBody>
-          <a:bodyPr wrap="none" rtlCol="0">
-            <a:spAutoFit/>
-          </a:bodyPr>
-          <a:lstStyle/>
-          <a:p>
-            <a:r>
-              <a:rPr lang="fr-FR" sz="2000" dirty="0">
-                <a:solidFill>
-                  <a:schemeClr val="bg1">
-                    <a:lumMod val="50000"/>
-                  </a:schemeClr>
-                </a:solidFill>
-                <a:latin typeface="Verdana"/>
-              </a:rPr>
-              <a:t>Georges</a:t>
-            </a:r>
-          </a:p>
-        </p:txBody>
-      </p:sp>
-      <p:sp>
-        <p:nvSpPr>
-          <p:cNvPr id="7" name="ZoneTexte 6">
+        <p:style>
+          <a:lnRef idx="2">
+            <a:schemeClr val="accent1"/>
+          </a:lnRef>
+          <a:fillRef idx="0">
+            <a:schemeClr val="accent1"/>
+          </a:fillRef>
+          <a:effectRef idx="1">
+            <a:schemeClr val="accent1"/>
+          </a:effectRef>
+          <a:fontRef idx="minor">
+            <a:schemeClr val="tx1"/>
+          </a:fontRef>
+        </p:style>
+      </p:cxnSp>
+      <p:cxnSp>
+        <p:nvCxnSpPr>
+          <p:cNvPr id="8" name="Connecteur droit 7">
             <a:extLst>
               <a:ext uri="{FF2B5EF4-FFF2-40B4-BE49-F238E27FC236}">
-                <a16:creationId xmlns:a16="http://schemas.microsoft.com/office/drawing/2014/main" id="{E7711EDD-BD66-471D-AC5A-F76F378F1982}"/>
+                <a16:creationId xmlns:a16="http://schemas.microsoft.com/office/drawing/2014/main" id="{4EE8B4D3-1976-47A7-B1FF-1B0F9EFB6A3A}"/>
               </a:ext>
             </a:extLst>
           </p:cNvPr>
-          <p:cNvSpPr txBox="1"/>
+          <p:cNvCxnSpPr>
+            <a:cxnSpLocks/>
+          </p:cNvCxnSpPr>
           <p:nvPr/>
-        </p:nvSpPr>
+        </p:nvCxnSpPr>
         <p:spPr>
-          <a:xfrm>
-            <a:off x="2895600" y="3873259"/>
-            <a:ext cx="1173719" cy="400110"/>
+          <a:xfrm flipH="1" flipV="1">
+            <a:off x="5758774" y="4970834"/>
+            <a:ext cx="1" cy="926354"/>
           </a:xfrm>
-          <a:prstGeom prst="rect">
+          <a:prstGeom prst="line">
             <a:avLst/>
           </a:prstGeom>
-          <a:noFill/>
         </p:spPr>
-        <p:txBody>
-          <a:bodyPr wrap="none" rtlCol="0">
-            <a:spAutoFit/>
-          </a:bodyPr>
-          <a:lstStyle/>
-          <a:p>
-            <a:r>
-              <a:rPr lang="fr-FR" sz="2000" dirty="0">
-                <a:solidFill>
-                  <a:schemeClr val="bg1">
-                    <a:lumMod val="50000"/>
-                  </a:schemeClr>
-                </a:solidFill>
-                <a:latin typeface="Verdana"/>
-              </a:rPr>
-              <a:t>Jean-Mi</a:t>
-            </a:r>
-          </a:p>
-        </p:txBody>
-      </p:sp>
-      <p:sp>
-        <p:nvSpPr>
-          <p:cNvPr id="8" name="ZoneTexte 7">
+        <p:style>
+          <a:lnRef idx="2">
+            <a:schemeClr val="accent1"/>
+          </a:lnRef>
+          <a:fillRef idx="0">
+            <a:schemeClr val="accent1"/>
+          </a:fillRef>
+          <a:effectRef idx="1">
+            <a:schemeClr val="accent1"/>
+          </a:effectRef>
+          <a:fontRef idx="minor">
+            <a:schemeClr val="tx1"/>
+          </a:fontRef>
+        </p:style>
+      </p:cxnSp>
+      <p:cxnSp>
+        <p:nvCxnSpPr>
+          <p:cNvPr id="10" name="Connecteur droit 9">
             <a:extLst>
               <a:ext uri="{FF2B5EF4-FFF2-40B4-BE49-F238E27FC236}">
-                <a16:creationId xmlns:a16="http://schemas.microsoft.com/office/drawing/2014/main" id="{4DB49EBD-AABE-438F-A8AA-66EF641C027D}"/>
+                <a16:creationId xmlns:a16="http://schemas.microsoft.com/office/drawing/2014/main" id="{1B0BA65E-4DDE-4ACD-BF2B-55A7E9AAAD46}"/>
               </a:ext>
             </a:extLst>
           </p:cNvPr>
-          <p:cNvSpPr txBox="1"/>
+          <p:cNvCxnSpPr>
+            <a:cxnSpLocks/>
+          </p:cNvCxnSpPr>
           <p:nvPr/>
-        </p:nvSpPr>
+        </p:nvCxnSpPr>
         <p:spPr>
-          <a:xfrm>
-            <a:off x="5084700" y="3873259"/>
-            <a:ext cx="1478290" cy="400110"/>
+          <a:xfrm flipH="1" flipV="1">
+            <a:off x="5758774" y="4484451"/>
+            <a:ext cx="1" cy="486384"/>
           </a:xfrm>
-          <a:prstGeom prst="rect">
+          <a:prstGeom prst="line">
             <a:avLst/>
           </a:prstGeom>
-          <a:noFill/>
+          <a:ln>
+            <a:solidFill>
+              <a:schemeClr val="tx2"/>
+            </a:solidFill>
+          </a:ln>
         </p:spPr>
-        <p:txBody>
-          <a:bodyPr wrap="none" rtlCol="0">
-            <a:spAutoFit/>
-          </a:bodyPr>
-          <a:lstStyle/>
-          <a:p>
-            <a:r>
-              <a:rPr lang="fr-FR" sz="2000" dirty="0">
-                <a:solidFill>
-                  <a:schemeClr val="bg1">
-                    <a:lumMod val="50000"/>
-                  </a:schemeClr>
-                </a:solidFill>
-                <a:latin typeface="Verdana"/>
-              </a:rPr>
-              <a:t>Christiane</a:t>
-            </a:r>
-          </a:p>
-        </p:txBody>
-      </p:sp>
-      <p:sp>
-        <p:nvSpPr>
-          <p:cNvPr id="9" name="ZoneTexte 8">
+        <p:style>
+          <a:lnRef idx="2">
+            <a:schemeClr val="accent1"/>
+          </a:lnRef>
+          <a:fillRef idx="0">
+            <a:schemeClr val="accent1"/>
+          </a:fillRef>
+          <a:effectRef idx="1">
+            <a:schemeClr val="accent1"/>
+          </a:effectRef>
+          <a:fontRef idx="minor">
+            <a:schemeClr val="tx1"/>
+          </a:fontRef>
+        </p:style>
+      </p:cxnSp>
+      <p:cxnSp>
+        <p:nvCxnSpPr>
+          <p:cNvPr id="12" name="Connecteur droit 11">
             <a:extLst>
               <a:ext uri="{FF2B5EF4-FFF2-40B4-BE49-F238E27FC236}">
-                <a16:creationId xmlns:a16="http://schemas.microsoft.com/office/drawing/2014/main" id="{CD3C8A91-4BAC-48FB-9D48-C1476886FF67}"/>
+                <a16:creationId xmlns:a16="http://schemas.microsoft.com/office/drawing/2014/main" id="{B1A74B18-EE6C-41E7-8620-AA9A212FC038}"/>
               </a:ext>
             </a:extLst>
           </p:cNvPr>
-          <p:cNvSpPr txBox="1"/>
+          <p:cNvCxnSpPr>
+            <a:cxnSpLocks/>
+          </p:cNvCxnSpPr>
           <p:nvPr/>
-        </p:nvSpPr>
+        </p:nvCxnSpPr>
         <p:spPr>
-          <a:xfrm>
-            <a:off x="778554" y="3873259"/>
-            <a:ext cx="1034386" cy="400110"/>
+          <a:xfrm flipV="1">
+            <a:off x="5758776" y="4118614"/>
+            <a:ext cx="131321" cy="360974"/>
           </a:xfrm>
-          <a:prstGeom prst="rect">
+          <a:prstGeom prst="line">
             <a:avLst/>
           </a:prstGeom>
-          <a:noFill/>
+          <a:ln>
+            <a:solidFill>
+              <a:schemeClr val="accent2"/>
+            </a:solidFill>
+          </a:ln>
         </p:spPr>
-        <p:txBody>
-          <a:bodyPr wrap="none" rtlCol="0">
-            <a:spAutoFit/>
-          </a:bodyPr>
-          <a:lstStyle/>
-          <a:p>
-            <a:r>
-              <a:rPr lang="fr-FR" sz="2000" dirty="0">
-                <a:solidFill>
-                  <a:schemeClr val="bg1">
-                    <a:lumMod val="50000"/>
-                  </a:schemeClr>
-                </a:solidFill>
-                <a:latin typeface="Verdana"/>
-              </a:rPr>
-              <a:t>Robert</a:t>
-            </a:r>
-          </a:p>
-        </p:txBody>
-      </p:sp>
+        <p:style>
+          <a:lnRef idx="2">
+            <a:schemeClr val="accent1"/>
+          </a:lnRef>
+          <a:fillRef idx="0">
+            <a:schemeClr val="accent1"/>
+          </a:fillRef>
+          <a:effectRef idx="1">
+            <a:schemeClr val="accent1"/>
+          </a:effectRef>
+          <a:fontRef idx="minor">
+            <a:schemeClr val="tx1"/>
+          </a:fontRef>
+        </p:style>
+      </p:cxnSp>
+      <p:cxnSp>
+        <p:nvCxnSpPr>
+          <p:cNvPr id="15" name="Connecteur droit 14">
+            <a:extLst>
+              <a:ext uri="{FF2B5EF4-FFF2-40B4-BE49-F238E27FC236}">
+                <a16:creationId xmlns:a16="http://schemas.microsoft.com/office/drawing/2014/main" id="{F35885EB-3C4C-45E3-A31C-3990C4BBB821}"/>
+              </a:ext>
+            </a:extLst>
+          </p:cNvPr>
+          <p:cNvCxnSpPr>
+            <a:cxnSpLocks/>
+          </p:cNvCxnSpPr>
+          <p:nvPr/>
+        </p:nvCxnSpPr>
+        <p:spPr>
+          <a:xfrm flipH="1" flipV="1">
+            <a:off x="5282119" y="3818097"/>
+            <a:ext cx="542317" cy="264358"/>
+          </a:xfrm>
+          <a:prstGeom prst="line">
+            <a:avLst/>
+          </a:prstGeom>
+          <a:ln>
+            <a:solidFill>
+              <a:schemeClr val="accent3"/>
+            </a:solidFill>
+          </a:ln>
+        </p:spPr>
+        <p:style>
+          <a:lnRef idx="2">
+            <a:schemeClr val="accent1"/>
+          </a:lnRef>
+          <a:fillRef idx="0">
+            <a:schemeClr val="accent1"/>
+          </a:fillRef>
+          <a:effectRef idx="1">
+            <a:schemeClr val="accent1"/>
+          </a:effectRef>
+          <a:fontRef idx="minor">
+            <a:schemeClr val="tx1"/>
+          </a:fontRef>
+        </p:style>
+      </p:cxnSp>
+      <p:cxnSp>
+        <p:nvCxnSpPr>
+          <p:cNvPr id="17" name="Connecteur droit 16">
+            <a:extLst>
+              <a:ext uri="{FF2B5EF4-FFF2-40B4-BE49-F238E27FC236}">
+                <a16:creationId xmlns:a16="http://schemas.microsoft.com/office/drawing/2014/main" id="{06157E04-0454-4B17-8CCC-58CD908606EC}"/>
+              </a:ext>
+            </a:extLst>
+          </p:cNvPr>
+          <p:cNvCxnSpPr>
+            <a:cxnSpLocks/>
+          </p:cNvCxnSpPr>
+          <p:nvPr/>
+        </p:nvCxnSpPr>
+        <p:spPr>
+          <a:xfrm flipH="1" flipV="1">
+            <a:off x="4815191" y="3219855"/>
+            <a:ext cx="466929" cy="598242"/>
+          </a:xfrm>
+          <a:prstGeom prst="line">
+            <a:avLst/>
+          </a:prstGeom>
+          <a:ln>
+            <a:solidFill>
+              <a:schemeClr val="accent6"/>
+            </a:solidFill>
+          </a:ln>
+        </p:spPr>
+        <p:style>
+          <a:lnRef idx="2">
+            <a:schemeClr val="accent1"/>
+          </a:lnRef>
+          <a:fillRef idx="0">
+            <a:schemeClr val="accent1"/>
+          </a:fillRef>
+          <a:effectRef idx="1">
+            <a:schemeClr val="accent1"/>
+          </a:effectRef>
+          <a:fontRef idx="minor">
+            <a:schemeClr val="tx1"/>
+          </a:fontRef>
+        </p:style>
+      </p:cxnSp>
+      <p:cxnSp>
+        <p:nvCxnSpPr>
+          <p:cNvPr id="19" name="Connecteur droit 18">
+            <a:extLst>
+              <a:ext uri="{FF2B5EF4-FFF2-40B4-BE49-F238E27FC236}">
+                <a16:creationId xmlns:a16="http://schemas.microsoft.com/office/drawing/2014/main" id="{CF8DB85E-E9EB-47F5-8831-F20BB96D258D}"/>
+              </a:ext>
+            </a:extLst>
+          </p:cNvPr>
+          <p:cNvCxnSpPr>
+            <a:cxnSpLocks/>
+          </p:cNvCxnSpPr>
+          <p:nvPr/>
+        </p:nvCxnSpPr>
+        <p:spPr>
+          <a:xfrm flipH="1">
+            <a:off x="3968634" y="3219855"/>
+            <a:ext cx="846557" cy="505839"/>
+          </a:xfrm>
+          <a:prstGeom prst="line">
+            <a:avLst/>
+          </a:prstGeom>
+          <a:ln>
+            <a:solidFill>
+              <a:srgbClr val="FFC000"/>
+            </a:solidFill>
+          </a:ln>
+        </p:spPr>
+        <p:style>
+          <a:lnRef idx="2">
+            <a:schemeClr val="accent1"/>
+          </a:lnRef>
+          <a:fillRef idx="0">
+            <a:schemeClr val="accent1"/>
+          </a:fillRef>
+          <a:effectRef idx="1">
+            <a:schemeClr val="accent1"/>
+          </a:effectRef>
+          <a:fontRef idx="minor">
+            <a:schemeClr val="tx1"/>
+          </a:fontRef>
+        </p:style>
+      </p:cxnSp>
+      <p:cxnSp>
+        <p:nvCxnSpPr>
+          <p:cNvPr id="20" name="Connecteur droit 19">
+            <a:extLst>
+              <a:ext uri="{FF2B5EF4-FFF2-40B4-BE49-F238E27FC236}">
+                <a16:creationId xmlns:a16="http://schemas.microsoft.com/office/drawing/2014/main" id="{2C9196AB-A6A9-4173-9F05-3D52EC9F535F}"/>
+              </a:ext>
+            </a:extLst>
+          </p:cNvPr>
+          <p:cNvCxnSpPr>
+            <a:cxnSpLocks/>
+          </p:cNvCxnSpPr>
+          <p:nvPr/>
+        </p:nvCxnSpPr>
+        <p:spPr>
+          <a:xfrm flipH="1" flipV="1">
+            <a:off x="3202581" y="3625865"/>
+            <a:ext cx="766053" cy="99829"/>
+          </a:xfrm>
+          <a:prstGeom prst="line">
+            <a:avLst/>
+          </a:prstGeom>
+          <a:ln>
+            <a:solidFill>
+              <a:schemeClr val="accent5"/>
+            </a:solidFill>
+          </a:ln>
+        </p:spPr>
+        <p:style>
+          <a:lnRef idx="2">
+            <a:schemeClr val="accent1"/>
+          </a:lnRef>
+          <a:fillRef idx="0">
+            <a:schemeClr val="accent1"/>
+          </a:fillRef>
+          <a:effectRef idx="1">
+            <a:schemeClr val="accent1"/>
+          </a:effectRef>
+          <a:fontRef idx="minor">
+            <a:schemeClr val="tx1"/>
+          </a:fontRef>
+        </p:style>
+      </p:cxnSp>
     </p:spTree>
     <p:extLst>
       <p:ext uri="{BB962C8B-B14F-4D97-AF65-F5344CB8AC3E}">
-        <p14:creationId xmlns:p14="http://schemas.microsoft.com/office/powerpoint/2010/main" val="4061947532"/>
+        <p14:creationId xmlns:p14="http://schemas.microsoft.com/office/powerpoint/2010/main" val="3944237619"/>
       </p:ext>
     </p:extLst>
   </p:cSld>
@@ -3441,6 +4507,602 @@
 </file>
 
 <file path=ppt/slides/slide4.xml><?xml version="1.0" encoding="utf-8"?>
+<p:sld xmlns:a="http://schemas.openxmlformats.org/drawingml/2006/main" xmlns:r="http://schemas.openxmlformats.org/officeDocument/2006/relationships" xmlns:p="http://schemas.openxmlformats.org/presentationml/2006/main">
+  <p:cSld>
+    <p:spTree>
+      <p:nvGrpSpPr>
+        <p:cNvPr id="1" name=""/>
+        <p:cNvGrpSpPr/>
+        <p:nvPr/>
+      </p:nvGrpSpPr>
+      <p:grpSpPr>
+        <a:xfrm>
+          <a:off x="0" y="0"/>
+          <a:ext cx="0" cy="0"/>
+          <a:chOff x="0" y="0"/>
+          <a:chExt cx="0" cy="0"/>
+        </a:xfrm>
+      </p:grpSpPr>
+      <p:sp>
+        <p:nvSpPr>
+          <p:cNvPr id="2" name="Titre 1">
+            <a:extLst>
+              <a:ext uri="{FF2B5EF4-FFF2-40B4-BE49-F238E27FC236}">
+                <a16:creationId xmlns:a16="http://schemas.microsoft.com/office/drawing/2014/main" id="{F877E4D7-EFE8-418E-A4C6-F276CFA25A03}"/>
+              </a:ext>
+            </a:extLst>
+          </p:cNvPr>
+          <p:cNvSpPr>
+            <a:spLocks noGrp="1"/>
+          </p:cNvSpPr>
+          <p:nvPr>
+            <p:ph type="title"/>
+          </p:nvPr>
+        </p:nvSpPr>
+        <p:spPr/>
+        <p:txBody>
+          <a:bodyPr/>
+          <a:lstStyle/>
+          <a:p>
+            <a:r>
+              <a:rPr lang="fr-FR" dirty="0"/>
+              <a:t>Le vainqueur</a:t>
+            </a:r>
+          </a:p>
+        </p:txBody>
+      </p:sp>
+      <p:sp>
+        <p:nvSpPr>
+          <p:cNvPr id="3" name="Espace réservé du numéro de diapositive 2">
+            <a:extLst>
+              <a:ext uri="{FF2B5EF4-FFF2-40B4-BE49-F238E27FC236}">
+                <a16:creationId xmlns:a16="http://schemas.microsoft.com/office/drawing/2014/main" id="{A1BAB5C9-E750-4831-ACA6-5290F2F2AEA2}"/>
+              </a:ext>
+            </a:extLst>
+          </p:cNvPr>
+          <p:cNvSpPr>
+            <a:spLocks noGrp="1"/>
+          </p:cNvSpPr>
+          <p:nvPr>
+            <p:ph type="sldNum" sz="quarter" idx="12"/>
+          </p:nvPr>
+        </p:nvSpPr>
+        <p:spPr/>
+        <p:txBody>
+          <a:bodyPr/>
+          <a:lstStyle/>
+          <a:p>
+            <a:pPr>
+              <a:defRPr/>
+            </a:pPr>
+            <a:fld id="{D727A26F-F00B-4596-8258-FF21EF8271F6}" type="slidenum">
+              <a:rPr lang="fr-FR" smtClean="0"/>
+              <a:pPr>
+                <a:defRPr/>
+              </a:pPr>
+              <a:t>4</a:t>
+            </a:fld>
+            <a:endParaRPr lang="fr-FR" dirty="0"/>
+          </a:p>
+        </p:txBody>
+      </p:sp>
+      <p:sp>
+        <p:nvSpPr>
+          <p:cNvPr id="4" name="Espace réservé du contenu 3">
+            <a:extLst>
+              <a:ext uri="{FF2B5EF4-FFF2-40B4-BE49-F238E27FC236}">
+                <a16:creationId xmlns:a16="http://schemas.microsoft.com/office/drawing/2014/main" id="{1382B044-E965-4B85-9525-3AEC942A5BC7}"/>
+              </a:ext>
+            </a:extLst>
+          </p:cNvPr>
+          <p:cNvSpPr>
+            <a:spLocks noGrp="1"/>
+          </p:cNvSpPr>
+          <p:nvPr>
+            <p:ph idx="1"/>
+          </p:nvPr>
+        </p:nvSpPr>
+        <p:spPr/>
+        <p:txBody>
+          <a:bodyPr/>
+          <a:lstStyle/>
+          <a:p>
+            <a:r>
+              <a:rPr lang="fr-FR" dirty="0"/>
+              <a:t>L’équipe gagnante au classement général</a:t>
+            </a:r>
+          </a:p>
+          <a:p>
+            <a:pPr lvl="1"/>
+            <a:r>
+              <a:rPr lang="fr-FR" dirty="0"/>
+              <a:t>La plus rapide pour relier Marseille et Rennes</a:t>
+            </a:r>
+          </a:p>
+          <a:p>
+            <a:pPr lvl="2"/>
+            <a:r>
+              <a:rPr lang="fr-FR" dirty="0"/>
+              <a:t>Somme de toutes les durées des étapes</a:t>
+            </a:r>
+          </a:p>
+          <a:p>
+            <a:pPr lvl="1"/>
+            <a:endParaRPr lang="fr-FR" dirty="0"/>
+          </a:p>
+          <a:p>
+            <a:r>
+              <a:rPr lang="fr-FR" dirty="0"/>
+              <a:t>L’équipe gagnante aux points</a:t>
+            </a:r>
+          </a:p>
+          <a:p>
+            <a:pPr lvl="1"/>
+            <a:r>
+              <a:rPr lang="fr-FR" dirty="0"/>
+              <a:t>Celle qui a le plus de points !</a:t>
+            </a:r>
+          </a:p>
+          <a:p>
+            <a:pPr lvl="1"/>
+            <a:r>
+              <a:rPr lang="fr-FR" dirty="0"/>
+              <a:t>A chaque étape</a:t>
+            </a:r>
+          </a:p>
+          <a:p>
+            <a:pPr lvl="2"/>
+            <a:r>
+              <a:rPr lang="fr-FR" dirty="0"/>
+              <a:t>1</a:t>
+            </a:r>
+            <a:r>
+              <a:rPr lang="fr-FR" baseline="30000" dirty="0"/>
+              <a:t>ère</a:t>
+            </a:r>
+            <a:r>
+              <a:rPr lang="fr-FR" dirty="0"/>
+              <a:t> place : 3 points</a:t>
+            </a:r>
+          </a:p>
+          <a:p>
+            <a:pPr lvl="2"/>
+            <a:r>
+              <a:rPr lang="fr-FR" dirty="0"/>
+              <a:t>2</a:t>
+            </a:r>
+            <a:r>
+              <a:rPr lang="fr-FR" baseline="30000" dirty="0"/>
+              <a:t>ème</a:t>
+            </a:r>
+            <a:r>
+              <a:rPr lang="fr-FR" dirty="0"/>
+              <a:t> place : 2 points</a:t>
+            </a:r>
+          </a:p>
+          <a:p>
+            <a:pPr lvl="2"/>
+            <a:r>
+              <a:rPr lang="fr-FR" dirty="0"/>
+              <a:t>3</a:t>
+            </a:r>
+            <a:r>
+              <a:rPr lang="fr-FR" baseline="30000" dirty="0"/>
+              <a:t>ème</a:t>
+            </a:r>
+            <a:r>
+              <a:rPr lang="fr-FR" dirty="0"/>
+              <a:t> place : 1 point</a:t>
+            </a:r>
+          </a:p>
+        </p:txBody>
+      </p:sp>
+      <p:pic>
+        <p:nvPicPr>
+          <p:cNvPr id="5" name="Image 4">
+            <a:extLst>
+              <a:ext uri="{FF2B5EF4-FFF2-40B4-BE49-F238E27FC236}">
+                <a16:creationId xmlns:a16="http://schemas.microsoft.com/office/drawing/2014/main" id="{6F5F2F30-AEB5-441E-BA32-F99B6881A0B1}"/>
+              </a:ext>
+            </a:extLst>
+          </p:cNvPr>
+          <p:cNvPicPr>
+            <a:picLocks noChangeAspect="1"/>
+          </p:cNvPicPr>
+          <p:nvPr/>
+        </p:nvPicPr>
+        <p:blipFill>
+          <a:blip r:embed="rId2"/>
+          <a:stretch>
+            <a:fillRect/>
+          </a:stretch>
+        </p:blipFill>
+        <p:spPr>
+          <a:xfrm>
+            <a:off x="5528512" y="2549550"/>
+            <a:ext cx="3200399" cy="3107384"/>
+          </a:xfrm>
+          <a:prstGeom prst="rect">
+            <a:avLst/>
+          </a:prstGeom>
+        </p:spPr>
+      </p:pic>
+      <p:grpSp>
+        <p:nvGrpSpPr>
+          <p:cNvPr id="6" name="Groupe 5">
+            <a:extLst>
+              <a:ext uri="{FF2B5EF4-FFF2-40B4-BE49-F238E27FC236}">
+                <a16:creationId xmlns:a16="http://schemas.microsoft.com/office/drawing/2014/main" id="{FF3880FD-D997-4FE6-86BB-0A870137A516}"/>
+              </a:ext>
+            </a:extLst>
+          </p:cNvPr>
+          <p:cNvGrpSpPr/>
+          <p:nvPr/>
+        </p:nvGrpSpPr>
+        <p:grpSpPr>
+          <a:xfrm>
+            <a:off x="6335107" y="3453063"/>
+            <a:ext cx="1635814" cy="1858879"/>
+            <a:chOff x="4963485" y="3047779"/>
+            <a:chExt cx="2818840" cy="3083668"/>
+          </a:xfrm>
+        </p:grpSpPr>
+        <p:cxnSp>
+          <p:nvCxnSpPr>
+            <p:cNvPr id="7" name="Connecteur droit 6">
+              <a:extLst>
+                <a:ext uri="{FF2B5EF4-FFF2-40B4-BE49-F238E27FC236}">
+                  <a16:creationId xmlns:a16="http://schemas.microsoft.com/office/drawing/2014/main" id="{7E745F0B-01FC-479C-AC03-80FAC7D59285}"/>
+                </a:ext>
+              </a:extLst>
+            </p:cNvPr>
+            <p:cNvCxnSpPr>
+              <a:cxnSpLocks/>
+            </p:cNvCxnSpPr>
+            <p:nvPr/>
+          </p:nvCxnSpPr>
+          <p:spPr>
+            <a:xfrm flipH="1" flipV="1">
+              <a:off x="7519678" y="5781252"/>
+              <a:ext cx="262647" cy="350195"/>
+            </a:xfrm>
+            <a:prstGeom prst="line">
+              <a:avLst/>
+            </a:prstGeom>
+            <a:ln>
+              <a:solidFill>
+                <a:schemeClr val="bg2">
+                  <a:lumMod val="25000"/>
+                </a:schemeClr>
+              </a:solidFill>
+            </a:ln>
+          </p:spPr>
+          <p:style>
+            <a:lnRef idx="2">
+              <a:schemeClr val="accent1"/>
+            </a:lnRef>
+            <a:fillRef idx="0">
+              <a:schemeClr val="accent1"/>
+            </a:fillRef>
+            <a:effectRef idx="1">
+              <a:schemeClr val="accent1"/>
+            </a:effectRef>
+            <a:fontRef idx="minor">
+              <a:schemeClr val="tx1"/>
+            </a:fontRef>
+          </p:style>
+        </p:cxnSp>
+        <p:cxnSp>
+          <p:nvCxnSpPr>
+            <p:cNvPr id="8" name="Connecteur droit 7">
+              <a:extLst>
+                <a:ext uri="{FF2B5EF4-FFF2-40B4-BE49-F238E27FC236}">
+                  <a16:creationId xmlns:a16="http://schemas.microsoft.com/office/drawing/2014/main" id="{C3BA2B79-D0F3-4E24-A7BD-49F4B857E52A}"/>
+                </a:ext>
+              </a:extLst>
+            </p:cNvPr>
+            <p:cNvCxnSpPr>
+              <a:cxnSpLocks/>
+            </p:cNvCxnSpPr>
+            <p:nvPr/>
+          </p:nvCxnSpPr>
+          <p:spPr>
+            <a:xfrm flipH="1" flipV="1">
+              <a:off x="7519678" y="4798758"/>
+              <a:ext cx="1" cy="926354"/>
+            </a:xfrm>
+            <a:prstGeom prst="line">
+              <a:avLst/>
+            </a:prstGeom>
+          </p:spPr>
+          <p:style>
+            <a:lnRef idx="2">
+              <a:schemeClr val="accent1"/>
+            </a:lnRef>
+            <a:fillRef idx="0">
+              <a:schemeClr val="accent1"/>
+            </a:fillRef>
+            <a:effectRef idx="1">
+              <a:schemeClr val="accent1"/>
+            </a:effectRef>
+            <a:fontRef idx="minor">
+              <a:schemeClr val="tx1"/>
+            </a:fontRef>
+          </p:style>
+        </p:cxnSp>
+        <p:cxnSp>
+          <p:nvCxnSpPr>
+            <p:cNvPr id="9" name="Connecteur droit 8">
+              <a:extLst>
+                <a:ext uri="{FF2B5EF4-FFF2-40B4-BE49-F238E27FC236}">
+                  <a16:creationId xmlns:a16="http://schemas.microsoft.com/office/drawing/2014/main" id="{C00166DF-42AA-4B4F-99CC-F246451FC612}"/>
+                </a:ext>
+              </a:extLst>
+            </p:cNvPr>
+            <p:cNvCxnSpPr>
+              <a:cxnSpLocks/>
+            </p:cNvCxnSpPr>
+            <p:nvPr/>
+          </p:nvCxnSpPr>
+          <p:spPr>
+            <a:xfrm flipH="1" flipV="1">
+              <a:off x="7519678" y="4312375"/>
+              <a:ext cx="1" cy="486384"/>
+            </a:xfrm>
+            <a:prstGeom prst="line">
+              <a:avLst/>
+            </a:prstGeom>
+            <a:ln>
+              <a:solidFill>
+                <a:schemeClr val="tx2"/>
+              </a:solidFill>
+            </a:ln>
+          </p:spPr>
+          <p:style>
+            <a:lnRef idx="2">
+              <a:schemeClr val="accent1"/>
+            </a:lnRef>
+            <a:fillRef idx="0">
+              <a:schemeClr val="accent1"/>
+            </a:fillRef>
+            <a:effectRef idx="1">
+              <a:schemeClr val="accent1"/>
+            </a:effectRef>
+            <a:fontRef idx="minor">
+              <a:schemeClr val="tx1"/>
+            </a:fontRef>
+          </p:style>
+        </p:cxnSp>
+        <p:cxnSp>
+          <p:nvCxnSpPr>
+            <p:cNvPr id="10" name="Connecteur droit 9">
+              <a:extLst>
+                <a:ext uri="{FF2B5EF4-FFF2-40B4-BE49-F238E27FC236}">
+                  <a16:creationId xmlns:a16="http://schemas.microsoft.com/office/drawing/2014/main" id="{D799397B-1826-4F91-B1D4-A77414456AB5}"/>
+                </a:ext>
+              </a:extLst>
+            </p:cNvPr>
+            <p:cNvCxnSpPr>
+              <a:cxnSpLocks/>
+            </p:cNvCxnSpPr>
+            <p:nvPr/>
+          </p:nvCxnSpPr>
+          <p:spPr>
+            <a:xfrm flipV="1">
+              <a:off x="7519680" y="3946538"/>
+              <a:ext cx="131321" cy="360974"/>
+            </a:xfrm>
+            <a:prstGeom prst="line">
+              <a:avLst/>
+            </a:prstGeom>
+            <a:ln>
+              <a:solidFill>
+                <a:schemeClr val="accent2"/>
+              </a:solidFill>
+            </a:ln>
+          </p:spPr>
+          <p:style>
+            <a:lnRef idx="2">
+              <a:schemeClr val="accent1"/>
+            </a:lnRef>
+            <a:fillRef idx="0">
+              <a:schemeClr val="accent1"/>
+            </a:fillRef>
+            <a:effectRef idx="1">
+              <a:schemeClr val="accent1"/>
+            </a:effectRef>
+            <a:fontRef idx="minor">
+              <a:schemeClr val="tx1"/>
+            </a:fontRef>
+          </p:style>
+        </p:cxnSp>
+        <p:cxnSp>
+          <p:nvCxnSpPr>
+            <p:cNvPr id="11" name="Connecteur droit 10">
+              <a:extLst>
+                <a:ext uri="{FF2B5EF4-FFF2-40B4-BE49-F238E27FC236}">
+                  <a16:creationId xmlns:a16="http://schemas.microsoft.com/office/drawing/2014/main" id="{25C4E1D1-025D-40C7-9E5D-C1F0AE7A5B12}"/>
+                </a:ext>
+              </a:extLst>
+            </p:cNvPr>
+            <p:cNvCxnSpPr>
+              <a:cxnSpLocks/>
+            </p:cNvCxnSpPr>
+            <p:nvPr/>
+          </p:nvCxnSpPr>
+          <p:spPr>
+            <a:xfrm flipH="1" flipV="1">
+              <a:off x="7043023" y="3646021"/>
+              <a:ext cx="542317" cy="264358"/>
+            </a:xfrm>
+            <a:prstGeom prst="line">
+              <a:avLst/>
+            </a:prstGeom>
+            <a:ln>
+              <a:solidFill>
+                <a:schemeClr val="accent3"/>
+              </a:solidFill>
+            </a:ln>
+          </p:spPr>
+          <p:style>
+            <a:lnRef idx="2">
+              <a:schemeClr val="accent1"/>
+            </a:lnRef>
+            <a:fillRef idx="0">
+              <a:schemeClr val="accent1"/>
+            </a:fillRef>
+            <a:effectRef idx="1">
+              <a:schemeClr val="accent1"/>
+            </a:effectRef>
+            <a:fontRef idx="minor">
+              <a:schemeClr val="tx1"/>
+            </a:fontRef>
+          </p:style>
+        </p:cxnSp>
+        <p:cxnSp>
+          <p:nvCxnSpPr>
+            <p:cNvPr id="12" name="Connecteur droit 11">
+              <a:extLst>
+                <a:ext uri="{FF2B5EF4-FFF2-40B4-BE49-F238E27FC236}">
+                  <a16:creationId xmlns:a16="http://schemas.microsoft.com/office/drawing/2014/main" id="{1809D233-C108-4A8D-AAFD-A37A5F2DB095}"/>
+                </a:ext>
+              </a:extLst>
+            </p:cNvPr>
+            <p:cNvCxnSpPr>
+              <a:cxnSpLocks/>
+            </p:cNvCxnSpPr>
+            <p:nvPr/>
+          </p:nvCxnSpPr>
+          <p:spPr>
+            <a:xfrm flipH="1" flipV="1">
+              <a:off x="6576095" y="3047779"/>
+              <a:ext cx="466929" cy="598242"/>
+            </a:xfrm>
+            <a:prstGeom prst="line">
+              <a:avLst/>
+            </a:prstGeom>
+            <a:ln>
+              <a:solidFill>
+                <a:schemeClr val="accent6"/>
+              </a:solidFill>
+            </a:ln>
+          </p:spPr>
+          <p:style>
+            <a:lnRef idx="2">
+              <a:schemeClr val="accent1"/>
+            </a:lnRef>
+            <a:fillRef idx="0">
+              <a:schemeClr val="accent1"/>
+            </a:fillRef>
+            <a:effectRef idx="1">
+              <a:schemeClr val="accent1"/>
+            </a:effectRef>
+            <a:fontRef idx="minor">
+              <a:schemeClr val="tx1"/>
+            </a:fontRef>
+          </p:style>
+        </p:cxnSp>
+        <p:cxnSp>
+          <p:nvCxnSpPr>
+            <p:cNvPr id="13" name="Connecteur droit 12">
+              <a:extLst>
+                <a:ext uri="{FF2B5EF4-FFF2-40B4-BE49-F238E27FC236}">
+                  <a16:creationId xmlns:a16="http://schemas.microsoft.com/office/drawing/2014/main" id="{F51440E0-254E-4F2D-B3E1-290024A9392D}"/>
+                </a:ext>
+              </a:extLst>
+            </p:cNvPr>
+            <p:cNvCxnSpPr>
+              <a:cxnSpLocks/>
+            </p:cNvCxnSpPr>
+            <p:nvPr/>
+          </p:nvCxnSpPr>
+          <p:spPr>
+            <a:xfrm flipH="1">
+              <a:off x="5729538" y="3047779"/>
+              <a:ext cx="846557" cy="505839"/>
+            </a:xfrm>
+            <a:prstGeom prst="line">
+              <a:avLst/>
+            </a:prstGeom>
+            <a:ln>
+              <a:solidFill>
+                <a:srgbClr val="FFC000"/>
+              </a:solidFill>
+            </a:ln>
+          </p:spPr>
+          <p:style>
+            <a:lnRef idx="2">
+              <a:schemeClr val="accent1"/>
+            </a:lnRef>
+            <a:fillRef idx="0">
+              <a:schemeClr val="accent1"/>
+            </a:fillRef>
+            <a:effectRef idx="1">
+              <a:schemeClr val="accent1"/>
+            </a:effectRef>
+            <a:fontRef idx="minor">
+              <a:schemeClr val="tx1"/>
+            </a:fontRef>
+          </p:style>
+        </p:cxnSp>
+        <p:cxnSp>
+          <p:nvCxnSpPr>
+            <p:cNvPr id="14" name="Connecteur droit 13">
+              <a:extLst>
+                <a:ext uri="{FF2B5EF4-FFF2-40B4-BE49-F238E27FC236}">
+                  <a16:creationId xmlns:a16="http://schemas.microsoft.com/office/drawing/2014/main" id="{CDE0357F-40CA-40FF-8AEF-F1828BB66C27}"/>
+                </a:ext>
+              </a:extLst>
+            </p:cNvPr>
+            <p:cNvCxnSpPr>
+              <a:cxnSpLocks/>
+            </p:cNvCxnSpPr>
+            <p:nvPr/>
+          </p:nvCxnSpPr>
+          <p:spPr>
+            <a:xfrm flipH="1" flipV="1">
+              <a:off x="4963485" y="3453789"/>
+              <a:ext cx="766053" cy="99829"/>
+            </a:xfrm>
+            <a:prstGeom prst="line">
+              <a:avLst/>
+            </a:prstGeom>
+            <a:ln>
+              <a:solidFill>
+                <a:schemeClr val="accent5"/>
+              </a:solidFill>
+            </a:ln>
+          </p:spPr>
+          <p:style>
+            <a:lnRef idx="2">
+              <a:schemeClr val="accent1"/>
+            </a:lnRef>
+            <a:fillRef idx="0">
+              <a:schemeClr val="accent1"/>
+            </a:fillRef>
+            <a:effectRef idx="1">
+              <a:schemeClr val="accent1"/>
+            </a:effectRef>
+            <a:fontRef idx="minor">
+              <a:schemeClr val="tx1"/>
+            </a:fontRef>
+          </p:style>
+        </p:cxnSp>
+      </p:grpSp>
+    </p:spTree>
+    <p:extLst>
+      <p:ext uri="{BB962C8B-B14F-4D97-AF65-F5344CB8AC3E}">
+        <p14:creationId xmlns:p14="http://schemas.microsoft.com/office/powerpoint/2010/main" val="253965569"/>
+      </p:ext>
+    </p:extLst>
+  </p:cSld>
+  <p:clrMapOvr>
+    <a:masterClrMapping/>
+  </p:clrMapOvr>
+</p:sld>
+</file>
+
+<file path=ppt/slides/slide5.xml><?xml version="1.0" encoding="utf-8"?>
 <p:sld xmlns:a="http://schemas.openxmlformats.org/drawingml/2006/main" xmlns:r="http://schemas.openxmlformats.org/officeDocument/2006/relationships" xmlns:p="http://schemas.openxmlformats.org/presentationml/2006/main">
   <p:cSld>
     <p:spTree>
@@ -3480,7 +5142,7 @@
           <a:p>
             <a:r>
               <a:rPr lang="fr-FR" dirty="0"/>
-              <a:t>Géolocalisation</a:t>
+              <a:t>Calcul du Temps de trajet</a:t>
             </a:r>
           </a:p>
         </p:txBody>
@@ -3514,7 +5176,7 @@
               <a:pPr>
                 <a:defRPr/>
               </a:pPr>
-              <a:t>4</a:t>
+              <a:t>5</a:t>
             </a:fld>
             <a:endParaRPr lang="fr-FR" dirty="0"/>
           </a:p>
@@ -3542,40 +5204,249 @@
           <a:lstStyle/>
           <a:p>
             <a:r>
-              <a:rPr lang="fr-FR" dirty="0"/>
-              <a:t>Chaque suspect est géolocalisé</a:t>
+              <a:rPr lang="fr-FR" sz="2400" dirty="0"/>
+              <a:t>Equipe passe son badge </a:t>
             </a:r>
           </a:p>
           <a:p>
             <a:pPr lvl="1"/>
             <a:r>
-              <a:rPr lang="fr-FR" dirty="0"/>
-              <a:t>Par des tweets</a:t>
+              <a:rPr lang="fr-FR" sz="2000" dirty="0"/>
+              <a:t>Borne de début de l’étape</a:t>
+            </a:r>
+          </a:p>
+          <a:p>
+            <a:pPr lvl="1"/>
+            <a:r>
+              <a:rPr lang="fr-FR" sz="2000" dirty="0"/>
+              <a:t>Borne de fin de l’étape</a:t>
+            </a:r>
+          </a:p>
+          <a:p>
+            <a:pPr lvl="1"/>
+            <a:endParaRPr lang="fr-FR" sz="2000" dirty="0"/>
+          </a:p>
+          <a:p>
+            <a:r>
+              <a:rPr lang="fr-FR" sz="2400" dirty="0"/>
+              <a:t>Exemple :</a:t>
+            </a:r>
+          </a:p>
+          <a:p>
+            <a:pPr lvl="1"/>
+            <a:r>
+              <a:rPr lang="fr-FR" sz="2000" dirty="0"/>
+              <a:t>Etape 1 Marseille Avignon</a:t>
             </a:r>
           </a:p>
           <a:p>
             <a:pPr lvl="2"/>
             <a:r>
-              <a:rPr lang="fr-FR" dirty="0"/>
-              <a:t>Lorsque le suspect a donné sa localisation dans le tweet</a:t>
+              <a:rPr lang="fr-FR" sz="1800" dirty="0"/>
+              <a:t>Début : Borne B01 à Marseille</a:t>
+            </a:r>
+          </a:p>
+          <a:p>
+            <a:pPr lvl="2"/>
+            <a:r>
+              <a:rPr lang="fr-FR" sz="1800" dirty="0"/>
+              <a:t>Fin : Borne B02 à Avignon</a:t>
             </a:r>
           </a:p>
           <a:p>
             <a:pPr lvl="1"/>
+            <a:r>
+              <a:rPr lang="fr-FR" sz="2000" dirty="0"/>
+              <a:t>Badge de l’équipe 1 </a:t>
+            </a:r>
+          </a:p>
+          <a:p>
+            <a:pPr lvl="2"/>
+            <a:r>
+              <a:rPr lang="fr-FR" sz="1800" dirty="0"/>
+              <a:t>Badge sur B01 à 8h00</a:t>
+            </a:r>
+          </a:p>
+          <a:p>
+            <a:pPr lvl="2"/>
+            <a:r>
+              <a:rPr lang="fr-FR" sz="1800" dirty="0"/>
+              <a:t>Badge sur B02 à 10h35</a:t>
+            </a:r>
+          </a:p>
+          <a:p>
+            <a:pPr lvl="1">
+              <a:buFont typeface="Symbol" panose="05050102010706020507" pitchFamily="18" charset="2"/>
+              <a:buChar char="Þ"/>
+            </a:pPr>
+            <a:r>
+              <a:rPr lang="fr-FR" sz="2000" dirty="0"/>
+              <a:t> Equipe 1 a mis 2h35 pour le trajet de l’étape 1</a:t>
+            </a:r>
+          </a:p>
+          <a:p>
+            <a:pPr lvl="1">
+              <a:buFont typeface="Symbol" panose="05050102010706020507" pitchFamily="18" charset="2"/>
+              <a:buChar char="Þ"/>
+            </a:pPr>
             <a:endParaRPr lang="fr-FR" dirty="0"/>
           </a:p>
-          <a:p>
-            <a:pPr lvl="1"/>
-            <a:r>
-              <a:rPr lang="fr-FR" dirty="0"/>
-              <a:t>Par le bornage de son téléphone</a:t>
-            </a:r>
-          </a:p>
-          <a:p>
-            <a:pPr lvl="2"/>
-            <a:r>
-              <a:rPr lang="fr-FR" dirty="0"/>
-              <a:t>Lorsque le suspect n’a pas éteint son téléphone</a:t>
+        </p:txBody>
+      </p:sp>
+      <p:pic>
+        <p:nvPicPr>
+          <p:cNvPr id="5" name="Image 4">
+            <a:extLst>
+              <a:ext uri="{FF2B5EF4-FFF2-40B4-BE49-F238E27FC236}">
+                <a16:creationId xmlns:a16="http://schemas.microsoft.com/office/drawing/2014/main" id="{F508BB4C-C70A-4DD5-A3A2-E62A9DE9C5BC}"/>
+              </a:ext>
+            </a:extLst>
+          </p:cNvPr>
+          <p:cNvPicPr>
+            <a:picLocks noChangeAspect="1"/>
+          </p:cNvPicPr>
+          <p:nvPr/>
+        </p:nvPicPr>
+        <p:blipFill rotWithShape="1">
+          <a:blip r:embed="rId2"/>
+          <a:srcRect l="38265" t="52496"/>
+          <a:stretch/>
+        </p:blipFill>
+        <p:spPr>
+          <a:xfrm>
+            <a:off x="5202161" y="1745808"/>
+            <a:ext cx="3520735" cy="2630384"/>
+          </a:xfrm>
+          <a:prstGeom prst="rect">
+            <a:avLst/>
+          </a:prstGeom>
+        </p:spPr>
+      </p:pic>
+      <p:cxnSp>
+        <p:nvCxnSpPr>
+          <p:cNvPr id="8" name="Connecteur droit 7">
+            <a:extLst>
+              <a:ext uri="{FF2B5EF4-FFF2-40B4-BE49-F238E27FC236}">
+                <a16:creationId xmlns:a16="http://schemas.microsoft.com/office/drawing/2014/main" id="{FE6E8A7F-CD99-4F7D-9B36-D4D51C7C8BE0}"/>
+              </a:ext>
+            </a:extLst>
+          </p:cNvPr>
+          <p:cNvCxnSpPr>
+            <a:cxnSpLocks/>
+          </p:cNvCxnSpPr>
+          <p:nvPr/>
+        </p:nvCxnSpPr>
+        <p:spPr>
+          <a:xfrm flipH="1" flipV="1">
+            <a:off x="7140742" y="3429000"/>
+            <a:ext cx="222584" cy="397817"/>
+          </a:xfrm>
+          <a:prstGeom prst="line">
+            <a:avLst/>
+          </a:prstGeom>
+          <a:ln>
+            <a:solidFill>
+              <a:schemeClr val="bg2">
+                <a:lumMod val="25000"/>
+              </a:schemeClr>
+            </a:solidFill>
+          </a:ln>
+        </p:spPr>
+        <p:style>
+          <a:lnRef idx="2">
+            <a:schemeClr val="accent1"/>
+          </a:lnRef>
+          <a:fillRef idx="0">
+            <a:schemeClr val="accent1"/>
+          </a:fillRef>
+          <a:effectRef idx="1">
+            <a:schemeClr val="accent1"/>
+          </a:effectRef>
+          <a:fontRef idx="minor">
+            <a:schemeClr val="tx1"/>
+          </a:fontRef>
+        </p:style>
+      </p:cxnSp>
+      <p:sp>
+        <p:nvSpPr>
+          <p:cNvPr id="11" name="ZoneTexte 10">
+            <a:extLst>
+              <a:ext uri="{FF2B5EF4-FFF2-40B4-BE49-F238E27FC236}">
+                <a16:creationId xmlns:a16="http://schemas.microsoft.com/office/drawing/2014/main" id="{89BDA0EA-27F0-420D-A1CC-9F88FF6B6A35}"/>
+              </a:ext>
+            </a:extLst>
+          </p:cNvPr>
+          <p:cNvSpPr txBox="1"/>
+          <p:nvPr/>
+        </p:nvSpPr>
+        <p:spPr>
+          <a:xfrm>
+            <a:off x="7312757" y="3756397"/>
+            <a:ext cx="688009" cy="400110"/>
+          </a:xfrm>
+          <a:prstGeom prst="rect">
+            <a:avLst/>
+          </a:prstGeom>
+          <a:noFill/>
+        </p:spPr>
+        <p:txBody>
+          <a:bodyPr wrap="none" rtlCol="0">
+            <a:spAutoFit/>
+          </a:bodyPr>
+          <a:lstStyle/>
+          <a:p>
+            <a:r>
+              <a:rPr lang="fr-FR" sz="2000" dirty="0">
+                <a:solidFill>
+                  <a:schemeClr val="bg2">
+                    <a:lumMod val="25000"/>
+                  </a:schemeClr>
+                </a:solidFill>
+                <a:latin typeface="Verdana"/>
+              </a:rPr>
+              <a:t>B01</a:t>
+            </a:r>
+          </a:p>
+        </p:txBody>
+      </p:sp>
+      <p:sp>
+        <p:nvSpPr>
+          <p:cNvPr id="12" name="ZoneTexte 11">
+            <a:extLst>
+              <a:ext uri="{FF2B5EF4-FFF2-40B4-BE49-F238E27FC236}">
+                <a16:creationId xmlns:a16="http://schemas.microsoft.com/office/drawing/2014/main" id="{43FB9832-9EB3-403D-8724-941F2C0F100B}"/>
+              </a:ext>
+            </a:extLst>
+          </p:cNvPr>
+          <p:cNvSpPr txBox="1"/>
+          <p:nvPr/>
+        </p:nvSpPr>
+        <p:spPr>
+          <a:xfrm>
+            <a:off x="6697367" y="3108915"/>
+            <a:ext cx="688009" cy="400110"/>
+          </a:xfrm>
+          <a:prstGeom prst="rect">
+            <a:avLst/>
+          </a:prstGeom>
+          <a:noFill/>
+        </p:spPr>
+        <p:txBody>
+          <a:bodyPr wrap="none" rtlCol="0">
+            <a:spAutoFit/>
+          </a:bodyPr>
+          <a:lstStyle/>
+          <a:p>
+            <a:r>
+              <a:rPr lang="fr-FR" sz="2000" dirty="0">
+                <a:solidFill>
+                  <a:schemeClr val="bg2">
+                    <a:lumMod val="25000"/>
+                  </a:schemeClr>
+                </a:solidFill>
+                <a:latin typeface="Verdana"/>
+              </a:rPr>
+              <a:t>B02</a:t>
             </a:r>
           </a:p>
         </p:txBody>
@@ -3593,7 +5464,1822 @@
 </p:sld>
 </file>
 
-<file path=ppt/slides/slide5.xml><?xml version="1.0" encoding="utf-8"?>
+<file path=ppt/slides/slide6.xml><?xml version="1.0" encoding="utf-8"?>
+<p:sld xmlns:a="http://schemas.openxmlformats.org/drawingml/2006/main" xmlns:r="http://schemas.openxmlformats.org/officeDocument/2006/relationships" xmlns:p="http://schemas.openxmlformats.org/presentationml/2006/main">
+  <p:cSld>
+    <p:spTree>
+      <p:nvGrpSpPr>
+        <p:cNvPr id="1" name=""/>
+        <p:cNvGrpSpPr/>
+        <p:nvPr/>
+      </p:nvGrpSpPr>
+      <p:grpSpPr>
+        <a:xfrm>
+          <a:off x="0" y="0"/>
+          <a:ext cx="0" cy="0"/>
+          <a:chOff x="0" y="0"/>
+          <a:chExt cx="0" cy="0"/>
+        </a:xfrm>
+      </p:grpSpPr>
+      <p:sp>
+        <p:nvSpPr>
+          <p:cNvPr id="2" name="Titre 1">
+            <a:extLst>
+              <a:ext uri="{FF2B5EF4-FFF2-40B4-BE49-F238E27FC236}">
+                <a16:creationId xmlns:a16="http://schemas.microsoft.com/office/drawing/2014/main" id="{5DC669C4-5FEC-46BA-98C0-B4B18BDB4110}"/>
+              </a:ext>
+            </a:extLst>
+          </p:cNvPr>
+          <p:cNvSpPr>
+            <a:spLocks noGrp="1"/>
+          </p:cNvSpPr>
+          <p:nvPr>
+            <p:ph type="title"/>
+          </p:nvPr>
+        </p:nvSpPr>
+        <p:spPr/>
+        <p:txBody>
+          <a:bodyPr/>
+          <a:lstStyle/>
+          <a:p>
+            <a:r>
+              <a:rPr lang="fr-FR" dirty="0"/>
+              <a:t>Le jeu</a:t>
+            </a:r>
+          </a:p>
+        </p:txBody>
+      </p:sp>
+      <p:sp>
+        <p:nvSpPr>
+          <p:cNvPr id="3" name="Espace réservé du numéro de diapositive 2">
+            <a:extLst>
+              <a:ext uri="{FF2B5EF4-FFF2-40B4-BE49-F238E27FC236}">
+                <a16:creationId xmlns:a16="http://schemas.microsoft.com/office/drawing/2014/main" id="{D3F2ADD2-6B89-43EC-BF1A-0D40F85A9B53}"/>
+              </a:ext>
+            </a:extLst>
+          </p:cNvPr>
+          <p:cNvSpPr>
+            <a:spLocks noGrp="1"/>
+          </p:cNvSpPr>
+          <p:nvPr>
+            <p:ph type="sldNum" sz="quarter" idx="12"/>
+          </p:nvPr>
+        </p:nvSpPr>
+        <p:spPr>
+          <a:xfrm>
+            <a:off x="8494186" y="6424573"/>
+            <a:ext cx="577674" cy="365125"/>
+          </a:xfrm>
+        </p:spPr>
+        <p:txBody>
+          <a:bodyPr/>
+          <a:lstStyle/>
+          <a:p>
+            <a:pPr>
+              <a:defRPr/>
+            </a:pPr>
+            <a:fld id="{D727A26F-F00B-4596-8258-FF21EF8271F6}" type="slidenum">
+              <a:rPr lang="fr-FR" smtClean="0"/>
+              <a:pPr>
+                <a:defRPr/>
+              </a:pPr>
+              <a:t>6</a:t>
+            </a:fld>
+            <a:endParaRPr lang="fr-FR" dirty="0"/>
+          </a:p>
+        </p:txBody>
+      </p:sp>
+      <p:sp>
+        <p:nvSpPr>
+          <p:cNvPr id="4" name="Espace réservé du contenu 3">
+            <a:extLst>
+              <a:ext uri="{FF2B5EF4-FFF2-40B4-BE49-F238E27FC236}">
+                <a16:creationId xmlns:a16="http://schemas.microsoft.com/office/drawing/2014/main" id="{BAF3FF82-765B-4750-B955-8926FF3CF073}"/>
+              </a:ext>
+            </a:extLst>
+          </p:cNvPr>
+          <p:cNvSpPr>
+            <a:spLocks noGrp="1"/>
+          </p:cNvSpPr>
+          <p:nvPr>
+            <p:ph idx="1"/>
+          </p:nvPr>
+        </p:nvSpPr>
+        <p:spPr/>
+        <p:txBody>
+          <a:bodyPr/>
+          <a:lstStyle/>
+          <a:p>
+            <a:r>
+              <a:rPr lang="fr-FR" dirty="0"/>
+              <a:t>Une épreuve chaque jour</a:t>
+            </a:r>
+          </a:p>
+          <a:p>
+            <a:endParaRPr lang="fr-FR" dirty="0"/>
+          </a:p>
+          <a:p>
+            <a:endParaRPr lang="fr-FR" dirty="0"/>
+          </a:p>
+          <a:p>
+            <a:endParaRPr lang="fr-FR" dirty="0"/>
+          </a:p>
+          <a:p>
+            <a:endParaRPr lang="fr-FR" dirty="0"/>
+          </a:p>
+          <a:p>
+            <a:pPr marL="0" indent="0">
+              <a:buNone/>
+            </a:pPr>
+            <a:endParaRPr lang="fr-FR" dirty="0"/>
+          </a:p>
+          <a:p>
+            <a:pPr marL="0" indent="0">
+              <a:buNone/>
+            </a:pPr>
+            <a:endParaRPr lang="fr-FR" dirty="0"/>
+          </a:p>
+          <a:p>
+            <a:pPr marL="0" indent="0">
+              <a:buNone/>
+            </a:pPr>
+            <a:r>
+              <a:rPr lang="fr-FR" dirty="0"/>
+              <a:t>L’équipe vainqueur gagne un «Ticket de train »</a:t>
+            </a:r>
+          </a:p>
+        </p:txBody>
+      </p:sp>
+      <p:pic>
+        <p:nvPicPr>
+          <p:cNvPr id="5" name="Image 4">
+            <a:extLst>
+              <a:ext uri="{FF2B5EF4-FFF2-40B4-BE49-F238E27FC236}">
+                <a16:creationId xmlns:a16="http://schemas.microsoft.com/office/drawing/2014/main" id="{6DB14A86-4F04-48DB-BFBE-AD33BE184BC1}"/>
+              </a:ext>
+            </a:extLst>
+          </p:cNvPr>
+          <p:cNvPicPr>
+            <a:picLocks noChangeAspect="1"/>
+          </p:cNvPicPr>
+          <p:nvPr/>
+        </p:nvPicPr>
+        <p:blipFill>
+          <a:blip r:embed="rId2"/>
+          <a:stretch>
+            <a:fillRect/>
+          </a:stretch>
+        </p:blipFill>
+        <p:spPr>
+          <a:xfrm>
+            <a:off x="2580775" y="1701324"/>
+            <a:ext cx="3200399" cy="3107384"/>
+          </a:xfrm>
+          <a:prstGeom prst="rect">
+            <a:avLst/>
+          </a:prstGeom>
+        </p:spPr>
+      </p:pic>
+      <p:grpSp>
+        <p:nvGrpSpPr>
+          <p:cNvPr id="26" name="Groupe 25">
+            <a:extLst>
+              <a:ext uri="{FF2B5EF4-FFF2-40B4-BE49-F238E27FC236}">
+                <a16:creationId xmlns:a16="http://schemas.microsoft.com/office/drawing/2014/main" id="{0AE20A52-650C-4B06-8A54-D0A244B465E1}"/>
+              </a:ext>
+            </a:extLst>
+          </p:cNvPr>
+          <p:cNvGrpSpPr/>
+          <p:nvPr/>
+        </p:nvGrpSpPr>
+        <p:grpSpPr>
+          <a:xfrm>
+            <a:off x="3387370" y="2604837"/>
+            <a:ext cx="1635814" cy="1858879"/>
+            <a:chOff x="4963485" y="3047779"/>
+            <a:chExt cx="2818840" cy="3083668"/>
+          </a:xfrm>
+        </p:grpSpPr>
+        <p:cxnSp>
+          <p:nvCxnSpPr>
+            <p:cNvPr id="7" name="Connecteur droit 6">
+              <a:extLst>
+                <a:ext uri="{FF2B5EF4-FFF2-40B4-BE49-F238E27FC236}">
+                  <a16:creationId xmlns:a16="http://schemas.microsoft.com/office/drawing/2014/main" id="{AA6950BE-4156-4103-A36B-0F2688E5700A}"/>
+                </a:ext>
+              </a:extLst>
+            </p:cNvPr>
+            <p:cNvCxnSpPr>
+              <a:cxnSpLocks/>
+            </p:cNvCxnSpPr>
+            <p:nvPr/>
+          </p:nvCxnSpPr>
+          <p:spPr>
+            <a:xfrm flipH="1" flipV="1">
+              <a:off x="7519678" y="5781252"/>
+              <a:ext cx="262647" cy="350195"/>
+            </a:xfrm>
+            <a:prstGeom prst="line">
+              <a:avLst/>
+            </a:prstGeom>
+            <a:ln>
+              <a:solidFill>
+                <a:schemeClr val="bg2">
+                  <a:lumMod val="25000"/>
+                </a:schemeClr>
+              </a:solidFill>
+            </a:ln>
+          </p:spPr>
+          <p:style>
+            <a:lnRef idx="2">
+              <a:schemeClr val="accent1"/>
+            </a:lnRef>
+            <a:fillRef idx="0">
+              <a:schemeClr val="accent1"/>
+            </a:fillRef>
+            <a:effectRef idx="1">
+              <a:schemeClr val="accent1"/>
+            </a:effectRef>
+            <a:fontRef idx="minor">
+              <a:schemeClr val="tx1"/>
+            </a:fontRef>
+          </p:style>
+        </p:cxnSp>
+        <p:cxnSp>
+          <p:nvCxnSpPr>
+            <p:cNvPr id="8" name="Connecteur droit 7">
+              <a:extLst>
+                <a:ext uri="{FF2B5EF4-FFF2-40B4-BE49-F238E27FC236}">
+                  <a16:creationId xmlns:a16="http://schemas.microsoft.com/office/drawing/2014/main" id="{4EE8B4D3-1976-47A7-B1FF-1B0F9EFB6A3A}"/>
+                </a:ext>
+              </a:extLst>
+            </p:cNvPr>
+            <p:cNvCxnSpPr>
+              <a:cxnSpLocks/>
+            </p:cNvCxnSpPr>
+            <p:nvPr/>
+          </p:nvCxnSpPr>
+          <p:spPr>
+            <a:xfrm flipH="1" flipV="1">
+              <a:off x="7519678" y="4798758"/>
+              <a:ext cx="1" cy="926354"/>
+            </a:xfrm>
+            <a:prstGeom prst="line">
+              <a:avLst/>
+            </a:prstGeom>
+          </p:spPr>
+          <p:style>
+            <a:lnRef idx="2">
+              <a:schemeClr val="accent1"/>
+            </a:lnRef>
+            <a:fillRef idx="0">
+              <a:schemeClr val="accent1"/>
+            </a:fillRef>
+            <a:effectRef idx="1">
+              <a:schemeClr val="accent1"/>
+            </a:effectRef>
+            <a:fontRef idx="minor">
+              <a:schemeClr val="tx1"/>
+            </a:fontRef>
+          </p:style>
+        </p:cxnSp>
+        <p:cxnSp>
+          <p:nvCxnSpPr>
+            <p:cNvPr id="10" name="Connecteur droit 9">
+              <a:extLst>
+                <a:ext uri="{FF2B5EF4-FFF2-40B4-BE49-F238E27FC236}">
+                  <a16:creationId xmlns:a16="http://schemas.microsoft.com/office/drawing/2014/main" id="{1B0BA65E-4DDE-4ACD-BF2B-55A7E9AAAD46}"/>
+                </a:ext>
+              </a:extLst>
+            </p:cNvPr>
+            <p:cNvCxnSpPr>
+              <a:cxnSpLocks/>
+            </p:cNvCxnSpPr>
+            <p:nvPr/>
+          </p:nvCxnSpPr>
+          <p:spPr>
+            <a:xfrm flipH="1" flipV="1">
+              <a:off x="7519678" y="4312375"/>
+              <a:ext cx="1" cy="486384"/>
+            </a:xfrm>
+            <a:prstGeom prst="line">
+              <a:avLst/>
+            </a:prstGeom>
+            <a:ln>
+              <a:solidFill>
+                <a:schemeClr val="tx2"/>
+              </a:solidFill>
+            </a:ln>
+          </p:spPr>
+          <p:style>
+            <a:lnRef idx="2">
+              <a:schemeClr val="accent1"/>
+            </a:lnRef>
+            <a:fillRef idx="0">
+              <a:schemeClr val="accent1"/>
+            </a:fillRef>
+            <a:effectRef idx="1">
+              <a:schemeClr val="accent1"/>
+            </a:effectRef>
+            <a:fontRef idx="minor">
+              <a:schemeClr val="tx1"/>
+            </a:fontRef>
+          </p:style>
+        </p:cxnSp>
+        <p:cxnSp>
+          <p:nvCxnSpPr>
+            <p:cNvPr id="12" name="Connecteur droit 11">
+              <a:extLst>
+                <a:ext uri="{FF2B5EF4-FFF2-40B4-BE49-F238E27FC236}">
+                  <a16:creationId xmlns:a16="http://schemas.microsoft.com/office/drawing/2014/main" id="{B1A74B18-EE6C-41E7-8620-AA9A212FC038}"/>
+                </a:ext>
+              </a:extLst>
+            </p:cNvPr>
+            <p:cNvCxnSpPr>
+              <a:cxnSpLocks/>
+            </p:cNvCxnSpPr>
+            <p:nvPr/>
+          </p:nvCxnSpPr>
+          <p:spPr>
+            <a:xfrm flipV="1">
+              <a:off x="7519680" y="3946538"/>
+              <a:ext cx="131321" cy="360974"/>
+            </a:xfrm>
+            <a:prstGeom prst="line">
+              <a:avLst/>
+            </a:prstGeom>
+            <a:ln>
+              <a:solidFill>
+                <a:schemeClr val="accent2"/>
+              </a:solidFill>
+            </a:ln>
+          </p:spPr>
+          <p:style>
+            <a:lnRef idx="2">
+              <a:schemeClr val="accent1"/>
+            </a:lnRef>
+            <a:fillRef idx="0">
+              <a:schemeClr val="accent1"/>
+            </a:fillRef>
+            <a:effectRef idx="1">
+              <a:schemeClr val="accent1"/>
+            </a:effectRef>
+            <a:fontRef idx="minor">
+              <a:schemeClr val="tx1"/>
+            </a:fontRef>
+          </p:style>
+        </p:cxnSp>
+        <p:cxnSp>
+          <p:nvCxnSpPr>
+            <p:cNvPr id="15" name="Connecteur droit 14">
+              <a:extLst>
+                <a:ext uri="{FF2B5EF4-FFF2-40B4-BE49-F238E27FC236}">
+                  <a16:creationId xmlns:a16="http://schemas.microsoft.com/office/drawing/2014/main" id="{F35885EB-3C4C-45E3-A31C-3990C4BBB821}"/>
+                </a:ext>
+              </a:extLst>
+            </p:cNvPr>
+            <p:cNvCxnSpPr>
+              <a:cxnSpLocks/>
+            </p:cNvCxnSpPr>
+            <p:nvPr/>
+          </p:nvCxnSpPr>
+          <p:spPr>
+            <a:xfrm flipH="1" flipV="1">
+              <a:off x="7043023" y="3646021"/>
+              <a:ext cx="542317" cy="264358"/>
+            </a:xfrm>
+            <a:prstGeom prst="line">
+              <a:avLst/>
+            </a:prstGeom>
+            <a:ln>
+              <a:solidFill>
+                <a:schemeClr val="accent3"/>
+              </a:solidFill>
+            </a:ln>
+          </p:spPr>
+          <p:style>
+            <a:lnRef idx="2">
+              <a:schemeClr val="accent1"/>
+            </a:lnRef>
+            <a:fillRef idx="0">
+              <a:schemeClr val="accent1"/>
+            </a:fillRef>
+            <a:effectRef idx="1">
+              <a:schemeClr val="accent1"/>
+            </a:effectRef>
+            <a:fontRef idx="minor">
+              <a:schemeClr val="tx1"/>
+            </a:fontRef>
+          </p:style>
+        </p:cxnSp>
+        <p:cxnSp>
+          <p:nvCxnSpPr>
+            <p:cNvPr id="17" name="Connecteur droit 16">
+              <a:extLst>
+                <a:ext uri="{FF2B5EF4-FFF2-40B4-BE49-F238E27FC236}">
+                  <a16:creationId xmlns:a16="http://schemas.microsoft.com/office/drawing/2014/main" id="{06157E04-0454-4B17-8CCC-58CD908606EC}"/>
+                </a:ext>
+              </a:extLst>
+            </p:cNvPr>
+            <p:cNvCxnSpPr>
+              <a:cxnSpLocks/>
+            </p:cNvCxnSpPr>
+            <p:nvPr/>
+          </p:nvCxnSpPr>
+          <p:spPr>
+            <a:xfrm flipH="1" flipV="1">
+              <a:off x="6576095" y="3047779"/>
+              <a:ext cx="466929" cy="598242"/>
+            </a:xfrm>
+            <a:prstGeom prst="line">
+              <a:avLst/>
+            </a:prstGeom>
+            <a:ln>
+              <a:solidFill>
+                <a:schemeClr val="accent6"/>
+              </a:solidFill>
+            </a:ln>
+          </p:spPr>
+          <p:style>
+            <a:lnRef idx="2">
+              <a:schemeClr val="accent1"/>
+            </a:lnRef>
+            <a:fillRef idx="0">
+              <a:schemeClr val="accent1"/>
+            </a:fillRef>
+            <a:effectRef idx="1">
+              <a:schemeClr val="accent1"/>
+            </a:effectRef>
+            <a:fontRef idx="minor">
+              <a:schemeClr val="tx1"/>
+            </a:fontRef>
+          </p:style>
+        </p:cxnSp>
+        <p:cxnSp>
+          <p:nvCxnSpPr>
+            <p:cNvPr id="19" name="Connecteur droit 18">
+              <a:extLst>
+                <a:ext uri="{FF2B5EF4-FFF2-40B4-BE49-F238E27FC236}">
+                  <a16:creationId xmlns:a16="http://schemas.microsoft.com/office/drawing/2014/main" id="{CF8DB85E-E9EB-47F5-8831-F20BB96D258D}"/>
+                </a:ext>
+              </a:extLst>
+            </p:cNvPr>
+            <p:cNvCxnSpPr>
+              <a:cxnSpLocks/>
+            </p:cNvCxnSpPr>
+            <p:nvPr/>
+          </p:nvCxnSpPr>
+          <p:spPr>
+            <a:xfrm flipH="1">
+              <a:off x="5729538" y="3047779"/>
+              <a:ext cx="846557" cy="505839"/>
+            </a:xfrm>
+            <a:prstGeom prst="line">
+              <a:avLst/>
+            </a:prstGeom>
+            <a:ln>
+              <a:solidFill>
+                <a:srgbClr val="FFC000"/>
+              </a:solidFill>
+            </a:ln>
+          </p:spPr>
+          <p:style>
+            <a:lnRef idx="2">
+              <a:schemeClr val="accent1"/>
+            </a:lnRef>
+            <a:fillRef idx="0">
+              <a:schemeClr val="accent1"/>
+            </a:fillRef>
+            <a:effectRef idx="1">
+              <a:schemeClr val="accent1"/>
+            </a:effectRef>
+            <a:fontRef idx="minor">
+              <a:schemeClr val="tx1"/>
+            </a:fontRef>
+          </p:style>
+        </p:cxnSp>
+        <p:cxnSp>
+          <p:nvCxnSpPr>
+            <p:cNvPr id="20" name="Connecteur droit 19">
+              <a:extLst>
+                <a:ext uri="{FF2B5EF4-FFF2-40B4-BE49-F238E27FC236}">
+                  <a16:creationId xmlns:a16="http://schemas.microsoft.com/office/drawing/2014/main" id="{2C9196AB-A6A9-4173-9F05-3D52EC9F535F}"/>
+                </a:ext>
+              </a:extLst>
+            </p:cNvPr>
+            <p:cNvCxnSpPr>
+              <a:cxnSpLocks/>
+            </p:cNvCxnSpPr>
+            <p:nvPr/>
+          </p:nvCxnSpPr>
+          <p:spPr>
+            <a:xfrm flipH="1" flipV="1">
+              <a:off x="4963485" y="3453789"/>
+              <a:ext cx="766053" cy="99829"/>
+            </a:xfrm>
+            <a:prstGeom prst="line">
+              <a:avLst/>
+            </a:prstGeom>
+            <a:ln>
+              <a:solidFill>
+                <a:schemeClr val="accent5"/>
+              </a:solidFill>
+            </a:ln>
+          </p:spPr>
+          <p:style>
+            <a:lnRef idx="2">
+              <a:schemeClr val="accent1"/>
+            </a:lnRef>
+            <a:fillRef idx="0">
+              <a:schemeClr val="accent1"/>
+            </a:fillRef>
+            <a:effectRef idx="1">
+              <a:schemeClr val="accent1"/>
+            </a:effectRef>
+            <a:fontRef idx="minor">
+              <a:schemeClr val="tx1"/>
+            </a:fontRef>
+          </p:style>
+        </p:cxnSp>
+        <p:sp>
+          <p:nvSpPr>
+            <p:cNvPr id="6" name="Ellipse 5">
+              <a:extLst>
+                <a:ext uri="{FF2B5EF4-FFF2-40B4-BE49-F238E27FC236}">
+                  <a16:creationId xmlns:a16="http://schemas.microsoft.com/office/drawing/2014/main" id="{F62505D1-F9FC-4E34-AC19-7334EE748032}"/>
+                </a:ext>
+              </a:extLst>
+            </p:cNvPr>
+            <p:cNvSpPr/>
+            <p:nvPr/>
+          </p:nvSpPr>
+          <p:spPr>
+            <a:xfrm>
+              <a:off x="5611009" y="3453789"/>
+              <a:ext cx="234616" cy="192232"/>
+            </a:xfrm>
+            <a:prstGeom prst="ellipse">
+              <a:avLst/>
+            </a:prstGeom>
+          </p:spPr>
+          <p:style>
+            <a:lnRef idx="1">
+              <a:schemeClr val="accent1"/>
+            </a:lnRef>
+            <a:fillRef idx="3">
+              <a:schemeClr val="accent1"/>
+            </a:fillRef>
+            <a:effectRef idx="2">
+              <a:schemeClr val="accent1"/>
+            </a:effectRef>
+            <a:fontRef idx="minor">
+              <a:schemeClr val="lt1"/>
+            </a:fontRef>
+          </p:style>
+          <p:txBody>
+            <a:bodyPr rtlCol="0" anchor="ctr"/>
+            <a:lstStyle/>
+            <a:p>
+              <a:pPr algn="ctr"/>
+              <a:endParaRPr lang="fr-FR"/>
+            </a:p>
+          </p:txBody>
+        </p:sp>
+        <p:sp>
+          <p:nvSpPr>
+            <p:cNvPr id="16" name="Ellipse 15">
+              <a:extLst>
+                <a:ext uri="{FF2B5EF4-FFF2-40B4-BE49-F238E27FC236}">
+                  <a16:creationId xmlns:a16="http://schemas.microsoft.com/office/drawing/2014/main" id="{6B8274E6-A31C-49F5-A414-40318C2BA2C6}"/>
+                </a:ext>
+              </a:extLst>
+            </p:cNvPr>
+            <p:cNvSpPr/>
+            <p:nvPr/>
+          </p:nvSpPr>
+          <p:spPr>
+            <a:xfrm>
+              <a:off x="6890623" y="3523099"/>
+              <a:ext cx="234616" cy="192232"/>
+            </a:xfrm>
+            <a:prstGeom prst="ellipse">
+              <a:avLst/>
+            </a:prstGeom>
+          </p:spPr>
+          <p:style>
+            <a:lnRef idx="1">
+              <a:schemeClr val="accent1"/>
+            </a:lnRef>
+            <a:fillRef idx="3">
+              <a:schemeClr val="accent1"/>
+            </a:fillRef>
+            <a:effectRef idx="2">
+              <a:schemeClr val="accent1"/>
+            </a:effectRef>
+            <a:fontRef idx="minor">
+              <a:schemeClr val="lt1"/>
+            </a:fontRef>
+          </p:style>
+          <p:txBody>
+            <a:bodyPr rtlCol="0" anchor="ctr"/>
+            <a:lstStyle/>
+            <a:p>
+              <a:pPr algn="ctr"/>
+              <a:endParaRPr lang="fr-FR"/>
+            </a:p>
+          </p:txBody>
+        </p:sp>
+        <p:sp>
+          <p:nvSpPr>
+            <p:cNvPr id="18" name="Ellipse 17">
+              <a:extLst>
+                <a:ext uri="{FF2B5EF4-FFF2-40B4-BE49-F238E27FC236}">
+                  <a16:creationId xmlns:a16="http://schemas.microsoft.com/office/drawing/2014/main" id="{52E02B1E-C2B7-4093-BC38-48875CCC3E76}"/>
+                </a:ext>
+              </a:extLst>
+            </p:cNvPr>
+            <p:cNvSpPr/>
+            <p:nvPr/>
+          </p:nvSpPr>
+          <p:spPr>
+            <a:xfrm>
+              <a:off x="7382225" y="5657066"/>
+              <a:ext cx="234616" cy="192232"/>
+            </a:xfrm>
+            <a:prstGeom prst="ellipse">
+              <a:avLst/>
+            </a:prstGeom>
+          </p:spPr>
+          <p:style>
+            <a:lnRef idx="1">
+              <a:schemeClr val="accent1"/>
+            </a:lnRef>
+            <a:fillRef idx="3">
+              <a:schemeClr val="accent1"/>
+            </a:fillRef>
+            <a:effectRef idx="2">
+              <a:schemeClr val="accent1"/>
+            </a:effectRef>
+            <a:fontRef idx="minor">
+              <a:schemeClr val="lt1"/>
+            </a:fontRef>
+          </p:style>
+          <p:txBody>
+            <a:bodyPr rtlCol="0" anchor="ctr"/>
+            <a:lstStyle/>
+            <a:p>
+              <a:pPr algn="ctr"/>
+              <a:endParaRPr lang="fr-FR"/>
+            </a:p>
+          </p:txBody>
+        </p:sp>
+        <p:sp>
+          <p:nvSpPr>
+            <p:cNvPr id="21" name="Ellipse 20">
+              <a:extLst>
+                <a:ext uri="{FF2B5EF4-FFF2-40B4-BE49-F238E27FC236}">
+                  <a16:creationId xmlns:a16="http://schemas.microsoft.com/office/drawing/2014/main" id="{E4BDDC87-21FA-4D67-9354-FD0308C06C6D}"/>
+                </a:ext>
+              </a:extLst>
+            </p:cNvPr>
+            <p:cNvSpPr/>
+            <p:nvPr/>
+          </p:nvSpPr>
+          <p:spPr>
+            <a:xfrm>
+              <a:off x="7402370" y="4232460"/>
+              <a:ext cx="234616" cy="192232"/>
+            </a:xfrm>
+            <a:prstGeom prst="ellipse">
+              <a:avLst/>
+            </a:prstGeom>
+          </p:spPr>
+          <p:style>
+            <a:lnRef idx="1">
+              <a:schemeClr val="accent1"/>
+            </a:lnRef>
+            <a:fillRef idx="3">
+              <a:schemeClr val="accent1"/>
+            </a:fillRef>
+            <a:effectRef idx="2">
+              <a:schemeClr val="accent1"/>
+            </a:effectRef>
+            <a:fontRef idx="minor">
+              <a:schemeClr val="lt1"/>
+            </a:fontRef>
+          </p:style>
+          <p:txBody>
+            <a:bodyPr rtlCol="0" anchor="ctr"/>
+            <a:lstStyle/>
+            <a:p>
+              <a:pPr algn="ctr"/>
+              <a:endParaRPr lang="fr-FR"/>
+            </a:p>
+          </p:txBody>
+        </p:sp>
+      </p:grpSp>
+      <p:sp>
+        <p:nvSpPr>
+          <p:cNvPr id="28" name="Rectangle 27">
+            <a:extLst>
+              <a:ext uri="{FF2B5EF4-FFF2-40B4-BE49-F238E27FC236}">
+                <a16:creationId xmlns:a16="http://schemas.microsoft.com/office/drawing/2014/main" id="{E7364BFE-F9CB-4191-9F1D-6ED115E55AE0}"/>
+              </a:ext>
+            </a:extLst>
+          </p:cNvPr>
+          <p:cNvSpPr/>
+          <p:nvPr/>
+        </p:nvSpPr>
+        <p:spPr>
+          <a:xfrm>
+            <a:off x="2668701" y="5352328"/>
+            <a:ext cx="4255398" cy="1275475"/>
+          </a:xfrm>
+          <a:prstGeom prst="rect">
+            <a:avLst/>
+          </a:prstGeom>
+          <a:solidFill>
+            <a:srgbClr val="C00000"/>
+          </a:solidFill>
+        </p:spPr>
+        <p:style>
+          <a:lnRef idx="1">
+            <a:schemeClr val="accent1"/>
+          </a:lnRef>
+          <a:fillRef idx="3">
+            <a:schemeClr val="accent1"/>
+          </a:fillRef>
+          <a:effectRef idx="2">
+            <a:schemeClr val="accent1"/>
+          </a:effectRef>
+          <a:fontRef idx="minor">
+            <a:schemeClr val="lt1"/>
+          </a:fontRef>
+        </p:style>
+        <p:txBody>
+          <a:bodyPr rtlCol="0" anchor="ctr"/>
+          <a:lstStyle/>
+          <a:p>
+            <a:pPr algn="r"/>
+            <a:r>
+              <a:rPr lang="fr-FR" dirty="0">
+                <a:latin typeface="Pochoir Pleine" panose="02000503020000020004" pitchFamily="2" charset="0"/>
+              </a:rPr>
+              <a:t>Ticket de train</a:t>
+            </a:r>
+          </a:p>
+          <a:p>
+            <a:pPr algn="r"/>
+            <a:r>
+              <a:rPr lang="fr-FR" dirty="0">
+                <a:latin typeface="Pochoir Pleine" panose="02000503020000020004" pitchFamily="2" charset="0"/>
+              </a:rPr>
+              <a:t>Rennes 2 Express</a:t>
+            </a:r>
+          </a:p>
+        </p:txBody>
+      </p:sp>
+      <p:pic>
+        <p:nvPicPr>
+          <p:cNvPr id="27" name="Image 26">
+            <a:extLst>
+              <a:ext uri="{FF2B5EF4-FFF2-40B4-BE49-F238E27FC236}">
+                <a16:creationId xmlns:a16="http://schemas.microsoft.com/office/drawing/2014/main" id="{A764C88E-718E-464D-BBF6-F27C1AC88AE9}"/>
+              </a:ext>
+            </a:extLst>
+          </p:cNvPr>
+          <p:cNvPicPr>
+            <a:picLocks noChangeAspect="1"/>
+          </p:cNvPicPr>
+          <p:nvPr/>
+        </p:nvPicPr>
+        <p:blipFill>
+          <a:blip r:embed="rId3" cstate="print">
+            <a:extLst>
+              <a:ext uri="{28A0092B-C50C-407E-A947-70E740481C1C}">
+                <a14:useLocalDpi xmlns:a14="http://schemas.microsoft.com/office/drawing/2010/main" val="0"/>
+              </a:ext>
+            </a:extLst>
+          </a:blip>
+          <a:stretch>
+            <a:fillRect/>
+          </a:stretch>
+        </p:blipFill>
+        <p:spPr>
+          <a:xfrm>
+            <a:off x="2658201" y="5355134"/>
+            <a:ext cx="1272669" cy="1272669"/>
+          </a:xfrm>
+          <a:prstGeom prst="rect">
+            <a:avLst/>
+          </a:prstGeom>
+        </p:spPr>
+      </p:pic>
+    </p:spTree>
+    <p:extLst>
+      <p:ext uri="{BB962C8B-B14F-4D97-AF65-F5344CB8AC3E}">
+        <p14:creationId xmlns:p14="http://schemas.microsoft.com/office/powerpoint/2010/main" val="3219999938"/>
+      </p:ext>
+    </p:extLst>
+  </p:cSld>
+  <p:clrMapOvr>
+    <a:masterClrMapping/>
+  </p:clrMapOvr>
+</p:sld>
+</file>
+
+<file path=ppt/slides/slide7.xml><?xml version="1.0" encoding="utf-8"?>
+<p:sld xmlns:a="http://schemas.openxmlformats.org/drawingml/2006/main" xmlns:r="http://schemas.openxmlformats.org/officeDocument/2006/relationships" xmlns:p="http://schemas.openxmlformats.org/presentationml/2006/main">
+  <p:cSld>
+    <p:spTree>
+      <p:nvGrpSpPr>
+        <p:cNvPr id="1" name=""/>
+        <p:cNvGrpSpPr/>
+        <p:nvPr/>
+      </p:nvGrpSpPr>
+      <p:grpSpPr>
+        <a:xfrm>
+          <a:off x="0" y="0"/>
+          <a:ext cx="0" cy="0"/>
+          <a:chOff x="0" y="0"/>
+          <a:chExt cx="0" cy="0"/>
+        </a:xfrm>
+      </p:grpSpPr>
+      <p:sp>
+        <p:nvSpPr>
+          <p:cNvPr id="2" name="Titre 1">
+            <a:extLst>
+              <a:ext uri="{FF2B5EF4-FFF2-40B4-BE49-F238E27FC236}">
+                <a16:creationId xmlns:a16="http://schemas.microsoft.com/office/drawing/2014/main" id="{941CBDC0-F508-455F-8FE3-E5EFB740C0C2}"/>
+              </a:ext>
+            </a:extLst>
+          </p:cNvPr>
+          <p:cNvSpPr>
+            <a:spLocks noGrp="1"/>
+          </p:cNvSpPr>
+          <p:nvPr>
+            <p:ph type="title"/>
+          </p:nvPr>
+        </p:nvSpPr>
+        <p:spPr/>
+        <p:txBody>
+          <a:bodyPr/>
+          <a:lstStyle/>
+          <a:p>
+            <a:r>
+              <a:rPr lang="fr-FR" dirty="0"/>
+              <a:t>Le jeu</a:t>
+            </a:r>
+          </a:p>
+        </p:txBody>
+      </p:sp>
+      <p:sp>
+        <p:nvSpPr>
+          <p:cNvPr id="3" name="Espace réservé du numéro de diapositive 2">
+            <a:extLst>
+              <a:ext uri="{FF2B5EF4-FFF2-40B4-BE49-F238E27FC236}">
+                <a16:creationId xmlns:a16="http://schemas.microsoft.com/office/drawing/2014/main" id="{8127DDFA-FC1D-4719-95D2-35240CF9B221}"/>
+              </a:ext>
+            </a:extLst>
+          </p:cNvPr>
+          <p:cNvSpPr>
+            <a:spLocks noGrp="1"/>
+          </p:cNvSpPr>
+          <p:nvPr>
+            <p:ph type="sldNum" sz="quarter" idx="12"/>
+          </p:nvPr>
+        </p:nvSpPr>
+        <p:spPr/>
+        <p:txBody>
+          <a:bodyPr/>
+          <a:lstStyle/>
+          <a:p>
+            <a:pPr>
+              <a:defRPr/>
+            </a:pPr>
+            <a:fld id="{D727A26F-F00B-4596-8258-FF21EF8271F6}" type="slidenum">
+              <a:rPr lang="fr-FR" smtClean="0"/>
+              <a:pPr>
+                <a:defRPr/>
+              </a:pPr>
+              <a:t>7</a:t>
+            </a:fld>
+            <a:endParaRPr lang="fr-FR" dirty="0"/>
+          </a:p>
+        </p:txBody>
+      </p:sp>
+      <p:sp>
+        <p:nvSpPr>
+          <p:cNvPr id="4" name="Espace réservé du contenu 3">
+            <a:extLst>
+              <a:ext uri="{FF2B5EF4-FFF2-40B4-BE49-F238E27FC236}">
+                <a16:creationId xmlns:a16="http://schemas.microsoft.com/office/drawing/2014/main" id="{74D73E9C-D7F7-45BD-89BC-08981F3BB7CE}"/>
+              </a:ext>
+            </a:extLst>
+          </p:cNvPr>
+          <p:cNvSpPr>
+            <a:spLocks noGrp="1"/>
+          </p:cNvSpPr>
+          <p:nvPr>
+            <p:ph idx="1"/>
+          </p:nvPr>
+        </p:nvSpPr>
+        <p:spPr/>
+        <p:txBody>
+          <a:bodyPr/>
+          <a:lstStyle/>
+          <a:p>
+            <a:r>
+              <a:rPr lang="fr-FR" dirty="0"/>
+              <a:t>Le ticket de train</a:t>
+            </a:r>
+          </a:p>
+          <a:p>
+            <a:pPr lvl="1"/>
+            <a:r>
+              <a:rPr lang="fr-FR" dirty="0"/>
+              <a:t>Donne le droit à l’équipe qui en possède un </a:t>
+            </a:r>
+          </a:p>
+          <a:p>
+            <a:pPr marL="381600" lvl="1" indent="0">
+              <a:buNone/>
+            </a:pPr>
+            <a:r>
+              <a:rPr lang="fr-FR" dirty="0"/>
+              <a:t>     de prendre </a:t>
+            </a:r>
+            <a:r>
+              <a:rPr lang="fr-FR" b="1" dirty="0"/>
+              <a:t>une fois </a:t>
+            </a:r>
+            <a:r>
+              <a:rPr lang="fr-FR" dirty="0"/>
+              <a:t>le train </a:t>
+            </a:r>
+          </a:p>
+          <a:p>
+            <a:pPr marL="381600" lvl="1" indent="0">
+              <a:buNone/>
+            </a:pPr>
+            <a:r>
+              <a:rPr lang="fr-FR" b="1" dirty="0"/>
+              <a:t>	    </a:t>
+            </a:r>
+            <a:r>
+              <a:rPr lang="fr-FR" dirty="0"/>
+              <a:t>quand elle souhaite </a:t>
+            </a:r>
+            <a:r>
+              <a:rPr lang="fr-FR" b="1" dirty="0"/>
+              <a:t>dans la suite </a:t>
+            </a:r>
+            <a:r>
+              <a:rPr lang="fr-FR" dirty="0"/>
+              <a:t>de l’aventure</a:t>
+            </a:r>
+          </a:p>
+        </p:txBody>
+      </p:sp>
+      <p:sp>
+        <p:nvSpPr>
+          <p:cNvPr id="11" name="Rectangle 10">
+            <a:extLst>
+              <a:ext uri="{FF2B5EF4-FFF2-40B4-BE49-F238E27FC236}">
+                <a16:creationId xmlns:a16="http://schemas.microsoft.com/office/drawing/2014/main" id="{F25B7252-A422-466A-9CD8-2BF73CD82454}"/>
+              </a:ext>
+            </a:extLst>
+          </p:cNvPr>
+          <p:cNvSpPr/>
+          <p:nvPr/>
+        </p:nvSpPr>
+        <p:spPr>
+          <a:xfrm>
+            <a:off x="524814" y="3453063"/>
+            <a:ext cx="4255398" cy="1275475"/>
+          </a:xfrm>
+          <a:prstGeom prst="rect">
+            <a:avLst/>
+          </a:prstGeom>
+          <a:solidFill>
+            <a:srgbClr val="C00000"/>
+          </a:solidFill>
+        </p:spPr>
+        <p:style>
+          <a:lnRef idx="1">
+            <a:schemeClr val="accent1"/>
+          </a:lnRef>
+          <a:fillRef idx="3">
+            <a:schemeClr val="accent1"/>
+          </a:fillRef>
+          <a:effectRef idx="2">
+            <a:schemeClr val="accent1"/>
+          </a:effectRef>
+          <a:fontRef idx="minor">
+            <a:schemeClr val="lt1"/>
+          </a:fontRef>
+        </p:style>
+        <p:txBody>
+          <a:bodyPr rtlCol="0" anchor="ctr"/>
+          <a:lstStyle/>
+          <a:p>
+            <a:pPr algn="r"/>
+            <a:r>
+              <a:rPr lang="fr-FR" dirty="0">
+                <a:latin typeface="Pochoir Pleine" panose="02000503020000020004" pitchFamily="2" charset="0"/>
+              </a:rPr>
+              <a:t>Ticket de train</a:t>
+            </a:r>
+          </a:p>
+          <a:p>
+            <a:pPr algn="r"/>
+            <a:r>
+              <a:rPr lang="fr-FR" dirty="0">
+                <a:latin typeface="Pochoir Pleine" panose="02000503020000020004" pitchFamily="2" charset="0"/>
+              </a:rPr>
+              <a:t>Rennes 2 Express</a:t>
+            </a:r>
+          </a:p>
+        </p:txBody>
+      </p:sp>
+      <p:pic>
+        <p:nvPicPr>
+          <p:cNvPr id="12" name="Image 11">
+            <a:extLst>
+              <a:ext uri="{FF2B5EF4-FFF2-40B4-BE49-F238E27FC236}">
+                <a16:creationId xmlns:a16="http://schemas.microsoft.com/office/drawing/2014/main" id="{734230D0-6B72-4C64-8C07-F6A797E3994D}"/>
+              </a:ext>
+            </a:extLst>
+          </p:cNvPr>
+          <p:cNvPicPr>
+            <a:picLocks noChangeAspect="1"/>
+          </p:cNvPicPr>
+          <p:nvPr/>
+        </p:nvPicPr>
+        <p:blipFill>
+          <a:blip r:embed="rId2" cstate="print">
+            <a:extLst>
+              <a:ext uri="{28A0092B-C50C-407E-A947-70E740481C1C}">
+                <a14:useLocalDpi xmlns:a14="http://schemas.microsoft.com/office/drawing/2010/main" val="0"/>
+              </a:ext>
+            </a:extLst>
+          </a:blip>
+          <a:stretch>
+            <a:fillRect/>
+          </a:stretch>
+        </p:blipFill>
+        <p:spPr>
+          <a:xfrm>
+            <a:off x="514314" y="3455869"/>
+            <a:ext cx="1272669" cy="1272669"/>
+          </a:xfrm>
+          <a:prstGeom prst="rect">
+            <a:avLst/>
+          </a:prstGeom>
+        </p:spPr>
+      </p:pic>
+      <p:pic>
+        <p:nvPicPr>
+          <p:cNvPr id="7" name="Image 6">
+            <a:extLst>
+              <a:ext uri="{FF2B5EF4-FFF2-40B4-BE49-F238E27FC236}">
+                <a16:creationId xmlns:a16="http://schemas.microsoft.com/office/drawing/2014/main" id="{B2D2F4CD-E747-44E3-BBC1-765257FAE1A2}"/>
+              </a:ext>
+            </a:extLst>
+          </p:cNvPr>
+          <p:cNvPicPr>
+            <a:picLocks noChangeAspect="1"/>
+          </p:cNvPicPr>
+          <p:nvPr/>
+        </p:nvPicPr>
+        <p:blipFill>
+          <a:blip r:embed="rId3"/>
+          <a:stretch>
+            <a:fillRect/>
+          </a:stretch>
+        </p:blipFill>
+        <p:spPr>
+          <a:xfrm>
+            <a:off x="6235235" y="3268642"/>
+            <a:ext cx="2739751" cy="2660124"/>
+          </a:xfrm>
+          <a:prstGeom prst="rect">
+            <a:avLst/>
+          </a:prstGeom>
+        </p:spPr>
+      </p:pic>
+      <p:grpSp>
+        <p:nvGrpSpPr>
+          <p:cNvPr id="8" name="Groupe 7">
+            <a:extLst>
+              <a:ext uri="{FF2B5EF4-FFF2-40B4-BE49-F238E27FC236}">
+                <a16:creationId xmlns:a16="http://schemas.microsoft.com/office/drawing/2014/main" id="{B208D908-1EFA-44B8-9E2E-EAB3BC88A1FE}"/>
+              </a:ext>
+            </a:extLst>
+          </p:cNvPr>
+          <p:cNvGrpSpPr/>
+          <p:nvPr/>
+        </p:nvGrpSpPr>
+        <p:grpSpPr>
+          <a:xfrm>
+            <a:off x="6894096" y="4024563"/>
+            <a:ext cx="1407694" cy="1630280"/>
+            <a:chOff x="4963485" y="3047779"/>
+            <a:chExt cx="2818840" cy="3083668"/>
+          </a:xfrm>
+        </p:grpSpPr>
+        <p:cxnSp>
+          <p:nvCxnSpPr>
+            <p:cNvPr id="9" name="Connecteur droit 8">
+              <a:extLst>
+                <a:ext uri="{FF2B5EF4-FFF2-40B4-BE49-F238E27FC236}">
+                  <a16:creationId xmlns:a16="http://schemas.microsoft.com/office/drawing/2014/main" id="{15510F32-78BD-48EB-BC75-EE72E6FAF6A1}"/>
+                </a:ext>
+              </a:extLst>
+            </p:cNvPr>
+            <p:cNvCxnSpPr>
+              <a:cxnSpLocks/>
+            </p:cNvCxnSpPr>
+            <p:nvPr/>
+          </p:nvCxnSpPr>
+          <p:spPr>
+            <a:xfrm flipH="1" flipV="1">
+              <a:off x="7519678" y="5781252"/>
+              <a:ext cx="262647" cy="350195"/>
+            </a:xfrm>
+            <a:prstGeom prst="line">
+              <a:avLst/>
+            </a:prstGeom>
+            <a:ln>
+              <a:solidFill>
+                <a:schemeClr val="bg2">
+                  <a:lumMod val="25000"/>
+                </a:schemeClr>
+              </a:solidFill>
+            </a:ln>
+          </p:spPr>
+          <p:style>
+            <a:lnRef idx="2">
+              <a:schemeClr val="accent1"/>
+            </a:lnRef>
+            <a:fillRef idx="0">
+              <a:schemeClr val="accent1"/>
+            </a:fillRef>
+            <a:effectRef idx="1">
+              <a:schemeClr val="accent1"/>
+            </a:effectRef>
+            <a:fontRef idx="minor">
+              <a:schemeClr val="tx1"/>
+            </a:fontRef>
+          </p:style>
+        </p:cxnSp>
+        <p:cxnSp>
+          <p:nvCxnSpPr>
+            <p:cNvPr id="10" name="Connecteur droit 9">
+              <a:extLst>
+                <a:ext uri="{FF2B5EF4-FFF2-40B4-BE49-F238E27FC236}">
+                  <a16:creationId xmlns:a16="http://schemas.microsoft.com/office/drawing/2014/main" id="{3AB99E99-1B86-45F7-939F-4C3736DBD2D3}"/>
+                </a:ext>
+              </a:extLst>
+            </p:cNvPr>
+            <p:cNvCxnSpPr>
+              <a:cxnSpLocks/>
+            </p:cNvCxnSpPr>
+            <p:nvPr/>
+          </p:nvCxnSpPr>
+          <p:spPr>
+            <a:xfrm flipH="1" flipV="1">
+              <a:off x="7519678" y="4798758"/>
+              <a:ext cx="1" cy="926354"/>
+            </a:xfrm>
+            <a:prstGeom prst="line">
+              <a:avLst/>
+            </a:prstGeom>
+          </p:spPr>
+          <p:style>
+            <a:lnRef idx="2">
+              <a:schemeClr val="accent1"/>
+            </a:lnRef>
+            <a:fillRef idx="0">
+              <a:schemeClr val="accent1"/>
+            </a:fillRef>
+            <a:effectRef idx="1">
+              <a:schemeClr val="accent1"/>
+            </a:effectRef>
+            <a:fontRef idx="minor">
+              <a:schemeClr val="tx1"/>
+            </a:fontRef>
+          </p:style>
+        </p:cxnSp>
+        <p:cxnSp>
+          <p:nvCxnSpPr>
+            <p:cNvPr id="13" name="Connecteur droit 12">
+              <a:extLst>
+                <a:ext uri="{FF2B5EF4-FFF2-40B4-BE49-F238E27FC236}">
+                  <a16:creationId xmlns:a16="http://schemas.microsoft.com/office/drawing/2014/main" id="{657C4170-6D85-4410-ABE4-FDB0C8A89411}"/>
+                </a:ext>
+              </a:extLst>
+            </p:cNvPr>
+            <p:cNvCxnSpPr>
+              <a:cxnSpLocks/>
+            </p:cNvCxnSpPr>
+            <p:nvPr/>
+          </p:nvCxnSpPr>
+          <p:spPr>
+            <a:xfrm flipH="1" flipV="1">
+              <a:off x="7519678" y="4312375"/>
+              <a:ext cx="1" cy="486384"/>
+            </a:xfrm>
+            <a:prstGeom prst="line">
+              <a:avLst/>
+            </a:prstGeom>
+            <a:ln>
+              <a:solidFill>
+                <a:schemeClr val="tx2"/>
+              </a:solidFill>
+            </a:ln>
+          </p:spPr>
+          <p:style>
+            <a:lnRef idx="2">
+              <a:schemeClr val="accent1"/>
+            </a:lnRef>
+            <a:fillRef idx="0">
+              <a:schemeClr val="accent1"/>
+            </a:fillRef>
+            <a:effectRef idx="1">
+              <a:schemeClr val="accent1"/>
+            </a:effectRef>
+            <a:fontRef idx="minor">
+              <a:schemeClr val="tx1"/>
+            </a:fontRef>
+          </p:style>
+        </p:cxnSp>
+        <p:cxnSp>
+          <p:nvCxnSpPr>
+            <p:cNvPr id="14" name="Connecteur droit 13">
+              <a:extLst>
+                <a:ext uri="{FF2B5EF4-FFF2-40B4-BE49-F238E27FC236}">
+                  <a16:creationId xmlns:a16="http://schemas.microsoft.com/office/drawing/2014/main" id="{80D302DF-2CAA-4CFE-BCAC-70D1A9C84289}"/>
+                </a:ext>
+              </a:extLst>
+            </p:cNvPr>
+            <p:cNvCxnSpPr>
+              <a:cxnSpLocks/>
+            </p:cNvCxnSpPr>
+            <p:nvPr/>
+          </p:nvCxnSpPr>
+          <p:spPr>
+            <a:xfrm flipV="1">
+              <a:off x="7519680" y="3946538"/>
+              <a:ext cx="131321" cy="360974"/>
+            </a:xfrm>
+            <a:prstGeom prst="line">
+              <a:avLst/>
+            </a:prstGeom>
+            <a:ln>
+              <a:solidFill>
+                <a:schemeClr val="accent2"/>
+              </a:solidFill>
+            </a:ln>
+          </p:spPr>
+          <p:style>
+            <a:lnRef idx="2">
+              <a:schemeClr val="accent1"/>
+            </a:lnRef>
+            <a:fillRef idx="0">
+              <a:schemeClr val="accent1"/>
+            </a:fillRef>
+            <a:effectRef idx="1">
+              <a:schemeClr val="accent1"/>
+            </a:effectRef>
+            <a:fontRef idx="minor">
+              <a:schemeClr val="tx1"/>
+            </a:fontRef>
+          </p:style>
+        </p:cxnSp>
+        <p:cxnSp>
+          <p:nvCxnSpPr>
+            <p:cNvPr id="15" name="Connecteur droit 14">
+              <a:extLst>
+                <a:ext uri="{FF2B5EF4-FFF2-40B4-BE49-F238E27FC236}">
+                  <a16:creationId xmlns:a16="http://schemas.microsoft.com/office/drawing/2014/main" id="{04E44411-5598-4DC2-885D-FFE66F01BED2}"/>
+                </a:ext>
+              </a:extLst>
+            </p:cNvPr>
+            <p:cNvCxnSpPr>
+              <a:cxnSpLocks/>
+            </p:cNvCxnSpPr>
+            <p:nvPr/>
+          </p:nvCxnSpPr>
+          <p:spPr>
+            <a:xfrm flipH="1" flipV="1">
+              <a:off x="7043023" y="3646021"/>
+              <a:ext cx="542317" cy="264358"/>
+            </a:xfrm>
+            <a:prstGeom prst="line">
+              <a:avLst/>
+            </a:prstGeom>
+            <a:ln>
+              <a:solidFill>
+                <a:schemeClr val="accent3"/>
+              </a:solidFill>
+            </a:ln>
+          </p:spPr>
+          <p:style>
+            <a:lnRef idx="2">
+              <a:schemeClr val="accent1"/>
+            </a:lnRef>
+            <a:fillRef idx="0">
+              <a:schemeClr val="accent1"/>
+            </a:fillRef>
+            <a:effectRef idx="1">
+              <a:schemeClr val="accent1"/>
+            </a:effectRef>
+            <a:fontRef idx="minor">
+              <a:schemeClr val="tx1"/>
+            </a:fontRef>
+          </p:style>
+        </p:cxnSp>
+        <p:cxnSp>
+          <p:nvCxnSpPr>
+            <p:cNvPr id="16" name="Connecteur droit 15">
+              <a:extLst>
+                <a:ext uri="{FF2B5EF4-FFF2-40B4-BE49-F238E27FC236}">
+                  <a16:creationId xmlns:a16="http://schemas.microsoft.com/office/drawing/2014/main" id="{BE77E876-3EBB-4F8A-B01B-82CE58B09F73}"/>
+                </a:ext>
+              </a:extLst>
+            </p:cNvPr>
+            <p:cNvCxnSpPr>
+              <a:cxnSpLocks/>
+            </p:cNvCxnSpPr>
+            <p:nvPr/>
+          </p:nvCxnSpPr>
+          <p:spPr>
+            <a:xfrm flipH="1" flipV="1">
+              <a:off x="6576095" y="3047779"/>
+              <a:ext cx="466929" cy="598242"/>
+            </a:xfrm>
+            <a:prstGeom prst="line">
+              <a:avLst/>
+            </a:prstGeom>
+            <a:ln>
+              <a:solidFill>
+                <a:schemeClr val="accent6"/>
+              </a:solidFill>
+            </a:ln>
+          </p:spPr>
+          <p:style>
+            <a:lnRef idx="2">
+              <a:schemeClr val="accent1"/>
+            </a:lnRef>
+            <a:fillRef idx="0">
+              <a:schemeClr val="accent1"/>
+            </a:fillRef>
+            <a:effectRef idx="1">
+              <a:schemeClr val="accent1"/>
+            </a:effectRef>
+            <a:fontRef idx="minor">
+              <a:schemeClr val="tx1"/>
+            </a:fontRef>
+          </p:style>
+        </p:cxnSp>
+        <p:cxnSp>
+          <p:nvCxnSpPr>
+            <p:cNvPr id="17" name="Connecteur droit 16">
+              <a:extLst>
+                <a:ext uri="{FF2B5EF4-FFF2-40B4-BE49-F238E27FC236}">
+                  <a16:creationId xmlns:a16="http://schemas.microsoft.com/office/drawing/2014/main" id="{29F1995F-9B43-42E3-A947-52B785396C88}"/>
+                </a:ext>
+              </a:extLst>
+            </p:cNvPr>
+            <p:cNvCxnSpPr>
+              <a:cxnSpLocks/>
+            </p:cNvCxnSpPr>
+            <p:nvPr/>
+          </p:nvCxnSpPr>
+          <p:spPr>
+            <a:xfrm flipH="1">
+              <a:off x="5729538" y="3047779"/>
+              <a:ext cx="846557" cy="505839"/>
+            </a:xfrm>
+            <a:prstGeom prst="line">
+              <a:avLst/>
+            </a:prstGeom>
+            <a:ln>
+              <a:solidFill>
+                <a:srgbClr val="FFC000"/>
+              </a:solidFill>
+            </a:ln>
+          </p:spPr>
+          <p:style>
+            <a:lnRef idx="2">
+              <a:schemeClr val="accent1"/>
+            </a:lnRef>
+            <a:fillRef idx="0">
+              <a:schemeClr val="accent1"/>
+            </a:fillRef>
+            <a:effectRef idx="1">
+              <a:schemeClr val="accent1"/>
+            </a:effectRef>
+            <a:fontRef idx="minor">
+              <a:schemeClr val="tx1"/>
+            </a:fontRef>
+          </p:style>
+        </p:cxnSp>
+        <p:cxnSp>
+          <p:nvCxnSpPr>
+            <p:cNvPr id="18" name="Connecteur droit 17">
+              <a:extLst>
+                <a:ext uri="{FF2B5EF4-FFF2-40B4-BE49-F238E27FC236}">
+                  <a16:creationId xmlns:a16="http://schemas.microsoft.com/office/drawing/2014/main" id="{9E96CE47-EDF4-4987-B023-7EC67570AB31}"/>
+                </a:ext>
+              </a:extLst>
+            </p:cNvPr>
+            <p:cNvCxnSpPr>
+              <a:cxnSpLocks/>
+            </p:cNvCxnSpPr>
+            <p:nvPr/>
+          </p:nvCxnSpPr>
+          <p:spPr>
+            <a:xfrm flipH="1" flipV="1">
+              <a:off x="4963485" y="3453789"/>
+              <a:ext cx="766053" cy="99829"/>
+            </a:xfrm>
+            <a:prstGeom prst="line">
+              <a:avLst/>
+            </a:prstGeom>
+            <a:ln>
+              <a:solidFill>
+                <a:schemeClr val="accent5"/>
+              </a:solidFill>
+            </a:ln>
+          </p:spPr>
+          <p:style>
+            <a:lnRef idx="2">
+              <a:schemeClr val="accent1"/>
+            </a:lnRef>
+            <a:fillRef idx="0">
+              <a:schemeClr val="accent1"/>
+            </a:fillRef>
+            <a:effectRef idx="1">
+              <a:schemeClr val="accent1"/>
+            </a:effectRef>
+            <a:fontRef idx="minor">
+              <a:schemeClr val="tx1"/>
+            </a:fontRef>
+          </p:style>
+        </p:cxnSp>
+        <p:sp>
+          <p:nvSpPr>
+            <p:cNvPr id="19" name="Ellipse 18">
+              <a:extLst>
+                <a:ext uri="{FF2B5EF4-FFF2-40B4-BE49-F238E27FC236}">
+                  <a16:creationId xmlns:a16="http://schemas.microsoft.com/office/drawing/2014/main" id="{F1BBB8F5-B54D-4D84-88AF-C10AF95FBEA9}"/>
+                </a:ext>
+              </a:extLst>
+            </p:cNvPr>
+            <p:cNvSpPr/>
+            <p:nvPr/>
+          </p:nvSpPr>
+          <p:spPr>
+            <a:xfrm>
+              <a:off x="5611009" y="3453789"/>
+              <a:ext cx="234616" cy="192232"/>
+            </a:xfrm>
+            <a:prstGeom prst="ellipse">
+              <a:avLst/>
+            </a:prstGeom>
+          </p:spPr>
+          <p:style>
+            <a:lnRef idx="1">
+              <a:schemeClr val="accent1"/>
+            </a:lnRef>
+            <a:fillRef idx="3">
+              <a:schemeClr val="accent1"/>
+            </a:fillRef>
+            <a:effectRef idx="2">
+              <a:schemeClr val="accent1"/>
+            </a:effectRef>
+            <a:fontRef idx="minor">
+              <a:schemeClr val="lt1"/>
+            </a:fontRef>
+          </p:style>
+          <p:txBody>
+            <a:bodyPr rtlCol="0" anchor="ctr"/>
+            <a:lstStyle/>
+            <a:p>
+              <a:pPr algn="ctr"/>
+              <a:endParaRPr lang="fr-FR"/>
+            </a:p>
+          </p:txBody>
+        </p:sp>
+        <p:sp>
+          <p:nvSpPr>
+            <p:cNvPr id="20" name="Ellipse 19">
+              <a:extLst>
+                <a:ext uri="{FF2B5EF4-FFF2-40B4-BE49-F238E27FC236}">
+                  <a16:creationId xmlns:a16="http://schemas.microsoft.com/office/drawing/2014/main" id="{BA787C94-1601-4036-B21E-153501CBBBFA}"/>
+                </a:ext>
+              </a:extLst>
+            </p:cNvPr>
+            <p:cNvSpPr/>
+            <p:nvPr/>
+          </p:nvSpPr>
+          <p:spPr>
+            <a:xfrm>
+              <a:off x="6890623" y="3523099"/>
+              <a:ext cx="234616" cy="192232"/>
+            </a:xfrm>
+            <a:prstGeom prst="ellipse">
+              <a:avLst/>
+            </a:prstGeom>
+          </p:spPr>
+          <p:style>
+            <a:lnRef idx="1">
+              <a:schemeClr val="accent1"/>
+            </a:lnRef>
+            <a:fillRef idx="3">
+              <a:schemeClr val="accent1"/>
+            </a:fillRef>
+            <a:effectRef idx="2">
+              <a:schemeClr val="accent1"/>
+            </a:effectRef>
+            <a:fontRef idx="minor">
+              <a:schemeClr val="lt1"/>
+            </a:fontRef>
+          </p:style>
+          <p:txBody>
+            <a:bodyPr rtlCol="0" anchor="ctr"/>
+            <a:lstStyle/>
+            <a:p>
+              <a:pPr algn="ctr"/>
+              <a:endParaRPr lang="fr-FR"/>
+            </a:p>
+          </p:txBody>
+        </p:sp>
+        <p:sp>
+          <p:nvSpPr>
+            <p:cNvPr id="21" name="Ellipse 20">
+              <a:extLst>
+                <a:ext uri="{FF2B5EF4-FFF2-40B4-BE49-F238E27FC236}">
+                  <a16:creationId xmlns:a16="http://schemas.microsoft.com/office/drawing/2014/main" id="{475FD259-F354-4E0F-8581-80D5F063435F}"/>
+                </a:ext>
+              </a:extLst>
+            </p:cNvPr>
+            <p:cNvSpPr/>
+            <p:nvPr/>
+          </p:nvSpPr>
+          <p:spPr>
+            <a:xfrm>
+              <a:off x="7382225" y="5657066"/>
+              <a:ext cx="234616" cy="192232"/>
+            </a:xfrm>
+            <a:prstGeom prst="ellipse">
+              <a:avLst/>
+            </a:prstGeom>
+          </p:spPr>
+          <p:style>
+            <a:lnRef idx="1">
+              <a:schemeClr val="accent1"/>
+            </a:lnRef>
+            <a:fillRef idx="3">
+              <a:schemeClr val="accent1"/>
+            </a:fillRef>
+            <a:effectRef idx="2">
+              <a:schemeClr val="accent1"/>
+            </a:effectRef>
+            <a:fontRef idx="minor">
+              <a:schemeClr val="lt1"/>
+            </a:fontRef>
+          </p:style>
+          <p:txBody>
+            <a:bodyPr rtlCol="0" anchor="ctr"/>
+            <a:lstStyle/>
+            <a:p>
+              <a:pPr algn="ctr"/>
+              <a:endParaRPr lang="fr-FR"/>
+            </a:p>
+          </p:txBody>
+        </p:sp>
+        <p:sp>
+          <p:nvSpPr>
+            <p:cNvPr id="22" name="Ellipse 21">
+              <a:extLst>
+                <a:ext uri="{FF2B5EF4-FFF2-40B4-BE49-F238E27FC236}">
+                  <a16:creationId xmlns:a16="http://schemas.microsoft.com/office/drawing/2014/main" id="{874799AE-9436-4AF7-AF5C-2A35D585D270}"/>
+                </a:ext>
+              </a:extLst>
+            </p:cNvPr>
+            <p:cNvSpPr/>
+            <p:nvPr/>
+          </p:nvSpPr>
+          <p:spPr>
+            <a:xfrm>
+              <a:off x="7402370" y="4232460"/>
+              <a:ext cx="234616" cy="192232"/>
+            </a:xfrm>
+            <a:prstGeom prst="ellipse">
+              <a:avLst/>
+            </a:prstGeom>
+          </p:spPr>
+          <p:style>
+            <a:lnRef idx="1">
+              <a:schemeClr val="accent1"/>
+            </a:lnRef>
+            <a:fillRef idx="3">
+              <a:schemeClr val="accent1"/>
+            </a:fillRef>
+            <a:effectRef idx="2">
+              <a:schemeClr val="accent1"/>
+            </a:effectRef>
+            <a:fontRef idx="minor">
+              <a:schemeClr val="lt1"/>
+            </a:fontRef>
+          </p:style>
+          <p:txBody>
+            <a:bodyPr rtlCol="0" anchor="ctr"/>
+            <a:lstStyle/>
+            <a:p>
+              <a:pPr algn="ctr"/>
+              <a:endParaRPr lang="fr-FR"/>
+            </a:p>
+          </p:txBody>
+        </p:sp>
+      </p:grpSp>
+    </p:spTree>
+    <p:extLst>
+      <p:ext uri="{BB962C8B-B14F-4D97-AF65-F5344CB8AC3E}">
+        <p14:creationId xmlns:p14="http://schemas.microsoft.com/office/powerpoint/2010/main" val="1150391541"/>
+      </p:ext>
+    </p:extLst>
+  </p:cSld>
+  <p:clrMapOvr>
+    <a:masterClrMapping/>
+  </p:clrMapOvr>
+</p:sld>
+</file>
+
+<file path=ppt/slides/slide8.xml><?xml version="1.0" encoding="utf-8"?>
+<p:sld xmlns:a="http://schemas.openxmlformats.org/drawingml/2006/main" xmlns:r="http://schemas.openxmlformats.org/officeDocument/2006/relationships" xmlns:p="http://schemas.openxmlformats.org/presentationml/2006/main">
+  <p:cSld>
+    <p:spTree>
+      <p:nvGrpSpPr>
+        <p:cNvPr id="1" name=""/>
+        <p:cNvGrpSpPr/>
+        <p:nvPr/>
+      </p:nvGrpSpPr>
+      <p:grpSpPr>
+        <a:xfrm>
+          <a:off x="0" y="0"/>
+          <a:ext cx="0" cy="0"/>
+          <a:chOff x="0" y="0"/>
+          <a:chExt cx="0" cy="0"/>
+        </a:xfrm>
+      </p:grpSpPr>
+      <p:sp>
+        <p:nvSpPr>
+          <p:cNvPr id="2" name="Titre 1">
+            <a:extLst>
+              <a:ext uri="{FF2B5EF4-FFF2-40B4-BE49-F238E27FC236}">
+                <a16:creationId xmlns:a16="http://schemas.microsoft.com/office/drawing/2014/main" id="{7895EB74-18DD-40D6-A6AC-7CCCD30F0CF0}"/>
+              </a:ext>
+            </a:extLst>
+          </p:cNvPr>
+          <p:cNvSpPr>
+            <a:spLocks noGrp="1"/>
+          </p:cNvSpPr>
+          <p:nvPr>
+            <p:ph type="title"/>
+          </p:nvPr>
+        </p:nvSpPr>
+        <p:spPr/>
+        <p:txBody>
+          <a:bodyPr/>
+          <a:lstStyle/>
+          <a:p>
+            <a:r>
+              <a:rPr lang="fr-FR" dirty="0"/>
+              <a:t>L’enquête</a:t>
+            </a:r>
+          </a:p>
+        </p:txBody>
+      </p:sp>
+      <p:sp>
+        <p:nvSpPr>
+          <p:cNvPr id="3" name="Espace réservé du numéro de diapositive 2">
+            <a:extLst>
+              <a:ext uri="{FF2B5EF4-FFF2-40B4-BE49-F238E27FC236}">
+                <a16:creationId xmlns:a16="http://schemas.microsoft.com/office/drawing/2014/main" id="{2650D5C3-6863-4CF6-8F34-D271F480588B}"/>
+              </a:ext>
+            </a:extLst>
+          </p:cNvPr>
+          <p:cNvSpPr>
+            <a:spLocks noGrp="1"/>
+          </p:cNvSpPr>
+          <p:nvPr>
+            <p:ph type="sldNum" sz="quarter" idx="12"/>
+          </p:nvPr>
+        </p:nvSpPr>
+        <p:spPr/>
+        <p:txBody>
+          <a:bodyPr/>
+          <a:lstStyle/>
+          <a:p>
+            <a:pPr>
+              <a:defRPr/>
+            </a:pPr>
+            <a:fld id="{D727A26F-F00B-4596-8258-FF21EF8271F6}" type="slidenum">
+              <a:rPr lang="fr-FR" smtClean="0"/>
+              <a:pPr>
+                <a:defRPr/>
+              </a:pPr>
+              <a:t>8</a:t>
+            </a:fld>
+            <a:endParaRPr lang="fr-FR" dirty="0"/>
+          </a:p>
+        </p:txBody>
+      </p:sp>
+      <p:sp>
+        <p:nvSpPr>
+          <p:cNvPr id="4" name="Espace réservé du contenu 3">
+            <a:extLst>
+              <a:ext uri="{FF2B5EF4-FFF2-40B4-BE49-F238E27FC236}">
+                <a16:creationId xmlns:a16="http://schemas.microsoft.com/office/drawing/2014/main" id="{1B2A3532-9D13-4598-AC71-8307EDEAD3D4}"/>
+              </a:ext>
+            </a:extLst>
+          </p:cNvPr>
+          <p:cNvSpPr>
+            <a:spLocks noGrp="1"/>
+          </p:cNvSpPr>
+          <p:nvPr>
+            <p:ph idx="1"/>
+          </p:nvPr>
+        </p:nvSpPr>
+        <p:spPr/>
+        <p:txBody>
+          <a:bodyPr/>
+          <a:lstStyle/>
+          <a:p>
+            <a:pPr marL="0" indent="0" algn="ctr">
+              <a:buNone/>
+            </a:pPr>
+            <a:endParaRPr lang="fr-FR" dirty="0"/>
+          </a:p>
+          <a:p>
+            <a:pPr marL="0" indent="0" algn="ctr">
+              <a:buNone/>
+            </a:pPr>
+            <a:r>
+              <a:rPr lang="fr-FR" dirty="0"/>
+              <a:t>Il semblerait que </a:t>
+            </a:r>
+          </a:p>
+          <a:p>
+            <a:pPr marL="0" indent="0" algn="ctr">
+              <a:buNone/>
+            </a:pPr>
+            <a:r>
+              <a:rPr lang="fr-FR" dirty="0"/>
+              <a:t>des équipes aient triché sur l’édition 2023…</a:t>
+            </a:r>
+          </a:p>
+          <a:p>
+            <a:pPr marL="0" indent="0" algn="ctr">
+              <a:buNone/>
+            </a:pPr>
+            <a:endParaRPr lang="fr-FR" dirty="0"/>
+          </a:p>
+          <a:p>
+            <a:pPr marL="0" indent="0" algn="ctr">
+              <a:buNone/>
+            </a:pPr>
+            <a:endParaRPr lang="fr-FR" dirty="0"/>
+          </a:p>
+          <a:p>
+            <a:pPr marL="0" indent="0" algn="ctr">
+              <a:buNone/>
+            </a:pPr>
+            <a:r>
+              <a:rPr lang="fr-FR" dirty="0"/>
+              <a:t>Elles auraient pris le train sans avoir de ticket…</a:t>
+            </a:r>
+          </a:p>
+        </p:txBody>
+      </p:sp>
+    </p:spTree>
+    <p:extLst>
+      <p:ext uri="{BB962C8B-B14F-4D97-AF65-F5344CB8AC3E}">
+        <p14:creationId xmlns:p14="http://schemas.microsoft.com/office/powerpoint/2010/main" val="3790180687"/>
+      </p:ext>
+    </p:extLst>
+  </p:cSld>
+  <p:clrMapOvr>
+    <a:masterClrMapping/>
+  </p:clrMapOvr>
+</p:sld>
+</file>
+
+<file path=ppt/slides/slide9.xml><?xml version="1.0" encoding="utf-8"?>
 <p:sld xmlns:a="http://schemas.openxmlformats.org/drawingml/2006/main" xmlns:r="http://schemas.openxmlformats.org/officeDocument/2006/relationships" xmlns:p="http://schemas.openxmlformats.org/presentationml/2006/main">
   <p:cSld>
     <p:spTree>
@@ -3633,7 +7319,7 @@
           <a:p>
             <a:r>
               <a:rPr lang="fr-FR" dirty="0"/>
-              <a:t>Innocenter un suspect</a:t>
+              <a:t>Détecter un tricheur</a:t>
             </a:r>
           </a:p>
         </p:txBody>
@@ -3667,7 +7353,7 @@
               <a:pPr>
                 <a:defRPr/>
               </a:pPr>
-              <a:t>5</a:t>
+              <a:t>9</a:t>
             </a:fld>
             <a:endParaRPr lang="fr-FR" dirty="0"/>
           </a:p>
@@ -3696,86 +7382,75 @@
           <a:p>
             <a:r>
               <a:rPr lang="fr-FR" sz="2400" dirty="0"/>
-              <a:t>Un suspect est innocent </a:t>
+              <a:t>Un trajet a été fait en train si </a:t>
             </a:r>
           </a:p>
           <a:p>
             <a:pPr lvl="1"/>
             <a:r>
               <a:rPr lang="fr-FR" sz="2000" dirty="0"/>
-              <a:t>s’il ne pouvait pas être présent à 15h05 sur les lieux du crime</a:t>
+              <a:t>Il a pris moins de temps que n’aurait duré le trajet en voiture</a:t>
             </a:r>
           </a:p>
           <a:p>
             <a:pPr lvl="1"/>
-            <a:r>
-              <a:rPr lang="fr-FR" sz="2000" dirty="0"/>
-              <a:t>compte tenu de ses géolocalisations connues</a:t>
-            </a:r>
-          </a:p>
-          <a:p>
-            <a:r>
-              <a:rPr lang="fr-FR" sz="2400" dirty="0"/>
-              <a:t>Exemples :</a:t>
-            </a:r>
+            <a:endParaRPr lang="fr-FR" sz="2000" dirty="0"/>
           </a:p>
           <a:p>
             <a:pPr lvl="1"/>
-            <a:r>
-              <a:rPr lang="fr-FR" sz="2000" dirty="0"/>
-              <a:t>Jacques a </a:t>
-            </a:r>
-            <a:r>
-              <a:rPr lang="fr-FR" sz="2000" dirty="0" err="1"/>
-              <a:t>tweeté</a:t>
-            </a:r>
-            <a:r>
-              <a:rPr lang="fr-FR" sz="2000" dirty="0"/>
-              <a:t> à 15h07 au Stade Rennais </a:t>
-            </a:r>
-          </a:p>
-          <a:p>
-            <a:pPr lvl="2"/>
-            <a:r>
-              <a:rPr lang="fr-FR" sz="1800" dirty="0"/>
-              <a:t>UFR Sciences sociales =&gt; Stade Rennais 8 minutes en voiture</a:t>
-            </a:r>
-          </a:p>
-          <a:p>
-            <a:pPr lvl="2">
-              <a:buFont typeface="Symbol" panose="05050102010706020507" pitchFamily="18" charset="2"/>
-              <a:buChar char="Þ"/>
-            </a:pPr>
-            <a:endParaRPr lang="fr-FR" dirty="0">
-              <a:solidFill>
-                <a:prstClr val="black"/>
-              </a:solidFill>
-            </a:endParaRPr>
-          </a:p>
-          <a:p>
-            <a:pPr marL="914400" lvl="2" indent="0">
-              <a:buClr>
-                <a:srgbClr val="004DFF"/>
-              </a:buClr>
+            <a:endParaRPr lang="fr-FR" sz="2000" dirty="0"/>
+          </a:p>
+          <a:p>
+            <a:pPr lvl="1"/>
+            <a:endParaRPr lang="fr-FR" sz="2000" dirty="0"/>
+          </a:p>
+          <a:p>
+            <a:pPr marL="381600" lvl="1" indent="0">
               <a:buNone/>
             </a:pPr>
-            <a:endParaRPr lang="fr-FR" sz="1600" dirty="0">
-              <a:solidFill>
-                <a:prstClr val="black"/>
-              </a:solidFill>
-            </a:endParaRPr>
-          </a:p>
-          <a:p>
-            <a:pPr lvl="2">
-              <a:buClr>
-                <a:srgbClr val="004DFF"/>
-              </a:buClr>
+            <a:endParaRPr lang="fr-FR" sz="2000" i="1" dirty="0"/>
+          </a:p>
+          <a:p>
+            <a:pPr marL="381600" lvl="1" indent="0">
+              <a:buNone/>
             </a:pPr>
-            <a:endParaRPr lang="fr-FR" dirty="0">
-              <a:solidFill>
-                <a:prstClr val="black"/>
-              </a:solidFill>
-            </a:endParaRPr>
+            <a:endParaRPr lang="fr-FR" sz="2000" i="1" dirty="0"/>
+          </a:p>
+          <a:p>
+            <a:pPr marL="381600" lvl="1" indent="0">
+              <a:buNone/>
+            </a:pPr>
+            <a:r>
+              <a:rPr lang="fr-FR" sz="2000" i="1" dirty="0"/>
+              <a:t>Exemple : d’après </a:t>
+            </a:r>
+            <a:r>
+              <a:rPr lang="fr-FR" sz="2000" i="1" dirty="0" err="1"/>
+              <a:t>GraphHopper</a:t>
+            </a:r>
+            <a:r>
+              <a:rPr lang="fr-FR" sz="2000" i="1" dirty="0"/>
+              <a:t>, le trajet entre les borne B01 et B02 dure 1h11</a:t>
+            </a:r>
+          </a:p>
+          <a:p>
+            <a:pPr marL="381600" lvl="1" indent="0">
+              <a:buNone/>
+            </a:pPr>
+            <a:r>
+              <a:rPr lang="fr-FR" sz="2000" i="1" dirty="0"/>
+              <a:t>L’équipe 1 qui a mis 2h35 n’a pas pris le train.</a:t>
+            </a:r>
+          </a:p>
+          <a:p>
+            <a:pPr marL="381600" lvl="1" indent="0">
+              <a:buNone/>
+            </a:pPr>
+            <a:r>
+              <a:rPr lang="fr-FR" sz="2000" i="1" dirty="0"/>
+              <a:t>Une équipe qui met 1h10 a pris le train.</a:t>
+            </a:r>
+            <a:endParaRPr lang="fr-FR" sz="1800" i="1" dirty="0"/>
           </a:p>
           <a:p>
             <a:pPr lvl="2">
@@ -3800,1000 +7475,168 @@
           </a:p>
         </p:txBody>
       </p:sp>
-    </p:spTree>
-    <p:extLst>
-      <p:ext uri="{BB962C8B-B14F-4D97-AF65-F5344CB8AC3E}">
-        <p14:creationId xmlns:p14="http://schemas.microsoft.com/office/powerpoint/2010/main" val="1943596813"/>
-      </p:ext>
-    </p:extLst>
-  </p:cSld>
-  <p:clrMapOvr>
-    <a:masterClrMapping/>
-  </p:clrMapOvr>
-</p:sld>
-</file>
-
-<file path=ppt/slides/slide6.xml><?xml version="1.0" encoding="utf-8"?>
-<p:sld xmlns:a="http://schemas.openxmlformats.org/drawingml/2006/main" xmlns:r="http://schemas.openxmlformats.org/officeDocument/2006/relationships" xmlns:p="http://schemas.openxmlformats.org/presentationml/2006/main">
-  <p:cSld>
-    <p:spTree>
-      <p:nvGrpSpPr>
-        <p:cNvPr id="1" name=""/>
-        <p:cNvGrpSpPr/>
-        <p:nvPr/>
-      </p:nvGrpSpPr>
-      <p:grpSpPr>
-        <a:xfrm>
-          <a:off x="0" y="0"/>
-          <a:ext cx="0" cy="0"/>
-          <a:chOff x="0" y="0"/>
-          <a:chExt cx="0" cy="0"/>
-        </a:xfrm>
-      </p:grpSpPr>
-      <p:sp>
-        <p:nvSpPr>
-          <p:cNvPr id="2" name="Titre 1">
+      <p:pic>
+        <p:nvPicPr>
+          <p:cNvPr id="5" name="Image 4">
             <a:extLst>
               <a:ext uri="{FF2B5EF4-FFF2-40B4-BE49-F238E27FC236}">
-                <a16:creationId xmlns:a16="http://schemas.microsoft.com/office/drawing/2014/main" id="{CFED6C93-0D00-4165-AE58-B4986A672F3C}"/>
+                <a16:creationId xmlns:a16="http://schemas.microsoft.com/office/drawing/2014/main" id="{80DF8154-6431-4FC6-8197-F76F46000978}"/>
               </a:ext>
             </a:extLst>
           </p:cNvPr>
-          <p:cNvSpPr>
-            <a:spLocks noGrp="1"/>
-          </p:cNvSpPr>
-          <p:nvPr>
-            <p:ph type="title"/>
-          </p:nvPr>
+          <p:cNvPicPr>
+            <a:picLocks noChangeAspect="1"/>
+          </p:cNvPicPr>
+          <p:nvPr/>
+        </p:nvPicPr>
+        <p:blipFill rotWithShape="1">
+          <a:blip r:embed="rId2"/>
+          <a:srcRect l="38265" t="67793"/>
+          <a:stretch/>
+        </p:blipFill>
+        <p:spPr>
+          <a:xfrm>
+            <a:off x="2356692" y="2105525"/>
+            <a:ext cx="3520735" cy="1783387"/>
+          </a:xfrm>
+          <a:prstGeom prst="rect">
+            <a:avLst/>
+          </a:prstGeom>
+        </p:spPr>
+      </p:pic>
+      <p:cxnSp>
+        <p:nvCxnSpPr>
+          <p:cNvPr id="6" name="Connecteur droit 5">
+            <a:extLst>
+              <a:ext uri="{FF2B5EF4-FFF2-40B4-BE49-F238E27FC236}">
+                <a16:creationId xmlns:a16="http://schemas.microsoft.com/office/drawing/2014/main" id="{1835633E-3836-42D1-875E-3AB76A7C3273}"/>
+              </a:ext>
+            </a:extLst>
+          </p:cNvPr>
+          <p:cNvCxnSpPr>
+            <a:cxnSpLocks/>
+          </p:cNvCxnSpPr>
+          <p:nvPr/>
+        </p:nvCxnSpPr>
+        <p:spPr>
+          <a:xfrm flipH="1" flipV="1">
+            <a:off x="4295273" y="2941721"/>
+            <a:ext cx="222584" cy="397817"/>
+          </a:xfrm>
+          <a:prstGeom prst="line">
+            <a:avLst/>
+          </a:prstGeom>
+          <a:ln>
+            <a:solidFill>
+              <a:schemeClr val="bg2">
+                <a:lumMod val="25000"/>
+              </a:schemeClr>
+            </a:solidFill>
+          </a:ln>
+        </p:spPr>
+        <p:style>
+          <a:lnRef idx="2">
+            <a:schemeClr val="accent1"/>
+          </a:lnRef>
+          <a:fillRef idx="0">
+            <a:schemeClr val="accent1"/>
+          </a:fillRef>
+          <a:effectRef idx="1">
+            <a:schemeClr val="accent1"/>
+          </a:effectRef>
+          <a:fontRef idx="minor">
+            <a:schemeClr val="tx1"/>
+          </a:fontRef>
+        </p:style>
+      </p:cxnSp>
+      <p:sp>
+        <p:nvSpPr>
+          <p:cNvPr id="7" name="ZoneTexte 6">
+            <a:extLst>
+              <a:ext uri="{FF2B5EF4-FFF2-40B4-BE49-F238E27FC236}">
+                <a16:creationId xmlns:a16="http://schemas.microsoft.com/office/drawing/2014/main" id="{F47E9BEC-F3B3-4CC6-B754-534A55DD02C2}"/>
+              </a:ext>
+            </a:extLst>
+          </p:cNvPr>
+          <p:cNvSpPr txBox="1"/>
+          <p:nvPr/>
         </p:nvSpPr>
-        <p:spPr/>
+        <p:spPr>
+          <a:xfrm>
+            <a:off x="4467288" y="3269118"/>
+            <a:ext cx="688009" cy="400110"/>
+          </a:xfrm>
+          <a:prstGeom prst="rect">
+            <a:avLst/>
+          </a:prstGeom>
+          <a:noFill/>
+        </p:spPr>
         <p:txBody>
-          <a:bodyPr/>
+          <a:bodyPr wrap="none" rtlCol="0">
+            <a:spAutoFit/>
+          </a:bodyPr>
           <a:lstStyle/>
           <a:p>
             <a:r>
-              <a:rPr lang="fr-FR" dirty="0"/>
-              <a:t>Innocenter un suspect</a:t>
+              <a:rPr lang="fr-FR" sz="2000" dirty="0">
+                <a:solidFill>
+                  <a:schemeClr val="bg2">
+                    <a:lumMod val="25000"/>
+                  </a:schemeClr>
+                </a:solidFill>
+                <a:latin typeface="Verdana"/>
+              </a:rPr>
+              <a:t>B01</a:t>
             </a:r>
           </a:p>
         </p:txBody>
       </p:sp>
       <p:sp>
         <p:nvSpPr>
-          <p:cNvPr id="3" name="Espace réservé du numéro de diapositive 2">
+          <p:cNvPr id="8" name="ZoneTexte 7">
             <a:extLst>
               <a:ext uri="{FF2B5EF4-FFF2-40B4-BE49-F238E27FC236}">
-                <a16:creationId xmlns:a16="http://schemas.microsoft.com/office/drawing/2014/main" id="{06D83D37-56EF-402A-BCB2-E1F3FA710DAC}"/>
+                <a16:creationId xmlns:a16="http://schemas.microsoft.com/office/drawing/2014/main" id="{29A19BA4-B3B1-488C-A091-B4477B39D7A5}"/>
               </a:ext>
             </a:extLst>
           </p:cNvPr>
-          <p:cNvSpPr>
-            <a:spLocks noGrp="1"/>
-          </p:cNvSpPr>
-          <p:nvPr>
-            <p:ph type="sldNum" sz="quarter" idx="12"/>
-          </p:nvPr>
+          <p:cNvSpPr txBox="1"/>
+          <p:nvPr/>
         </p:nvSpPr>
-        <p:spPr/>
+        <p:spPr>
+          <a:xfrm>
+            <a:off x="3882062" y="2621636"/>
+            <a:ext cx="688009" cy="400110"/>
+          </a:xfrm>
+          <a:prstGeom prst="rect">
+            <a:avLst/>
+          </a:prstGeom>
+          <a:noFill/>
+        </p:spPr>
         <p:txBody>
-          <a:bodyPr/>
+          <a:bodyPr wrap="none" rtlCol="0">
+            <a:spAutoFit/>
+          </a:bodyPr>
           <a:lstStyle/>
           <a:p>
-            <a:pPr>
-              <a:defRPr/>
-            </a:pPr>
-            <a:fld id="{D727A26F-F00B-4596-8258-FF21EF8271F6}" type="slidenum">
-              <a:rPr lang="fr-FR" smtClean="0"/>
-              <a:pPr>
-                <a:defRPr/>
-              </a:pPr>
-              <a:t>6</a:t>
-            </a:fld>
-            <a:endParaRPr lang="fr-FR" dirty="0"/>
-          </a:p>
-        </p:txBody>
-      </p:sp>
-      <p:sp>
-        <p:nvSpPr>
-          <p:cNvPr id="4" name="Espace réservé du contenu 3">
-            <a:extLst>
-              <a:ext uri="{FF2B5EF4-FFF2-40B4-BE49-F238E27FC236}">
-                <a16:creationId xmlns:a16="http://schemas.microsoft.com/office/drawing/2014/main" id="{BDFD34B4-13AA-4A68-A5A2-EA8A421B3BA0}"/>
-              </a:ext>
-            </a:extLst>
-          </p:cNvPr>
-          <p:cNvSpPr>
-            <a:spLocks noGrp="1"/>
-          </p:cNvSpPr>
-          <p:nvPr>
-            <p:ph idx="1"/>
-          </p:nvPr>
-        </p:nvSpPr>
-        <p:spPr/>
-        <p:txBody>
-          <a:bodyPr/>
-          <a:lstStyle/>
-          <a:p>
-            <a:r>
-              <a:rPr lang="fr-FR" sz="2400" dirty="0"/>
-              <a:t>Un suspect est innocent </a:t>
-            </a:r>
-          </a:p>
-          <a:p>
-            <a:pPr lvl="1"/>
-            <a:r>
-              <a:rPr lang="fr-FR" sz="2000" dirty="0"/>
-              <a:t>s’il ne pouvait pas être présent à 15h05 sur les lieux du crime</a:t>
-            </a:r>
-          </a:p>
-          <a:p>
-            <a:pPr lvl="1"/>
-            <a:r>
-              <a:rPr lang="fr-FR" sz="2000" dirty="0"/>
-              <a:t>compte tenu de ses géolocalisations connues</a:t>
-            </a:r>
-          </a:p>
-          <a:p>
-            <a:r>
-              <a:rPr lang="fr-FR" sz="2400" dirty="0"/>
-              <a:t>Exemples :</a:t>
-            </a:r>
-          </a:p>
-          <a:p>
-            <a:pPr lvl="1"/>
-            <a:r>
-              <a:rPr lang="fr-FR" sz="2000" dirty="0"/>
-              <a:t>Jacques a </a:t>
-            </a:r>
-            <a:r>
-              <a:rPr lang="fr-FR" sz="2000" dirty="0" err="1"/>
-              <a:t>tweeté</a:t>
-            </a:r>
-            <a:r>
-              <a:rPr lang="fr-FR" sz="2000" dirty="0"/>
-              <a:t> à 15h07 au Stade Rennais </a:t>
-            </a:r>
-          </a:p>
-          <a:p>
-            <a:pPr lvl="2"/>
-            <a:r>
-              <a:rPr lang="fr-FR" sz="1800" dirty="0"/>
-              <a:t>UFR Sciences sociales =&gt; Stade Rennais 8 minutes en voiture</a:t>
-            </a:r>
-          </a:p>
-          <a:p>
-            <a:pPr lvl="2">
-              <a:buFont typeface="Symbol" panose="05050102010706020507" pitchFamily="18" charset="2"/>
-              <a:buChar char="Þ"/>
-            </a:pPr>
-            <a:r>
-              <a:rPr lang="fr-FR" sz="1800" dirty="0"/>
-              <a:t> Jacques est innocent</a:t>
-            </a:r>
-          </a:p>
-          <a:p>
-            <a:pPr lvl="1"/>
-            <a:endParaRPr lang="fr-FR" dirty="0">
-              <a:solidFill>
-                <a:prstClr val="black"/>
-              </a:solidFill>
-            </a:endParaRPr>
-          </a:p>
-          <a:p>
-            <a:pPr marL="914400" lvl="2" indent="0">
-              <a:buClr>
-                <a:srgbClr val="004DFF"/>
-              </a:buClr>
-              <a:buNone/>
-            </a:pPr>
-            <a:endParaRPr lang="fr-FR" sz="1600" dirty="0">
-              <a:solidFill>
-                <a:prstClr val="black"/>
-              </a:solidFill>
-            </a:endParaRPr>
-          </a:p>
-          <a:p>
-            <a:pPr lvl="2">
-              <a:buClr>
-                <a:srgbClr val="004DFF"/>
-              </a:buClr>
-            </a:pPr>
-            <a:endParaRPr lang="fr-FR" dirty="0">
-              <a:solidFill>
-                <a:prstClr val="black"/>
-              </a:solidFill>
-            </a:endParaRPr>
-          </a:p>
-          <a:p>
-            <a:pPr lvl="2">
-              <a:buFont typeface="Symbol" panose="05050102010706020507" pitchFamily="18" charset="2"/>
-              <a:buChar char="Þ"/>
-            </a:pPr>
-            <a:endParaRPr lang="fr-FR" dirty="0"/>
-          </a:p>
-          <a:p>
-            <a:pPr lvl="1">
-              <a:buFont typeface="Symbol" panose="05050102010706020507" pitchFamily="18" charset="2"/>
-              <a:buChar char="Þ"/>
-            </a:pPr>
-            <a:endParaRPr lang="fr-FR" dirty="0"/>
-          </a:p>
-          <a:p>
-            <a:pPr lvl="2">
-              <a:buFont typeface="Symbol" panose="05050102010706020507" pitchFamily="18" charset="2"/>
-              <a:buChar char="Þ"/>
-            </a:pPr>
-            <a:endParaRPr lang="fr-FR" dirty="0"/>
+            <a:r>
+              <a:rPr lang="fr-FR" sz="2000" dirty="0">
+                <a:solidFill>
+                  <a:schemeClr val="bg2">
+                    <a:lumMod val="25000"/>
+                  </a:schemeClr>
+                </a:solidFill>
+                <a:latin typeface="Verdana"/>
+              </a:rPr>
+              <a:t>B02</a:t>
+            </a:r>
           </a:p>
         </p:txBody>
       </p:sp>
     </p:spTree>
     <p:extLst>
       <p:ext uri="{BB962C8B-B14F-4D97-AF65-F5344CB8AC3E}">
-        <p14:creationId xmlns:p14="http://schemas.microsoft.com/office/powerpoint/2010/main" val="3147035250"/>
-      </p:ext>
-    </p:extLst>
-  </p:cSld>
-  <p:clrMapOvr>
-    <a:masterClrMapping/>
-  </p:clrMapOvr>
-</p:sld>
-</file>
-
-<file path=ppt/slides/slide7.xml><?xml version="1.0" encoding="utf-8"?>
-<p:sld xmlns:a="http://schemas.openxmlformats.org/drawingml/2006/main" xmlns:r="http://schemas.openxmlformats.org/officeDocument/2006/relationships" xmlns:p="http://schemas.openxmlformats.org/presentationml/2006/main">
-  <p:cSld>
-    <p:spTree>
-      <p:nvGrpSpPr>
-        <p:cNvPr id="1" name=""/>
-        <p:cNvGrpSpPr/>
-        <p:nvPr/>
-      </p:nvGrpSpPr>
-      <p:grpSpPr>
-        <a:xfrm>
-          <a:off x="0" y="0"/>
-          <a:ext cx="0" cy="0"/>
-          <a:chOff x="0" y="0"/>
-          <a:chExt cx="0" cy="0"/>
-        </a:xfrm>
-      </p:grpSpPr>
-      <p:sp>
-        <p:nvSpPr>
-          <p:cNvPr id="2" name="Titre 1">
-            <a:extLst>
-              <a:ext uri="{FF2B5EF4-FFF2-40B4-BE49-F238E27FC236}">
-                <a16:creationId xmlns:a16="http://schemas.microsoft.com/office/drawing/2014/main" id="{CFED6C93-0D00-4165-AE58-B4986A672F3C}"/>
-              </a:ext>
-            </a:extLst>
-          </p:cNvPr>
-          <p:cNvSpPr>
-            <a:spLocks noGrp="1"/>
-          </p:cNvSpPr>
-          <p:nvPr>
-            <p:ph type="title"/>
-          </p:nvPr>
-        </p:nvSpPr>
-        <p:spPr/>
-        <p:txBody>
-          <a:bodyPr/>
-          <a:lstStyle/>
-          <a:p>
-            <a:r>
-              <a:rPr lang="fr-FR" dirty="0"/>
-              <a:t>Innocenter un suspect</a:t>
-            </a:r>
-          </a:p>
-        </p:txBody>
-      </p:sp>
-      <p:sp>
-        <p:nvSpPr>
-          <p:cNvPr id="3" name="Espace réservé du numéro de diapositive 2">
-            <a:extLst>
-              <a:ext uri="{FF2B5EF4-FFF2-40B4-BE49-F238E27FC236}">
-                <a16:creationId xmlns:a16="http://schemas.microsoft.com/office/drawing/2014/main" id="{06D83D37-56EF-402A-BCB2-E1F3FA710DAC}"/>
-              </a:ext>
-            </a:extLst>
-          </p:cNvPr>
-          <p:cNvSpPr>
-            <a:spLocks noGrp="1"/>
-          </p:cNvSpPr>
-          <p:nvPr>
-            <p:ph type="sldNum" sz="quarter" idx="12"/>
-          </p:nvPr>
-        </p:nvSpPr>
-        <p:spPr/>
-        <p:txBody>
-          <a:bodyPr/>
-          <a:lstStyle/>
-          <a:p>
-            <a:pPr>
-              <a:defRPr/>
-            </a:pPr>
-            <a:fld id="{D727A26F-F00B-4596-8258-FF21EF8271F6}" type="slidenum">
-              <a:rPr lang="fr-FR" smtClean="0"/>
-              <a:pPr>
-                <a:defRPr/>
-              </a:pPr>
-              <a:t>7</a:t>
-            </a:fld>
-            <a:endParaRPr lang="fr-FR" dirty="0"/>
-          </a:p>
-        </p:txBody>
-      </p:sp>
-      <p:sp>
-        <p:nvSpPr>
-          <p:cNvPr id="4" name="Espace réservé du contenu 3">
-            <a:extLst>
-              <a:ext uri="{FF2B5EF4-FFF2-40B4-BE49-F238E27FC236}">
-                <a16:creationId xmlns:a16="http://schemas.microsoft.com/office/drawing/2014/main" id="{BDFD34B4-13AA-4A68-A5A2-EA8A421B3BA0}"/>
-              </a:ext>
-            </a:extLst>
-          </p:cNvPr>
-          <p:cNvSpPr>
-            <a:spLocks noGrp="1"/>
-          </p:cNvSpPr>
-          <p:nvPr>
-            <p:ph idx="1"/>
-          </p:nvPr>
-        </p:nvSpPr>
-        <p:spPr/>
-        <p:txBody>
-          <a:bodyPr/>
-          <a:lstStyle/>
-          <a:p>
-            <a:r>
-              <a:rPr lang="fr-FR" sz="2400" dirty="0"/>
-              <a:t>Un suspect est innocent </a:t>
-            </a:r>
-          </a:p>
-          <a:p>
-            <a:pPr lvl="1"/>
-            <a:r>
-              <a:rPr lang="fr-FR" sz="2000" dirty="0"/>
-              <a:t>s’il ne pouvait pas être présent à 15h05 sur les lieux du crime</a:t>
-            </a:r>
-          </a:p>
-          <a:p>
-            <a:pPr lvl="1"/>
-            <a:r>
-              <a:rPr lang="fr-FR" sz="2000" dirty="0"/>
-              <a:t>compte tenu de ses géolocalisations connues</a:t>
-            </a:r>
-          </a:p>
-          <a:p>
-            <a:r>
-              <a:rPr lang="fr-FR" sz="2400" dirty="0"/>
-              <a:t>Exemples :</a:t>
-            </a:r>
-          </a:p>
-          <a:p>
-            <a:pPr lvl="1"/>
-            <a:r>
-              <a:rPr lang="fr-FR" sz="2000" dirty="0"/>
-              <a:t>Jacques a </a:t>
-            </a:r>
-            <a:r>
-              <a:rPr lang="fr-FR" sz="2000" dirty="0" err="1"/>
-              <a:t>tweeté</a:t>
-            </a:r>
-            <a:r>
-              <a:rPr lang="fr-FR" sz="2000" dirty="0"/>
-              <a:t> à 15h07 au Stade Rennais </a:t>
-            </a:r>
-          </a:p>
-          <a:p>
-            <a:pPr lvl="2"/>
-            <a:r>
-              <a:rPr lang="fr-FR" sz="1800" dirty="0"/>
-              <a:t>UFR Sciences sociales =&gt; Stade Rennais 8 minutes en voiture</a:t>
-            </a:r>
-          </a:p>
-          <a:p>
-            <a:pPr lvl="2">
-              <a:buFont typeface="Symbol" panose="05050102010706020507" pitchFamily="18" charset="2"/>
-              <a:buChar char="Þ"/>
-            </a:pPr>
-            <a:r>
-              <a:rPr lang="fr-FR" sz="1800" dirty="0"/>
-              <a:t> Jacques est innocent</a:t>
-            </a:r>
-          </a:p>
-          <a:p>
-            <a:pPr lvl="1"/>
-            <a:r>
-              <a:rPr lang="fr-FR" sz="2000" dirty="0"/>
-              <a:t>Josiane a </a:t>
-            </a:r>
-            <a:r>
-              <a:rPr lang="fr-FR" sz="2000" dirty="0" err="1"/>
-              <a:t>tweeté</a:t>
-            </a:r>
-            <a:r>
-              <a:rPr lang="fr-FR" sz="2000" dirty="0"/>
-              <a:t> à 11h40 à la Tour Eiffel</a:t>
-            </a:r>
-          </a:p>
-          <a:p>
-            <a:pPr lvl="2"/>
-            <a:r>
-              <a:rPr lang="fr-FR" sz="1800" dirty="0"/>
-              <a:t>Tour Eiffel =&gt; UFR Sciences sociale 3h20</a:t>
-            </a:r>
-          </a:p>
-          <a:p>
-            <a:pPr lvl="2">
-              <a:buFont typeface="Symbol" panose="05050102010706020507" pitchFamily="18" charset="2"/>
-              <a:buChar char="Þ"/>
-            </a:pPr>
-            <a:r>
-              <a:rPr lang="fr-FR" sz="1800" dirty="0"/>
-              <a:t> Ce tweet ne permet pas d’innocenter Josiane</a:t>
-            </a:r>
-          </a:p>
-          <a:p>
-            <a:pPr lvl="1"/>
-            <a:endParaRPr lang="fr-FR" dirty="0">
-              <a:solidFill>
-                <a:prstClr val="black"/>
-              </a:solidFill>
-            </a:endParaRPr>
-          </a:p>
-          <a:p>
-            <a:pPr marL="914400" lvl="2" indent="0">
-              <a:buClr>
-                <a:srgbClr val="004DFF"/>
-              </a:buClr>
-              <a:buNone/>
-            </a:pPr>
-            <a:endParaRPr lang="fr-FR" sz="1600" dirty="0">
-              <a:solidFill>
-                <a:prstClr val="black"/>
-              </a:solidFill>
-            </a:endParaRPr>
-          </a:p>
-          <a:p>
-            <a:pPr lvl="2">
-              <a:buClr>
-                <a:srgbClr val="004DFF"/>
-              </a:buClr>
-            </a:pPr>
-            <a:endParaRPr lang="fr-FR" dirty="0">
-              <a:solidFill>
-                <a:prstClr val="black"/>
-              </a:solidFill>
-            </a:endParaRPr>
-          </a:p>
-          <a:p>
-            <a:pPr lvl="2">
-              <a:buFont typeface="Symbol" panose="05050102010706020507" pitchFamily="18" charset="2"/>
-              <a:buChar char="Þ"/>
-            </a:pPr>
-            <a:endParaRPr lang="fr-FR" dirty="0"/>
-          </a:p>
-          <a:p>
-            <a:pPr lvl="1">
-              <a:buFont typeface="Symbol" panose="05050102010706020507" pitchFamily="18" charset="2"/>
-              <a:buChar char="Þ"/>
-            </a:pPr>
-            <a:endParaRPr lang="fr-FR" dirty="0"/>
-          </a:p>
-          <a:p>
-            <a:pPr lvl="2">
-              <a:buFont typeface="Symbol" panose="05050102010706020507" pitchFamily="18" charset="2"/>
-              <a:buChar char="Þ"/>
-            </a:pPr>
-            <a:endParaRPr lang="fr-FR" dirty="0"/>
-          </a:p>
-        </p:txBody>
-      </p:sp>
-    </p:spTree>
-    <p:extLst>
-      <p:ext uri="{BB962C8B-B14F-4D97-AF65-F5344CB8AC3E}">
-        <p14:creationId xmlns:p14="http://schemas.microsoft.com/office/powerpoint/2010/main" val="2324639900"/>
-      </p:ext>
-    </p:extLst>
-  </p:cSld>
-  <p:clrMapOvr>
-    <a:masterClrMapping/>
-  </p:clrMapOvr>
-</p:sld>
-</file>
-
-<file path=ppt/slides/slide8.xml><?xml version="1.0" encoding="utf-8"?>
-<p:sld xmlns:a="http://schemas.openxmlformats.org/drawingml/2006/main" xmlns:r="http://schemas.openxmlformats.org/officeDocument/2006/relationships" xmlns:p="http://schemas.openxmlformats.org/presentationml/2006/main">
-  <p:cSld>
-    <p:spTree>
-      <p:nvGrpSpPr>
-        <p:cNvPr id="1" name=""/>
-        <p:cNvGrpSpPr/>
-        <p:nvPr/>
-      </p:nvGrpSpPr>
-      <p:grpSpPr>
-        <a:xfrm>
-          <a:off x="0" y="0"/>
-          <a:ext cx="0" cy="0"/>
-          <a:chOff x="0" y="0"/>
-          <a:chExt cx="0" cy="0"/>
-        </a:xfrm>
-      </p:grpSpPr>
-      <p:sp>
-        <p:nvSpPr>
-          <p:cNvPr id="2" name="Titre 1">
-            <a:extLst>
-              <a:ext uri="{FF2B5EF4-FFF2-40B4-BE49-F238E27FC236}">
-                <a16:creationId xmlns:a16="http://schemas.microsoft.com/office/drawing/2014/main" id="{CFED6C93-0D00-4165-AE58-B4986A672F3C}"/>
-              </a:ext>
-            </a:extLst>
-          </p:cNvPr>
-          <p:cNvSpPr>
-            <a:spLocks noGrp="1"/>
-          </p:cNvSpPr>
-          <p:nvPr>
-            <p:ph type="title"/>
-          </p:nvPr>
-        </p:nvSpPr>
-        <p:spPr/>
-        <p:txBody>
-          <a:bodyPr/>
-          <a:lstStyle/>
-          <a:p>
-            <a:r>
-              <a:rPr lang="fr-FR" dirty="0"/>
-              <a:t>Innocenter un suspect</a:t>
-            </a:r>
-          </a:p>
-        </p:txBody>
-      </p:sp>
-      <p:sp>
-        <p:nvSpPr>
-          <p:cNvPr id="3" name="Espace réservé du numéro de diapositive 2">
-            <a:extLst>
-              <a:ext uri="{FF2B5EF4-FFF2-40B4-BE49-F238E27FC236}">
-                <a16:creationId xmlns:a16="http://schemas.microsoft.com/office/drawing/2014/main" id="{06D83D37-56EF-402A-BCB2-E1F3FA710DAC}"/>
-              </a:ext>
-            </a:extLst>
-          </p:cNvPr>
-          <p:cNvSpPr>
-            <a:spLocks noGrp="1"/>
-          </p:cNvSpPr>
-          <p:nvPr>
-            <p:ph type="sldNum" sz="quarter" idx="12"/>
-          </p:nvPr>
-        </p:nvSpPr>
-        <p:spPr/>
-        <p:txBody>
-          <a:bodyPr/>
-          <a:lstStyle/>
-          <a:p>
-            <a:pPr>
-              <a:defRPr/>
-            </a:pPr>
-            <a:fld id="{D727A26F-F00B-4596-8258-FF21EF8271F6}" type="slidenum">
-              <a:rPr lang="fr-FR" smtClean="0"/>
-              <a:pPr>
-                <a:defRPr/>
-              </a:pPr>
-              <a:t>8</a:t>
-            </a:fld>
-            <a:endParaRPr lang="fr-FR" dirty="0"/>
-          </a:p>
-        </p:txBody>
-      </p:sp>
-      <p:sp>
-        <p:nvSpPr>
-          <p:cNvPr id="4" name="Espace réservé du contenu 3">
-            <a:extLst>
-              <a:ext uri="{FF2B5EF4-FFF2-40B4-BE49-F238E27FC236}">
-                <a16:creationId xmlns:a16="http://schemas.microsoft.com/office/drawing/2014/main" id="{BDFD34B4-13AA-4A68-A5A2-EA8A421B3BA0}"/>
-              </a:ext>
-            </a:extLst>
-          </p:cNvPr>
-          <p:cNvSpPr>
-            <a:spLocks noGrp="1"/>
-          </p:cNvSpPr>
-          <p:nvPr>
-            <p:ph idx="1"/>
-          </p:nvPr>
-        </p:nvSpPr>
-        <p:spPr/>
-        <p:txBody>
-          <a:bodyPr/>
-          <a:lstStyle/>
-          <a:p>
-            <a:r>
-              <a:rPr lang="fr-FR" sz="2400" dirty="0"/>
-              <a:t>Un suspect est innocent </a:t>
-            </a:r>
-          </a:p>
-          <a:p>
-            <a:pPr lvl="1"/>
-            <a:r>
-              <a:rPr lang="fr-FR" sz="2000" dirty="0"/>
-              <a:t>s’il ne pouvait pas être présent à 15h05 sur les lieux du crime</a:t>
-            </a:r>
-          </a:p>
-          <a:p>
-            <a:pPr lvl="1"/>
-            <a:r>
-              <a:rPr lang="fr-FR" sz="2000" dirty="0"/>
-              <a:t>compte tenu de ses géolocalisations connues</a:t>
-            </a:r>
-          </a:p>
-          <a:p>
-            <a:r>
-              <a:rPr lang="fr-FR" sz="2400" dirty="0"/>
-              <a:t>Exemples :</a:t>
-            </a:r>
-          </a:p>
-          <a:p>
-            <a:pPr lvl="1"/>
-            <a:r>
-              <a:rPr lang="fr-FR" sz="2000" dirty="0"/>
-              <a:t>Jacques a </a:t>
-            </a:r>
-            <a:r>
-              <a:rPr lang="fr-FR" sz="2000" dirty="0" err="1"/>
-              <a:t>tweeté</a:t>
-            </a:r>
-            <a:r>
-              <a:rPr lang="fr-FR" sz="2000" dirty="0"/>
-              <a:t> à 15h07 au Stade Rennais </a:t>
-            </a:r>
-          </a:p>
-          <a:p>
-            <a:pPr lvl="2"/>
-            <a:r>
-              <a:rPr lang="fr-FR" sz="1800" dirty="0"/>
-              <a:t>UFR Sciences sociales =&gt; Stade Rennais 8 minutes en voiture</a:t>
-            </a:r>
-          </a:p>
-          <a:p>
-            <a:pPr lvl="2">
-              <a:buFont typeface="Symbol" panose="05050102010706020507" pitchFamily="18" charset="2"/>
-              <a:buChar char="Þ"/>
-            </a:pPr>
-            <a:r>
-              <a:rPr lang="fr-FR" sz="1800" dirty="0"/>
-              <a:t> Jacques est innocent</a:t>
-            </a:r>
-          </a:p>
-          <a:p>
-            <a:pPr lvl="1"/>
-            <a:r>
-              <a:rPr lang="fr-FR" sz="2000" dirty="0"/>
-              <a:t>Josiane a </a:t>
-            </a:r>
-            <a:r>
-              <a:rPr lang="fr-FR" sz="2000" dirty="0" err="1"/>
-              <a:t>tweeté</a:t>
-            </a:r>
-            <a:r>
-              <a:rPr lang="fr-FR" sz="2000" dirty="0"/>
-              <a:t> à 11h40 à la Tour Eiffel</a:t>
-            </a:r>
-          </a:p>
-          <a:p>
-            <a:pPr lvl="2"/>
-            <a:r>
-              <a:rPr lang="fr-FR" sz="1800" dirty="0"/>
-              <a:t>Tour Eiffel =&gt; UFR Sciences sociale 3h20</a:t>
-            </a:r>
-          </a:p>
-          <a:p>
-            <a:pPr lvl="2">
-              <a:buFont typeface="Symbol" panose="05050102010706020507" pitchFamily="18" charset="2"/>
-              <a:buChar char="Þ"/>
-            </a:pPr>
-            <a:r>
-              <a:rPr lang="fr-FR" sz="1800" dirty="0"/>
-              <a:t> Ce tweet ne permet pas d’innocenter Josiane</a:t>
-            </a:r>
-          </a:p>
-          <a:p>
-            <a:pPr lvl="1"/>
-            <a:r>
-              <a:rPr lang="fr-FR" sz="2000" dirty="0">
-                <a:solidFill>
-                  <a:prstClr val="black"/>
-                </a:solidFill>
-              </a:rPr>
-              <a:t>Le téléphone de Marcelle a borné à 14h30 à Nantes</a:t>
-            </a:r>
-          </a:p>
-          <a:p>
-            <a:pPr lvl="2"/>
-            <a:r>
-              <a:rPr lang="fr-FR" sz="1800" dirty="0"/>
-              <a:t>Nantes =&gt; UFR Sciences sociale 1h10</a:t>
-            </a:r>
-          </a:p>
-          <a:p>
-            <a:pPr lvl="2">
-              <a:buFont typeface="Symbol" panose="05050102010706020507" pitchFamily="18" charset="2"/>
-              <a:buChar char="Þ"/>
-            </a:pPr>
-            <a:r>
-              <a:rPr lang="fr-FR" sz="1800" dirty="0"/>
-              <a:t> Marcelle est innocente</a:t>
-            </a:r>
-          </a:p>
-          <a:p>
-            <a:pPr lvl="1"/>
-            <a:endParaRPr lang="fr-FR" dirty="0">
-              <a:solidFill>
-                <a:prstClr val="black"/>
-              </a:solidFill>
-            </a:endParaRPr>
-          </a:p>
-          <a:p>
-            <a:pPr marL="914400" lvl="2" indent="0">
-              <a:buClr>
-                <a:srgbClr val="004DFF"/>
-              </a:buClr>
-              <a:buNone/>
-            </a:pPr>
-            <a:endParaRPr lang="fr-FR" sz="1600" dirty="0">
-              <a:solidFill>
-                <a:prstClr val="black"/>
-              </a:solidFill>
-            </a:endParaRPr>
-          </a:p>
-          <a:p>
-            <a:pPr lvl="2">
-              <a:buClr>
-                <a:srgbClr val="004DFF"/>
-              </a:buClr>
-            </a:pPr>
-            <a:endParaRPr lang="fr-FR" dirty="0">
-              <a:solidFill>
-                <a:prstClr val="black"/>
-              </a:solidFill>
-            </a:endParaRPr>
-          </a:p>
-          <a:p>
-            <a:pPr lvl="2">
-              <a:buFont typeface="Symbol" panose="05050102010706020507" pitchFamily="18" charset="2"/>
-              <a:buChar char="Þ"/>
-            </a:pPr>
-            <a:endParaRPr lang="fr-FR" dirty="0"/>
-          </a:p>
-          <a:p>
-            <a:pPr lvl="1">
-              <a:buFont typeface="Symbol" panose="05050102010706020507" pitchFamily="18" charset="2"/>
-              <a:buChar char="Þ"/>
-            </a:pPr>
-            <a:endParaRPr lang="fr-FR" dirty="0"/>
-          </a:p>
-          <a:p>
-            <a:pPr lvl="2">
-              <a:buFont typeface="Symbol" panose="05050102010706020507" pitchFamily="18" charset="2"/>
-              <a:buChar char="Þ"/>
-            </a:pPr>
-            <a:endParaRPr lang="fr-FR" dirty="0"/>
-          </a:p>
-        </p:txBody>
-      </p:sp>
-    </p:spTree>
-    <p:extLst>
-      <p:ext uri="{BB962C8B-B14F-4D97-AF65-F5344CB8AC3E}">
-        <p14:creationId xmlns:p14="http://schemas.microsoft.com/office/powerpoint/2010/main" val="755872370"/>
-      </p:ext>
-    </p:extLst>
-  </p:cSld>
-  <p:clrMapOvr>
-    <a:masterClrMapping/>
-  </p:clrMapOvr>
-</p:sld>
-</file>
-
-<file path=ppt/slides/slide9.xml><?xml version="1.0" encoding="utf-8"?>
-<p:sld xmlns:a="http://schemas.openxmlformats.org/drawingml/2006/main" xmlns:r="http://schemas.openxmlformats.org/officeDocument/2006/relationships" xmlns:p="http://schemas.openxmlformats.org/presentationml/2006/main">
-  <p:cSld>
-    <p:spTree>
-      <p:nvGrpSpPr>
-        <p:cNvPr id="1" name=""/>
-        <p:cNvGrpSpPr/>
-        <p:nvPr/>
-      </p:nvGrpSpPr>
-      <p:grpSpPr>
-        <a:xfrm>
-          <a:off x="0" y="0"/>
-          <a:ext cx="0" cy="0"/>
-          <a:chOff x="0" y="0"/>
-          <a:chExt cx="0" cy="0"/>
-        </a:xfrm>
-      </p:grpSpPr>
-      <p:sp>
-        <p:nvSpPr>
-          <p:cNvPr id="2" name="Titre 1">
-            <a:extLst>
-              <a:ext uri="{FF2B5EF4-FFF2-40B4-BE49-F238E27FC236}">
-                <a16:creationId xmlns:a16="http://schemas.microsoft.com/office/drawing/2014/main" id="{CFBCEC0E-D752-46F6-A9A1-587F4E7C8E90}"/>
-              </a:ext>
-            </a:extLst>
-          </p:cNvPr>
-          <p:cNvSpPr>
-            <a:spLocks noGrp="1"/>
-          </p:cNvSpPr>
-          <p:nvPr>
-            <p:ph type="title"/>
-          </p:nvPr>
-        </p:nvSpPr>
-        <p:spPr/>
-        <p:txBody>
-          <a:bodyPr/>
-          <a:lstStyle/>
-          <a:p>
-            <a:r>
-              <a:rPr lang="fr-FR" dirty="0"/>
-              <a:t>Techniquement</a:t>
-            </a:r>
-          </a:p>
-        </p:txBody>
-      </p:sp>
-      <p:sp>
-        <p:nvSpPr>
-          <p:cNvPr id="3" name="Espace réservé du numéro de diapositive 2">
-            <a:extLst>
-              <a:ext uri="{FF2B5EF4-FFF2-40B4-BE49-F238E27FC236}">
-                <a16:creationId xmlns:a16="http://schemas.microsoft.com/office/drawing/2014/main" id="{E2AE9AFF-1721-45B1-869F-8953F0A1CF05}"/>
-              </a:ext>
-            </a:extLst>
-          </p:cNvPr>
-          <p:cNvSpPr>
-            <a:spLocks noGrp="1"/>
-          </p:cNvSpPr>
-          <p:nvPr>
-            <p:ph type="sldNum" sz="quarter" idx="12"/>
-          </p:nvPr>
-        </p:nvSpPr>
-        <p:spPr/>
-        <p:txBody>
-          <a:bodyPr/>
-          <a:lstStyle/>
-          <a:p>
-            <a:pPr>
-              <a:defRPr/>
-            </a:pPr>
-            <a:fld id="{D727A26F-F00B-4596-8258-FF21EF8271F6}" type="slidenum">
-              <a:rPr lang="fr-FR" smtClean="0"/>
-              <a:pPr>
-                <a:defRPr/>
-              </a:pPr>
-              <a:t>9</a:t>
-            </a:fld>
-            <a:endParaRPr lang="fr-FR" dirty="0"/>
-          </a:p>
-        </p:txBody>
-      </p:sp>
-      <p:sp>
-        <p:nvSpPr>
-          <p:cNvPr id="4" name="Espace réservé du contenu 3">
-            <a:extLst>
-              <a:ext uri="{FF2B5EF4-FFF2-40B4-BE49-F238E27FC236}">
-                <a16:creationId xmlns:a16="http://schemas.microsoft.com/office/drawing/2014/main" id="{F943E2F7-6CC7-42D5-B1CE-EAD96F0688F2}"/>
-              </a:ext>
-            </a:extLst>
-          </p:cNvPr>
-          <p:cNvSpPr>
-            <a:spLocks noGrp="1"/>
-          </p:cNvSpPr>
-          <p:nvPr>
-            <p:ph idx="1"/>
-          </p:nvPr>
-        </p:nvSpPr>
-        <p:spPr/>
-        <p:txBody>
-          <a:bodyPr/>
-          <a:lstStyle/>
-          <a:p>
-            <a:r>
-              <a:rPr lang="fr-FR" dirty="0"/>
-              <a:t>Liste des suspects</a:t>
-            </a:r>
-          </a:p>
-          <a:p>
-            <a:pPr lvl="1"/>
-            <a:r>
-              <a:rPr lang="fr-FR" dirty="0"/>
-              <a:t>Fichier suspect.csv</a:t>
-            </a:r>
-          </a:p>
-          <a:p>
-            <a:r>
-              <a:rPr lang="fr-FR" dirty="0"/>
-              <a:t>Tweets des suspects</a:t>
-            </a:r>
-          </a:p>
-          <a:p>
-            <a:pPr lvl="1"/>
-            <a:r>
-              <a:rPr lang="fr-FR" dirty="0"/>
-              <a:t>Utiliser l’API </a:t>
-            </a:r>
-            <a:r>
-              <a:rPr lang="fr-FR" dirty="0" err="1"/>
-              <a:t>tweepy</a:t>
-            </a:r>
-            <a:r>
-              <a:rPr lang="fr-FR" dirty="0"/>
-              <a:t> avec les identifiants des suspects</a:t>
-            </a:r>
-          </a:p>
-          <a:p>
-            <a:r>
-              <a:rPr lang="fr-FR" dirty="0"/>
-              <a:t>Bornage </a:t>
-            </a:r>
-            <a:r>
-              <a:rPr lang="fr-FR" dirty="0" err="1"/>
-              <a:t>téléphoniqe</a:t>
-            </a:r>
-            <a:endParaRPr lang="fr-FR" dirty="0"/>
-          </a:p>
-          <a:p>
-            <a:pPr lvl="1"/>
-            <a:r>
-              <a:rPr lang="fr-FR" dirty="0"/>
-              <a:t>API bornage </a:t>
-            </a:r>
-            <a:r>
-              <a:rPr lang="fr-FR" sz="1200" dirty="0"/>
-              <a:t>: </a:t>
-            </a:r>
-            <a:r>
-              <a:rPr lang="fr-FR" sz="1200" dirty="0">
-                <a:hlinkClick r:id="rId2"/>
-              </a:rPr>
-              <a:t>http://my-json-server.typicode.com/alemaitr/python_opendata_l2/bornage</a:t>
-            </a:r>
-            <a:endParaRPr lang="fr-FR" sz="1200" dirty="0"/>
-          </a:p>
-          <a:p>
-            <a:r>
-              <a:rPr lang="fr-FR" dirty="0"/>
-              <a:t>Calcul de distance</a:t>
-            </a:r>
-          </a:p>
-          <a:p>
-            <a:pPr lvl="1"/>
-            <a:r>
-              <a:rPr lang="fr-FR" dirty="0"/>
-              <a:t>API </a:t>
-            </a:r>
-            <a:r>
-              <a:rPr lang="fr-FR" dirty="0" err="1"/>
-              <a:t>GraphHopper</a:t>
-            </a:r>
-            <a:endParaRPr lang="fr-FR" dirty="0"/>
-          </a:p>
-          <a:p>
-            <a:r>
-              <a:rPr lang="fr-FR" dirty="0"/>
-              <a:t>Comparaison de durées</a:t>
-            </a:r>
-          </a:p>
-          <a:p>
-            <a:pPr lvl="1"/>
-            <a:r>
-              <a:rPr lang="fr-FR" dirty="0"/>
-              <a:t>Module </a:t>
-            </a:r>
-            <a:r>
-              <a:rPr lang="fr-FR" dirty="0" err="1"/>
-              <a:t>datetime</a:t>
-            </a:r>
-            <a:endParaRPr lang="fr-FR" dirty="0"/>
-          </a:p>
-          <a:p>
-            <a:endParaRPr lang="fr-FR" dirty="0"/>
-          </a:p>
-        </p:txBody>
-      </p:sp>
-    </p:spTree>
-    <p:extLst>
-      <p:ext uri="{BB962C8B-B14F-4D97-AF65-F5344CB8AC3E}">
-        <p14:creationId xmlns:p14="http://schemas.microsoft.com/office/powerpoint/2010/main" val="2509622515"/>
+        <p14:creationId xmlns:p14="http://schemas.microsoft.com/office/powerpoint/2010/main" val="2834819450"/>
       </p:ext>
     </p:extLst>
   </p:cSld>
